--- a/lectures/p-05-program-impact.pptx
+++ b/lectures/p-05-program-impact.pptx
@@ -5,10 +5,10 @@
     <p:sldMasterId id="2147483648" r:id="rId1"/>
   </p:sldMasterIdLst>
   <p:notesMasterIdLst>
-    <p:notesMasterId r:id="rId56"/>
+    <p:notesMasterId r:id="rId57"/>
   </p:notesMasterIdLst>
   <p:handoutMasterIdLst>
-    <p:handoutMasterId r:id="rId57"/>
+    <p:handoutMasterId r:id="rId58"/>
   </p:handoutMasterIdLst>
   <p:sldIdLst>
     <p:sldId id="256" r:id="rId2"/>
@@ -48,23 +48,24 @@
     <p:sldId id="374" r:id="rId36"/>
     <p:sldId id="375" r:id="rId37"/>
     <p:sldId id="376" r:id="rId38"/>
-    <p:sldId id="378" r:id="rId39"/>
-    <p:sldId id="379" r:id="rId40"/>
-    <p:sldId id="380" r:id="rId41"/>
-    <p:sldId id="381" r:id="rId42"/>
-    <p:sldId id="382" r:id="rId43"/>
-    <p:sldId id="384" r:id="rId44"/>
-    <p:sldId id="322" r:id="rId45"/>
-    <p:sldId id="386" r:id="rId46"/>
-    <p:sldId id="387" r:id="rId47"/>
-    <p:sldId id="389" r:id="rId48"/>
-    <p:sldId id="388" r:id="rId49"/>
-    <p:sldId id="356" r:id="rId50"/>
-    <p:sldId id="392" r:id="rId51"/>
-    <p:sldId id="393" r:id="rId52"/>
-    <p:sldId id="394" r:id="rId53"/>
-    <p:sldId id="391" r:id="rId54"/>
-    <p:sldId id="377" r:id="rId55"/>
+    <p:sldId id="447" r:id="rId39"/>
+    <p:sldId id="378" r:id="rId40"/>
+    <p:sldId id="379" r:id="rId41"/>
+    <p:sldId id="380" r:id="rId42"/>
+    <p:sldId id="381" r:id="rId43"/>
+    <p:sldId id="382" r:id="rId44"/>
+    <p:sldId id="384" r:id="rId45"/>
+    <p:sldId id="322" r:id="rId46"/>
+    <p:sldId id="386" r:id="rId47"/>
+    <p:sldId id="387" r:id="rId48"/>
+    <p:sldId id="389" r:id="rId49"/>
+    <p:sldId id="388" r:id="rId50"/>
+    <p:sldId id="356" r:id="rId51"/>
+    <p:sldId id="392" r:id="rId52"/>
+    <p:sldId id="393" r:id="rId53"/>
+    <p:sldId id="394" r:id="rId54"/>
+    <p:sldId id="391" r:id="rId55"/>
+    <p:sldId id="377" r:id="rId56"/>
   </p:sldIdLst>
   <p:sldSz cx="7772400" cy="10058400"/>
   <p:notesSz cx="9601200" cy="7315200"/>
@@ -264,7 +265,7 @@
           <a:p>
             <a:fld id="{A33972A0-D2DC-4C5E-947C-999AC4BCA557}" type="datetimeFigureOut">
               <a:rPr lang="en-US" smtClean="0"/>
-              <a:t>9/3/2019</a:t>
+              <a:t>1/17/2021</a:t>
             </a:fld>
             <a:endParaRPr lang="en-US"/>
           </a:p>
@@ -429,7 +430,7 @@
           <a:p>
             <a:fld id="{FF03C39A-337C-43B7-983D-83172343289F}" type="datetimeFigureOut">
               <a:rPr lang="en-US" smtClean="0"/>
-              <a:t>9/3/2019</a:t>
+              <a:t>1/17/2021</a:t>
             </a:fld>
             <a:endParaRPr lang="en-US"/>
           </a:p>
@@ -1343,7 +1344,7 @@
           <a:p>
             <a:fld id="{2C788286-6892-4692-AC52-70E73709BF5D}" type="datetime1">
               <a:rPr lang="en-US" smtClean="0"/>
-              <a:t>9/3/2019</a:t>
+              <a:t>1/17/2021</a:t>
             </a:fld>
             <a:endParaRPr lang="en-US"/>
           </a:p>
@@ -1511,7 +1512,7 @@
           <a:p>
             <a:fld id="{4152C86E-824C-4B9C-BF87-D06EFC64ABDD}" type="datetime1">
               <a:rPr lang="en-US" smtClean="0"/>
-              <a:t>9/3/2019</a:t>
+              <a:t>1/17/2021</a:t>
             </a:fld>
             <a:endParaRPr lang="en-US"/>
           </a:p>
@@ -1747,7 +1748,7 @@
           <a:p>
             <a:fld id="{B659BCAA-A0B3-47C5-ABF8-0E47BD28C2CA}" type="datetime1">
               <a:rPr lang="en-US" smtClean="0"/>
-              <a:t>9/3/2019</a:t>
+              <a:t>1/17/2021</a:t>
             </a:fld>
             <a:endParaRPr lang="en-US"/>
           </a:p>
@@ -1874,7 +1875,7 @@
             <a:fld id="{EE38F263-8F67-4EB6-A377-0FB965046360}" type="datetime1">
               <a:rPr lang="en-US" smtClean="0"/>
               <a:pPr/>
-              <a:t>9/3/2019</a:t>
+              <a:t>1/17/2021</a:t>
             </a:fld>
             <a:endParaRPr lang="en-US"/>
           </a:p>
@@ -2043,7 +2044,7 @@
           <a:p>
             <a:fld id="{ABDDB279-9B8C-424B-9A9B-DF72EEDBF50F}" type="datetime1">
               <a:rPr lang="en-US" smtClean="0"/>
-              <a:t>9/3/2019</a:t>
+              <a:t>1/17/2021</a:t>
             </a:fld>
             <a:endParaRPr lang="en-US"/>
           </a:p>
@@ -2346,7 +2347,7 @@
           <a:p>
             <a:fld id="{8F79BC3A-619E-4F42-8FA5-87D3B7D7E962}" type="datetime1">
               <a:rPr lang="en-US" smtClean="0"/>
-              <a:t>9/3/2019</a:t>
+              <a:t>1/17/2021</a:t>
             </a:fld>
             <a:endParaRPr lang="en-US"/>
           </a:p>
@@ -2689,7 +2690,7 @@
           <a:p>
             <a:fld id="{102FC73B-49CE-4542-9309-879B990B72A7}" type="datetime1">
               <a:rPr lang="en-US" smtClean="0"/>
-              <a:t>9/3/2019</a:t>
+              <a:t>1/17/2021</a:t>
             </a:fld>
             <a:endParaRPr lang="en-US"/>
           </a:p>
@@ -3166,7 +3167,7 @@
           <a:p>
             <a:fld id="{0A2D0F45-D212-4754-9F51-3F736FAC4615}" type="datetime1">
               <a:rPr lang="en-US" smtClean="0"/>
-              <a:t>9/3/2019</a:t>
+              <a:t>1/17/2021</a:t>
             </a:fld>
             <a:endParaRPr lang="en-US"/>
           </a:p>
@@ -3341,7 +3342,7 @@
           <a:p>
             <a:fld id="{4C13EA23-5213-40B9-BB1C-33A7FE682BFF}" type="datetime1">
               <a:rPr lang="en-US" smtClean="0"/>
-              <a:t>9/3/2019</a:t>
+              <a:t>1/17/2021</a:t>
             </a:fld>
             <a:endParaRPr lang="en-US"/>
           </a:p>
@@ -3436,7 +3437,7 @@
           <a:p>
             <a:fld id="{439CA689-3F5A-4B85-9093-A601E22777B8}" type="datetime1">
               <a:rPr lang="en-US" smtClean="0"/>
-              <a:t>9/3/2019</a:t>
+              <a:t>1/17/2021</a:t>
             </a:fld>
             <a:endParaRPr lang="en-US"/>
           </a:p>
@@ -3781,7 +3782,7 @@
           <a:p>
             <a:fld id="{75787089-1A57-4FAF-BA34-70B97E20CEE5}" type="datetime1">
               <a:rPr lang="en-US" smtClean="0"/>
-              <a:t>9/3/2019</a:t>
+              <a:t>1/17/2021</a:t>
             </a:fld>
             <a:endParaRPr lang="en-US"/>
           </a:p>
@@ -4033,7 +4034,7 @@
           <a:p>
             <a:fld id="{9E1E90C7-F1FE-4D5F-AAA3-C2349B32AFE3}" type="datetime1">
               <a:rPr lang="en-US" smtClean="0"/>
-              <a:t>9/3/2019</a:t>
+              <a:t>1/17/2021</a:t>
             </a:fld>
             <a:endParaRPr lang="en-US"/>
           </a:p>
@@ -4302,7 +4303,7 @@
           <a:p>
             <a:fld id="{DB6D3295-5BF5-4E09-87B3-EEF71ECAF0D0}" type="datetime1">
               <a:rPr lang="en-US" smtClean="0"/>
-              <a:t>9/3/2019</a:t>
+              <a:t>1/17/2021</a:t>
             </a:fld>
             <a:endParaRPr lang="en-US"/>
           </a:p>
@@ -4757,7 +4758,7 @@
               </a:rPr>
               <a:t>interpreting</a:t>
             </a:r>
-            <a:r>
+            <a:br>
               <a:rPr lang="en-US" dirty="0">
                 <a:solidFill>
                   <a:schemeClr val="tx1">
@@ -4768,19 +4769,6 @@
                 <a:latin typeface="Stencil" panose="040409050D0802020404" pitchFamily="82" charset="0"/>
                 <a:cs typeface="Arial" panose="020B0604020202020204" pitchFamily="34" charset="0"/>
               </a:rPr>
-              <a:t/>
-            </a:r>
-            <a:br>
-              <a:rPr lang="en-US" dirty="0">
-                <a:solidFill>
-                  <a:schemeClr val="tx1">
-                    <a:lumMod val="50000"/>
-                    <a:lumOff val="50000"/>
-                  </a:schemeClr>
-                </a:solidFill>
-                <a:latin typeface="Stencil" panose="040409050D0802020404" pitchFamily="82" charset="0"/>
-                <a:cs typeface="Arial" panose="020B0604020202020204" pitchFamily="34" charset="0"/>
-              </a:rPr>
             </a:br>
             <a:r>
               <a:rPr lang="en-US" dirty="0">
@@ -4793,19 +4781,6 @@
                 <a:cs typeface="Arial" panose="020B0604020202020204" pitchFamily="34" charset="0"/>
               </a:rPr>
               <a:t>program</a:t>
-            </a:r>
-            <a:r>
-              <a:rPr lang="en-US" dirty="0">
-                <a:solidFill>
-                  <a:schemeClr val="tx1">
-                    <a:lumMod val="50000"/>
-                    <a:lumOff val="50000"/>
-                  </a:schemeClr>
-                </a:solidFill>
-                <a:latin typeface="Stencil" panose="040409050D0802020404" pitchFamily="82" charset="0"/>
-                <a:cs typeface="Arial" panose="020B0604020202020204" pitchFamily="34" charset="0"/>
-              </a:rPr>
-              <a:t/>
             </a:r>
             <a:br>
               <a:rPr lang="en-US" dirty="0">
@@ -5038,7 +5013,7 @@
               <a:defRPr/>
             </a:pPr>
             <a:r>
-              <a:rPr kumimoji="0" lang="en-US" sz="1600" b="0" i="0" u="none" strike="noStrike" kern="1200" cap="none" spc="0" normalizeH="0" baseline="0" noProof="0" dirty="0" smtClean="0">
+              <a:rPr kumimoji="0" lang="en-US" sz="1600" b="0" i="0" u="none" strike="noStrike" kern="1200" cap="none" spc="0" normalizeH="0" baseline="0" noProof="0" dirty="0">
                 <a:ln>
                   <a:noFill/>
                 </a:ln>
@@ -5057,7 +5032,7 @@
               <a:t>The cost of the program is the bet</a:t>
             </a:r>
             <a:r>
-              <a:rPr kumimoji="0" lang="en-US" sz="1600" b="0" i="0" u="none" strike="noStrike" kern="1200" cap="none" spc="0" normalizeH="0" noProof="0" dirty="0" smtClean="0">
+              <a:rPr kumimoji="0" lang="en-US" sz="1600" b="0" i="0" u="none" strike="noStrike" kern="1200" cap="none" spc="0" normalizeH="0" noProof="0" dirty="0">
                 <a:ln>
                   <a:noFill/>
                 </a:ln>
@@ -5124,7 +5099,7 @@
               <a:defRPr/>
             </a:pPr>
             <a:r>
-              <a:rPr kumimoji="0" lang="en-US" sz="1600" b="0" i="0" u="none" strike="noStrike" kern="1200" cap="none" spc="0" normalizeH="0" noProof="0" dirty="0" smtClean="0">
+              <a:rPr kumimoji="0" lang="en-US" sz="1600" b="0" i="0" u="none" strike="noStrike" kern="1200" cap="none" spc="0" normalizeH="0" noProof="0" dirty="0">
                 <a:ln>
                   <a:noFill/>
                 </a:ln>
@@ -5191,7 +5166,7 @@
               <a:defRPr/>
             </a:pPr>
             <a:r>
-              <a:rPr kumimoji="0" lang="en-US" sz="1600" b="0" i="0" u="none" strike="noStrike" kern="1200" cap="none" spc="0" normalizeH="0" noProof="0" dirty="0" smtClean="0">
+              <a:rPr kumimoji="0" lang="en-US" sz="1600" b="0" i="0" u="none" strike="noStrike" kern="1200" cap="none" spc="0" normalizeH="0" noProof="0" dirty="0">
                 <a:ln>
                   <a:noFill/>
                 </a:ln>
@@ -5258,7 +5233,7 @@
               <a:defRPr/>
             </a:pPr>
             <a:r>
-              <a:rPr lang="en-US" sz="1600" baseline="0" dirty="0" smtClean="0">
+              <a:rPr lang="en-US" sz="1600" baseline="0" dirty="0">
                 <a:solidFill>
                   <a:prstClr val="black">
                     <a:lumMod val="50000"/>
@@ -5271,7 +5246,7 @@
               <a:t>Preferences</a:t>
             </a:r>
             <a:r>
-              <a:rPr lang="en-US" sz="1600" dirty="0" smtClean="0">
+              <a:rPr lang="en-US" sz="1600" dirty="0">
                 <a:solidFill>
                   <a:prstClr val="black">
                     <a:lumMod val="50000"/>
@@ -7453,13 +7428,6 @@
   <p:clrMapOvr>
     <a:masterClrMapping/>
   </p:clrMapOvr>
-  <p:timing>
-    <p:tnLst>
-      <p:par>
-        <p:cTn id="1" dur="indefinite" restart="never" nodeType="tmRoot"/>
-      </p:par>
-    </p:tnLst>
-  </p:timing>
 </p:sld>
 </file>
 
@@ -9005,13 +8973,6 @@
   <p:clrMapOvr>
     <a:masterClrMapping/>
   </p:clrMapOvr>
-  <p:timing>
-    <p:tnLst>
-      <p:par>
-        <p:cTn id="1" dur="indefinite" restart="never" nodeType="tmRoot"/>
-      </p:par>
-    </p:tnLst>
-  </p:timing>
 </p:sld>
 </file>
 
@@ -10580,15 +10541,6 @@
               </a:rPr>
               <a:t>Treatment</a:t>
             </a:r>
-            <a:r>
-              <a:rPr lang="en-US" sz="765" dirty="0">
-                <a:solidFill>
-                  <a:prstClr val="black"/>
-                </a:solidFill>
-                <a:latin typeface="Calibri"/>
-              </a:rPr>
-              <a:t/>
-            </a:r>
             <a:br>
               <a:rPr lang="en-US" sz="765" dirty="0">
                 <a:solidFill>
@@ -10642,15 +10594,6 @@
                 <a:latin typeface="Calibri"/>
               </a:rPr>
               <a:t>Control</a:t>
-            </a:r>
-            <a:r>
-              <a:rPr lang="en-US" sz="765" dirty="0">
-                <a:solidFill>
-                  <a:prstClr val="black"/>
-                </a:solidFill>
-                <a:latin typeface="Calibri"/>
-              </a:rPr>
-              <a:t/>
             </a:r>
             <a:br>
               <a:rPr lang="en-US" sz="765" dirty="0">
@@ -10968,13 +10911,6 @@
   <p:clrMapOvr>
     <a:masterClrMapping/>
   </p:clrMapOvr>
-  <p:timing>
-    <p:tnLst>
-      <p:par>
-        <p:cTn id="1" dur="indefinite" restart="never" nodeType="tmRoot"/>
-      </p:par>
-    </p:tnLst>
-  </p:timing>
 </p:sld>
 </file>
 
@@ -11946,13 +11882,6 @@
   <p:clrMapOvr>
     <a:masterClrMapping/>
   </p:clrMapOvr>
-  <p:timing>
-    <p:tnLst>
-      <p:par>
-        <p:cTn id="1" dur="indefinite" restart="never" nodeType="tmRoot"/>
-      </p:par>
-    </p:tnLst>
-  </p:timing>
 </p:sld>
 </file>
 
@@ -13179,13 +13108,6 @@
   <p:clrMapOvr>
     <a:masterClrMapping/>
   </p:clrMapOvr>
-  <p:timing>
-    <p:tnLst>
-      <p:par>
-        <p:cTn id="1" dur="indefinite" restart="never" nodeType="tmRoot"/>
-      </p:par>
-    </p:tnLst>
-  </p:timing>
 </p:sld>
 </file>
 
@@ -14228,13 +14150,6 @@
   <p:clrMapOvr>
     <a:masterClrMapping/>
   </p:clrMapOvr>
-  <p:timing>
-    <p:tnLst>
-      <p:par>
-        <p:cTn id="1" dur="indefinite" restart="never" nodeType="tmRoot"/>
-      </p:par>
-    </p:tnLst>
-  </p:timing>
 </p:sld>
 </file>
 
@@ -15278,13 +15193,6 @@
   <p:clrMapOvr>
     <a:masterClrMapping/>
   </p:clrMapOvr>
-  <p:timing>
-    <p:tnLst>
-      <p:par>
-        <p:cTn id="1" dur="indefinite" restart="never" nodeType="tmRoot"/>
-      </p:par>
-    </p:tnLst>
-  </p:timing>
 </p:sld>
 </file>
 
@@ -16854,13 +16762,6 @@
   <p:clrMapOvr>
     <a:masterClrMapping/>
   </p:clrMapOvr>
-  <p:timing>
-    <p:tnLst>
-      <p:par>
-        <p:cTn id="1" dur="indefinite" restart="never" nodeType="tmRoot"/>
-      </p:par>
-    </p:tnLst>
-  </p:timing>
 </p:sld>
 </file>
 
@@ -18406,13 +18307,6 @@
   <p:clrMapOvr>
     <a:masterClrMapping/>
   </p:clrMapOvr>
-  <p:timing>
-    <p:tnLst>
-      <p:par>
-        <p:cTn id="1" dur="indefinite" restart="never" nodeType="tmRoot"/>
-      </p:par>
-    </p:tnLst>
-  </p:timing>
 </p:sld>
 </file>
 
@@ -19958,13 +19852,6 @@
   <p:clrMapOvr>
     <a:masterClrMapping/>
   </p:clrMapOvr>
-  <p:timing>
-    <p:tnLst>
-      <p:par>
-        <p:cTn id="1" dur="indefinite" restart="never" nodeType="tmRoot"/>
-      </p:par>
-    </p:tnLst>
-  </p:timing>
 </p:sld>
 </file>
 
@@ -23209,13 +23096,6 @@
   <p:clrMapOvr>
     <a:masterClrMapping/>
   </p:clrMapOvr>
-  <p:timing>
-    <p:tnLst>
-      <p:par>
-        <p:cTn id="1" dur="indefinite" restart="never" nodeType="tmRoot"/>
-      </p:par>
-    </p:tnLst>
-  </p:timing>
 </p:sld>
 </file>
 
@@ -24843,13 +24723,6 @@
   <p:clrMapOvr>
     <a:masterClrMapping/>
   </p:clrMapOvr>
-  <p:timing>
-    <p:tnLst>
-      <p:par>
-        <p:cTn id="1" dur="indefinite" restart="never" nodeType="tmRoot"/>
-      </p:par>
-    </p:tnLst>
-  </p:timing>
 </p:sld>
 </file>
 
@@ -26258,10 +26131,6 @@
                 </a:solidFill>
               </a:rPr>
               <a:t>What is a </a:t>
-            </a:r>
-            <a:r>
-              <a:rPr lang="en-US" dirty="0"/>
-              <a:t/>
             </a:r>
             <a:br>
               <a:rPr lang="en-US" dirty="0"/>
@@ -33025,13 +32894,6 @@
   <p:clrMapOvr>
     <a:masterClrMapping/>
   </p:clrMapOvr>
-  <p:timing>
-    <p:tnLst>
-      <p:par>
-        <p:cTn id="1" dur="indefinite" restart="never" nodeType="tmRoot"/>
-      </p:par>
-    </p:tnLst>
-  </p:timing>
 </p:sld>
 </file>
 
@@ -33416,10 +33278,6 @@
               </a:rPr>
               <a:t>Mechanics of</a:t>
             </a:r>
-            <a:r>
-              <a:rPr lang="en-US" dirty="0"/>
-              <a:t/>
-            </a:r>
             <a:br>
               <a:rPr lang="en-US" dirty="0"/>
             </a:br>
@@ -33583,9 +33441,7 @@
           <p:cNvGraphicFramePr>
             <a:graphicFrameLocks noChangeAspect="1"/>
           </p:cNvGraphicFramePr>
-          <p:nvPr>
-            <p:extLst/>
-          </p:nvPr>
+          <p:nvPr/>
         </p:nvGraphicFramePr>
         <p:xfrm>
           <a:off x="2473872" y="2986207"/>
@@ -33595,7 +33451,7 @@
           <a:graphicData uri="http://schemas.openxmlformats.org/presentationml/2006/ole">
             <mc:AlternateContent xmlns:mc="http://schemas.openxmlformats.org/markup-compatibility/2006">
               <mc:Choice xmlns:v="urn:schemas-microsoft-com:vml" Requires="v">
-                <p:oleObj spid="_x0000_s60571" name="Equation" r:id="rId3" imgW="1079280" imgH="444240" progId="Equation.3">
+                <p:oleObj spid="_x0000_s60589" name="Equation" r:id="rId3" imgW="1079280" imgH="444240" progId="Equation.3">
                   <p:embed/>
                 </p:oleObj>
               </mc:Choice>
@@ -33745,9 +33601,7 @@
           <p:cNvGraphicFramePr>
             <a:graphicFrameLocks noChangeAspect="1"/>
           </p:cNvGraphicFramePr>
-          <p:nvPr>
-            <p:extLst/>
-          </p:nvPr>
+          <p:nvPr/>
         </p:nvGraphicFramePr>
         <p:xfrm>
           <a:off x="2880480" y="4519811"/>
@@ -33757,7 +33611,7 @@
           <a:graphicData uri="http://schemas.openxmlformats.org/presentationml/2006/ole">
             <mc:AlternateContent xmlns:mc="http://schemas.openxmlformats.org/markup-compatibility/2006">
               <mc:Choice xmlns:v="urn:schemas-microsoft-com:vml" Requires="v">
-                <p:oleObj spid="_x0000_s60572" name="Equation" r:id="rId5" imgW="647700" imgH="292100" progId="Equation.3">
+                <p:oleObj spid="_x0000_s60590" name="Equation" r:id="rId5" imgW="647700" imgH="292100" progId="Equation.3">
                   <p:embed/>
                 </p:oleObj>
               </mc:Choice>
@@ -33817,9 +33671,7 @@
           <p:cNvGraphicFramePr>
             <a:graphicFrameLocks noChangeAspect="1"/>
           </p:cNvGraphicFramePr>
-          <p:nvPr>
-            <p:extLst/>
-          </p:nvPr>
+          <p:nvPr/>
         </p:nvGraphicFramePr>
         <p:xfrm>
           <a:off x="2855080" y="5530692"/>
@@ -33829,7 +33681,7 @@
           <a:graphicData uri="http://schemas.openxmlformats.org/presentationml/2006/ole">
             <mc:AlternateContent xmlns:mc="http://schemas.openxmlformats.org/markup-compatibility/2006">
               <mc:Choice xmlns:v="urn:schemas-microsoft-com:vml" Requires="v">
-                <p:oleObj spid="_x0000_s60573" name="Equation" r:id="rId7" imgW="660400" imgH="419100" progId="Equation.3">
+                <p:oleObj spid="_x0000_s60591" name="Equation" r:id="rId7" imgW="660400" imgH="419100" progId="Equation.3">
                   <p:embed/>
                 </p:oleObj>
               </mc:Choice>
@@ -33889,9 +33741,7 @@
           <p:cNvGraphicFramePr>
             <a:graphicFrameLocks noChangeAspect="1"/>
           </p:cNvGraphicFramePr>
-          <p:nvPr>
-            <p:extLst/>
-          </p:nvPr>
+          <p:nvPr/>
         </p:nvGraphicFramePr>
         <p:xfrm>
           <a:off x="4880218" y="6898305"/>
@@ -33901,7 +33751,7 @@
           <a:graphicData uri="http://schemas.openxmlformats.org/presentationml/2006/ole">
             <mc:AlternateContent xmlns:mc="http://schemas.openxmlformats.org/markup-compatibility/2006">
               <mc:Choice xmlns:v="urn:schemas-microsoft-com:vml" Requires="v">
-                <p:oleObj spid="_x0000_s60574" name="Equation" r:id="rId9" imgW="952087" imgH="241195" progId="Equation.3">
+                <p:oleObj spid="_x0000_s60592" name="Equation" r:id="rId9" imgW="952087" imgH="241195" progId="Equation.3">
                   <p:embed/>
                 </p:oleObj>
               </mc:Choice>
@@ -33961,9 +33811,7 @@
           <p:cNvGraphicFramePr>
             <a:graphicFrameLocks noChangeAspect="1"/>
           </p:cNvGraphicFramePr>
-          <p:nvPr>
-            <p:extLst/>
-          </p:nvPr>
+          <p:nvPr/>
         </p:nvGraphicFramePr>
         <p:xfrm>
           <a:off x="964926" y="8322558"/>
@@ -33973,7 +33821,7 @@
           <a:graphicData uri="http://schemas.openxmlformats.org/presentationml/2006/ole">
             <mc:AlternateContent xmlns:mc="http://schemas.openxmlformats.org/markup-compatibility/2006">
               <mc:Choice xmlns:v="urn:schemas-microsoft-com:vml" Requires="v">
-                <p:oleObj spid="_x0000_s60575" name="Equation" r:id="rId11" imgW="114151" imgH="215619" progId="Equation.3">
+                <p:oleObj spid="_x0000_s60593" name="Equation" r:id="rId11" imgW="114151" imgH="215619" progId="Equation.3">
                   <p:embed/>
                 </p:oleObj>
               </mc:Choice>
@@ -34033,9 +33881,7 @@
           <p:cNvGraphicFramePr>
             <a:graphicFrameLocks noChangeAspect="1"/>
           </p:cNvGraphicFramePr>
-          <p:nvPr>
-            <p:extLst/>
-          </p:nvPr>
+          <p:nvPr/>
         </p:nvGraphicFramePr>
         <p:xfrm>
           <a:off x="2767788" y="6949217"/>
@@ -34045,7 +33891,7 @@
           <a:graphicData uri="http://schemas.openxmlformats.org/presentationml/2006/ole">
             <mc:AlternateContent xmlns:mc="http://schemas.openxmlformats.org/markup-compatibility/2006">
               <mc:Choice xmlns:v="urn:schemas-microsoft-com:vml" Requires="v">
-                <p:oleObj spid="_x0000_s60576" name="Equation" r:id="rId13" imgW="876300" imgH="228600" progId="Equation.3">
+                <p:oleObj spid="_x0000_s60594" name="Equation" r:id="rId13" imgW="876300" imgH="228600" progId="Equation.3">
                   <p:embed/>
                 </p:oleObj>
               </mc:Choice>
@@ -34105,9 +33951,7 @@
           <p:cNvGraphicFramePr>
             <a:graphicFrameLocks noChangeAspect="1"/>
           </p:cNvGraphicFramePr>
-          <p:nvPr>
-            <p:extLst/>
-          </p:nvPr>
+          <p:nvPr/>
         </p:nvGraphicFramePr>
         <p:xfrm>
           <a:off x="4900063" y="2999170"/>
@@ -34117,7 +33961,7 @@
           <a:graphicData uri="http://schemas.openxmlformats.org/presentationml/2006/ole">
             <mc:AlternateContent xmlns:mc="http://schemas.openxmlformats.org/markup-compatibility/2006">
               <mc:Choice xmlns:v="urn:schemas-microsoft-com:vml" Requires="v">
-                <p:oleObj spid="_x0000_s60577" name="Equation" r:id="rId15" imgW="1180588" imgH="431613" progId="Equation.3">
+                <p:oleObj spid="_x0000_s60595" name="Equation" r:id="rId15" imgW="1180588" imgH="431613" progId="Equation.3">
                   <p:embed/>
                 </p:oleObj>
               </mc:Choice>
@@ -34177,9 +34021,7 @@
           <p:cNvGraphicFramePr>
             <a:graphicFrameLocks noChangeAspect="1"/>
           </p:cNvGraphicFramePr>
-          <p:nvPr>
-            <p:extLst/>
-          </p:nvPr>
+          <p:nvPr/>
         </p:nvGraphicFramePr>
         <p:xfrm>
           <a:off x="5227881" y="4519810"/>
@@ -34189,7 +34031,7 @@
           <a:graphicData uri="http://schemas.openxmlformats.org/presentationml/2006/ole">
             <mc:AlternateContent xmlns:mc="http://schemas.openxmlformats.org/markup-compatibility/2006">
               <mc:Choice xmlns:v="urn:schemas-microsoft-com:vml" Requires="v">
-                <p:oleObj spid="_x0000_s60578" name="Equation" r:id="rId17" imgW="647700" imgH="292100" progId="Equation.3">
+                <p:oleObj spid="_x0000_s60596" name="Equation" r:id="rId17" imgW="647700" imgH="292100" progId="Equation.3">
                   <p:embed/>
                 </p:oleObj>
               </mc:Choice>
@@ -34249,9 +34091,7 @@
           <p:cNvGraphicFramePr>
             <a:graphicFrameLocks noChangeAspect="1"/>
           </p:cNvGraphicFramePr>
-          <p:nvPr>
-            <p:extLst/>
-          </p:nvPr>
+          <p:nvPr/>
         </p:nvGraphicFramePr>
         <p:xfrm>
           <a:off x="4719881" y="5415598"/>
@@ -34261,7 +34101,7 @@
           <a:graphicData uri="http://schemas.openxmlformats.org/presentationml/2006/ole">
             <mc:AlternateContent xmlns:mc="http://schemas.openxmlformats.org/markup-compatibility/2006">
               <mc:Choice xmlns:v="urn:schemas-microsoft-com:vml" Requires="v">
-                <p:oleObj spid="_x0000_s60579" name="Equation" r:id="rId19" imgW="1282680" imgH="520560" progId="Equation.3">
+                <p:oleObj spid="_x0000_s60597" name="Equation" r:id="rId19" imgW="1282680" imgH="520560" progId="Equation.3">
                   <p:embed/>
                 </p:oleObj>
               </mc:Choice>
@@ -34883,9 +34723,7 @@
           <p:cNvGraphicFramePr>
             <a:graphicFrameLocks noChangeAspect="1"/>
           </p:cNvGraphicFramePr>
-          <p:nvPr>
-            <p:extLst/>
-          </p:nvPr>
+          <p:nvPr/>
         </p:nvGraphicFramePr>
         <p:xfrm>
           <a:off x="1387695" y="7070303"/>
@@ -34895,7 +34733,7 @@
           <a:graphicData uri="http://schemas.openxmlformats.org/presentationml/2006/ole">
             <mc:AlternateContent xmlns:mc="http://schemas.openxmlformats.org/markup-compatibility/2006">
               <mc:Choice xmlns:v="urn:schemas-microsoft-com:vml" Requires="v">
-                <p:oleObj spid="_x0000_s61459" name="Equation" r:id="rId3" imgW="2425700" imgH="736600" progId="Equation.3">
+                <p:oleObj spid="_x0000_s61461" name="Equation" r:id="rId3" imgW="2425700" imgH="736600" progId="Equation.3">
                   <p:embed/>
                 </p:oleObj>
               </mc:Choice>
@@ -34932,7 +34770,6 @@
                         <a:avLst/>
                       </a:prstGeom>
                       <a:noFill/>
-                      <a:extLst/>
                     </p:spPr>
                   </p:pic>
                 </p:oleObj>
@@ -35904,9 +35741,7 @@
           <p:cNvGraphicFramePr>
             <a:graphicFrameLocks noChangeAspect="1"/>
           </p:cNvGraphicFramePr>
-          <p:nvPr>
-            <p:extLst/>
-          </p:nvPr>
+          <p:nvPr/>
         </p:nvGraphicFramePr>
         <p:xfrm>
           <a:off x="2557256" y="3169515"/>
@@ -35916,7 +35751,7 @@
           <a:graphicData uri="http://schemas.openxmlformats.org/presentationml/2006/ole">
             <mc:AlternateContent xmlns:mc="http://schemas.openxmlformats.org/markup-compatibility/2006">
               <mc:Choice xmlns:v="urn:schemas-microsoft-com:vml" Requires="v">
-                <p:oleObj spid="_x0000_s62502" name="Equation" r:id="rId4" imgW="1320480" imgH="228600" progId="Equation.3">
+                <p:oleObj spid="_x0000_s62506" name="Equation" r:id="rId4" imgW="1320480" imgH="228600" progId="Equation.3">
                   <p:embed/>
                 </p:oleObj>
               </mc:Choice>
@@ -35947,7 +35782,6 @@
                         <a:avLst/>
                       </a:prstGeom>
                       <a:noFill/>
-                      <a:extLst/>
                     </p:spPr>
                   </p:pic>
                 </p:oleObj>
@@ -35962,9 +35796,7 @@
           <p:cNvGraphicFramePr>
             <a:graphicFrameLocks noChangeAspect="1"/>
           </p:cNvGraphicFramePr>
-          <p:nvPr>
-            <p:extLst/>
-          </p:nvPr>
+          <p:nvPr/>
         </p:nvGraphicFramePr>
         <p:xfrm>
           <a:off x="2514600" y="2514600"/>
@@ -35974,7 +35806,7 @@
           <a:graphicData uri="http://schemas.openxmlformats.org/presentationml/2006/ole">
             <mc:AlternateContent xmlns:mc="http://schemas.openxmlformats.org/markup-compatibility/2006">
               <mc:Choice xmlns:v="urn:schemas-microsoft-com:vml" Requires="v">
-                <p:oleObj spid="_x0000_s62503" name="Equation" r:id="rId6" imgW="1371600" imgH="241200" progId="Equation.3">
+                <p:oleObj spid="_x0000_s62507" name="Equation" r:id="rId6" imgW="1371600" imgH="241200" progId="Equation.3">
                   <p:embed/>
                 </p:oleObj>
               </mc:Choice>
@@ -36005,7 +35837,6 @@
                         <a:avLst/>
                       </a:prstGeom>
                       <a:noFill/>
-                      <a:extLst/>
                     </p:spPr>
                   </p:pic>
                 </p:oleObj>
@@ -36178,6 +36009,684 @@
 </file>
 
 <file path=ppt/slides/slide38.xml><?xml version="1.0" encoding="utf-8"?>
+<p:sld xmlns:a="http://schemas.openxmlformats.org/drawingml/2006/main" xmlns:r="http://schemas.openxmlformats.org/officeDocument/2006/relationships" xmlns:p="http://schemas.openxmlformats.org/presentationml/2006/main">
+  <p:cSld>
+    <p:spTree>
+      <p:nvGrpSpPr>
+        <p:cNvPr id="1" name=""/>
+        <p:cNvGrpSpPr/>
+        <p:nvPr/>
+      </p:nvGrpSpPr>
+      <p:grpSpPr>
+        <a:xfrm>
+          <a:off x="0" y="0"/>
+          <a:ext cx="0" cy="0"/>
+          <a:chOff x="0" y="0"/>
+          <a:chExt cx="0" cy="0"/>
+        </a:xfrm>
+      </p:grpSpPr>
+      <p:sp>
+        <p:nvSpPr>
+          <p:cNvPr id="2" name="Slide Number Placeholder 1">
+            <a:extLst>
+              <a:ext uri="{FF2B5EF4-FFF2-40B4-BE49-F238E27FC236}">
+                <a16:creationId xmlns:a16="http://schemas.microsoft.com/office/drawing/2014/main" id="{F27158B1-DDBF-4C77-8730-E5701968978E}"/>
+              </a:ext>
+            </a:extLst>
+          </p:cNvPr>
+          <p:cNvSpPr>
+            <a:spLocks noGrp="1"/>
+          </p:cNvSpPr>
+          <p:nvPr>
+            <p:ph type="sldNum" sz="quarter" idx="12"/>
+          </p:nvPr>
+        </p:nvSpPr>
+        <p:spPr/>
+        <p:txBody>
+          <a:bodyPr/>
+          <a:lstStyle/>
+          <a:p>
+            <a:fld id="{8A2A4A19-B384-42F8-8C0D-94C30AAB39F2}" type="slidenum">
+              <a:rPr lang="en-US" smtClean="0"/>
+              <a:pPr/>
+              <a:t>38</a:t>
+            </a:fld>
+            <a:endParaRPr lang="en-US"/>
+          </a:p>
+        </p:txBody>
+      </p:sp>
+      <p:sp>
+        <p:nvSpPr>
+          <p:cNvPr id="3" name="Rectangle 2">
+            <a:extLst>
+              <a:ext uri="{FF2B5EF4-FFF2-40B4-BE49-F238E27FC236}">
+                <a16:creationId xmlns:a16="http://schemas.microsoft.com/office/drawing/2014/main" id="{E988E723-3C7C-4684-B462-9EBC57FA68FC}"/>
+              </a:ext>
+            </a:extLst>
+          </p:cNvPr>
+          <p:cNvSpPr/>
+          <p:nvPr/>
+        </p:nvSpPr>
+        <p:spPr>
+          <a:xfrm>
+            <a:off x="445477" y="990600"/>
+            <a:ext cx="7962900" cy="8771632"/>
+          </a:xfrm>
+          <a:prstGeom prst="rect">
+            <a:avLst/>
+          </a:prstGeom>
+        </p:spPr>
+        <p:txBody>
+          <a:bodyPr wrap="square">
+            <a:spAutoFit/>
+          </a:bodyPr>
+          <a:lstStyle/>
+          <a:p>
+            <a:r>
+              <a:rPr lang="en-US" sz="1200" dirty="0">
+                <a:latin typeface="Courier New" panose="02070309020205020404" pitchFamily="49" charset="0"/>
+                <a:cs typeface="Courier New" panose="02070309020205020404" pitchFamily="49" charset="0"/>
+              </a:rPr>
+              <a:t># create some fake data</a:t>
+            </a:r>
+          </a:p>
+          <a:p>
+            <a:r>
+              <a:rPr lang="en-US" sz="1200" dirty="0">
+                <a:latin typeface="Courier New" panose="02070309020205020404" pitchFamily="49" charset="0"/>
+                <a:cs typeface="Courier New" panose="02070309020205020404" pitchFamily="49" charset="0"/>
+              </a:rPr>
+              <a:t># y = heartrate</a:t>
+            </a:r>
+          </a:p>
+          <a:p>
+            <a:r>
+              <a:rPr lang="en-US" sz="1200" dirty="0">
+                <a:latin typeface="Courier New" panose="02070309020205020404" pitchFamily="49" charset="0"/>
+                <a:cs typeface="Courier New" panose="02070309020205020404" pitchFamily="49" charset="0"/>
+              </a:rPr>
+              <a:t># t = treatment (e.g. caffeine)</a:t>
+            </a:r>
+          </a:p>
+          <a:p>
+            <a:r>
+              <a:rPr lang="en-US" sz="1200" dirty="0">
+                <a:latin typeface="Courier New" panose="02070309020205020404" pitchFamily="49" charset="0"/>
+                <a:cs typeface="Courier New" panose="02070309020205020404" pitchFamily="49" charset="0"/>
+              </a:rPr>
+              <a:t> </a:t>
+            </a:r>
+          </a:p>
+          <a:p>
+            <a:r>
+              <a:rPr lang="en-US" sz="1200" dirty="0">
+                <a:latin typeface="Courier New" panose="02070309020205020404" pitchFamily="49" charset="0"/>
+                <a:cs typeface="Courier New" panose="02070309020205020404" pitchFamily="49" charset="0"/>
+              </a:rPr>
+              <a:t>t &lt;- rep( c(0,1), 50 )</a:t>
+            </a:r>
+          </a:p>
+          <a:p>
+            <a:r>
+              <a:rPr lang="en-US" sz="1200" dirty="0">
+                <a:latin typeface="Courier New" panose="02070309020205020404" pitchFamily="49" charset="0"/>
+                <a:cs typeface="Courier New" panose="02070309020205020404" pitchFamily="49" charset="0"/>
+              </a:rPr>
+              <a:t>y &lt;- 70 + </a:t>
+            </a:r>
+            <a:r>
+              <a:rPr lang="en-US" sz="1200" dirty="0" err="1">
+                <a:latin typeface="Courier New" panose="02070309020205020404" pitchFamily="49" charset="0"/>
+                <a:cs typeface="Courier New" panose="02070309020205020404" pitchFamily="49" charset="0"/>
+              </a:rPr>
+              <a:t>rnorm</a:t>
+            </a:r>
+            <a:r>
+              <a:rPr lang="en-US" sz="1200" dirty="0">
+                <a:latin typeface="Courier New" panose="02070309020205020404" pitchFamily="49" charset="0"/>
+                <a:cs typeface="Courier New" panose="02070309020205020404" pitchFamily="49" charset="0"/>
+              </a:rPr>
+              <a:t>(100,0,3) + 5*t</a:t>
+            </a:r>
+          </a:p>
+          <a:p>
+            <a:endParaRPr lang="en-US" sz="1200" dirty="0">
+              <a:latin typeface="Courier New" panose="02070309020205020404" pitchFamily="49" charset="0"/>
+              <a:cs typeface="Courier New" panose="02070309020205020404" pitchFamily="49" charset="0"/>
+            </a:endParaRPr>
+          </a:p>
+          <a:p>
+            <a:r>
+              <a:rPr lang="en-US" sz="1200" dirty="0">
+                <a:latin typeface="Courier New" panose="02070309020205020404" pitchFamily="49" charset="0"/>
+                <a:cs typeface="Courier New" panose="02070309020205020404" pitchFamily="49" charset="0"/>
+              </a:rPr>
+              <a:t>plot( factor(t), y,</a:t>
+            </a:r>
+          </a:p>
+          <a:p>
+            <a:r>
+              <a:rPr lang="en-US" sz="1200" dirty="0">
+                <a:latin typeface="Courier New" panose="02070309020205020404" pitchFamily="49" charset="0"/>
+                <a:cs typeface="Courier New" panose="02070309020205020404" pitchFamily="49" charset="0"/>
+              </a:rPr>
+              <a:t>+       main="Comparison of Group Means", </a:t>
+            </a:r>
+          </a:p>
+          <a:p>
+            <a:r>
+              <a:rPr lang="en-US" sz="1200" dirty="0">
+                <a:latin typeface="Courier New" panose="02070309020205020404" pitchFamily="49" charset="0"/>
+                <a:cs typeface="Courier New" panose="02070309020205020404" pitchFamily="49" charset="0"/>
+              </a:rPr>
+              <a:t>+       </a:t>
+            </a:r>
+            <a:r>
+              <a:rPr lang="en-US" sz="1200" dirty="0" err="1">
+                <a:latin typeface="Courier New" panose="02070309020205020404" pitchFamily="49" charset="0"/>
+                <a:cs typeface="Courier New" panose="02070309020205020404" pitchFamily="49" charset="0"/>
+              </a:rPr>
+              <a:t>xlab</a:t>
+            </a:r>
+            <a:r>
+              <a:rPr lang="en-US" sz="1200" dirty="0">
+                <a:latin typeface="Courier New" panose="02070309020205020404" pitchFamily="49" charset="0"/>
+                <a:cs typeface="Courier New" panose="02070309020205020404" pitchFamily="49" charset="0"/>
+              </a:rPr>
+              <a:t>="Treatment Group",</a:t>
+            </a:r>
+          </a:p>
+          <a:p>
+            <a:r>
+              <a:rPr lang="en-US" sz="1200" dirty="0">
+                <a:latin typeface="Courier New" panose="02070309020205020404" pitchFamily="49" charset="0"/>
+                <a:cs typeface="Courier New" panose="02070309020205020404" pitchFamily="49" charset="0"/>
+              </a:rPr>
+              <a:t>+       </a:t>
+            </a:r>
+            <a:r>
+              <a:rPr lang="en-US" sz="1200" dirty="0" err="1">
+                <a:latin typeface="Courier New" panose="02070309020205020404" pitchFamily="49" charset="0"/>
+                <a:cs typeface="Courier New" panose="02070309020205020404" pitchFamily="49" charset="0"/>
+              </a:rPr>
+              <a:t>ylab</a:t>
+            </a:r>
+            <a:r>
+              <a:rPr lang="en-US" sz="1200" dirty="0">
+                <a:latin typeface="Courier New" panose="02070309020205020404" pitchFamily="49" charset="0"/>
+                <a:cs typeface="Courier New" panose="02070309020205020404" pitchFamily="49" charset="0"/>
+              </a:rPr>
+              <a:t>="Heart Rate" )</a:t>
+            </a:r>
+          </a:p>
+          <a:p>
+            <a:r>
+              <a:rPr lang="en-US" sz="1200" dirty="0">
+                <a:latin typeface="Courier New" panose="02070309020205020404" pitchFamily="49" charset="0"/>
+                <a:cs typeface="Courier New" panose="02070309020205020404" pitchFamily="49" charset="0"/>
+              </a:rPr>
+              <a:t> </a:t>
+            </a:r>
+          </a:p>
+          <a:p>
+            <a:endParaRPr lang="en-US" sz="1200" dirty="0">
+              <a:latin typeface="Courier New" panose="02070309020205020404" pitchFamily="49" charset="0"/>
+              <a:cs typeface="Courier New" panose="02070309020205020404" pitchFamily="49" charset="0"/>
+            </a:endParaRPr>
+          </a:p>
+          <a:p>
+            <a:endParaRPr lang="en-US" sz="1200" dirty="0">
+              <a:latin typeface="Courier New" panose="02070309020205020404" pitchFamily="49" charset="0"/>
+              <a:cs typeface="Courier New" panose="02070309020205020404" pitchFamily="49" charset="0"/>
+            </a:endParaRPr>
+          </a:p>
+          <a:p>
+            <a:endParaRPr lang="en-US" sz="1200" dirty="0">
+              <a:latin typeface="Courier New" panose="02070309020205020404" pitchFamily="49" charset="0"/>
+              <a:cs typeface="Courier New" panose="02070309020205020404" pitchFamily="49" charset="0"/>
+            </a:endParaRPr>
+          </a:p>
+          <a:p>
+            <a:endParaRPr lang="en-US" sz="1200" dirty="0">
+              <a:latin typeface="Courier New" panose="02070309020205020404" pitchFamily="49" charset="0"/>
+              <a:cs typeface="Courier New" panose="02070309020205020404" pitchFamily="49" charset="0"/>
+            </a:endParaRPr>
+          </a:p>
+          <a:p>
+            <a:endParaRPr lang="en-US" sz="1200" dirty="0">
+              <a:latin typeface="Courier New" panose="02070309020205020404" pitchFamily="49" charset="0"/>
+              <a:cs typeface="Courier New" panose="02070309020205020404" pitchFamily="49" charset="0"/>
+            </a:endParaRPr>
+          </a:p>
+          <a:p>
+            <a:endParaRPr lang="en-US" sz="1200" dirty="0">
+              <a:latin typeface="Courier New" panose="02070309020205020404" pitchFamily="49" charset="0"/>
+              <a:cs typeface="Courier New" panose="02070309020205020404" pitchFamily="49" charset="0"/>
+            </a:endParaRPr>
+          </a:p>
+          <a:p>
+            <a:endParaRPr lang="en-US" sz="1200" dirty="0">
+              <a:latin typeface="Courier New" panose="02070309020205020404" pitchFamily="49" charset="0"/>
+              <a:cs typeface="Courier New" panose="02070309020205020404" pitchFamily="49" charset="0"/>
+            </a:endParaRPr>
+          </a:p>
+          <a:p>
+            <a:endParaRPr lang="en-US" sz="1200" dirty="0">
+              <a:latin typeface="Courier New" panose="02070309020205020404" pitchFamily="49" charset="0"/>
+              <a:cs typeface="Courier New" panose="02070309020205020404" pitchFamily="49" charset="0"/>
+            </a:endParaRPr>
+          </a:p>
+          <a:p>
+            <a:endParaRPr lang="en-US" sz="1200" dirty="0">
+              <a:latin typeface="Courier New" panose="02070309020205020404" pitchFamily="49" charset="0"/>
+              <a:cs typeface="Courier New" panose="02070309020205020404" pitchFamily="49" charset="0"/>
+            </a:endParaRPr>
+          </a:p>
+          <a:p>
+            <a:endParaRPr lang="en-US" sz="1200" dirty="0">
+              <a:latin typeface="Courier New" panose="02070309020205020404" pitchFamily="49" charset="0"/>
+              <a:cs typeface="Courier New" panose="02070309020205020404" pitchFamily="49" charset="0"/>
+            </a:endParaRPr>
+          </a:p>
+          <a:p>
+            <a:endParaRPr lang="en-US" sz="1200" dirty="0">
+              <a:latin typeface="Courier New" panose="02070309020205020404" pitchFamily="49" charset="0"/>
+              <a:cs typeface="Courier New" panose="02070309020205020404" pitchFamily="49" charset="0"/>
+            </a:endParaRPr>
+          </a:p>
+          <a:p>
+            <a:r>
+              <a:rPr lang="en-US" sz="1200" dirty="0">
+                <a:latin typeface="Courier New" panose="02070309020205020404" pitchFamily="49" charset="0"/>
+                <a:cs typeface="Courier New" panose="02070309020205020404" pitchFamily="49" charset="0"/>
+              </a:rPr>
+              <a:t>mean.t &lt;- mean( y[ t == 1 ] )</a:t>
+            </a:r>
+          </a:p>
+          <a:p>
+            <a:r>
+              <a:rPr lang="en-US" sz="1200" dirty="0" err="1">
+                <a:latin typeface="Courier New" panose="02070309020205020404" pitchFamily="49" charset="0"/>
+                <a:cs typeface="Courier New" panose="02070309020205020404" pitchFamily="49" charset="0"/>
+              </a:rPr>
+              <a:t>mean.c</a:t>
+            </a:r>
+            <a:r>
+              <a:rPr lang="en-US" sz="1200" dirty="0">
+                <a:latin typeface="Courier New" panose="02070309020205020404" pitchFamily="49" charset="0"/>
+                <a:cs typeface="Courier New" panose="02070309020205020404" pitchFamily="49" charset="0"/>
+              </a:rPr>
+              <a:t> &lt;- mean( y[ t == 0 ] )</a:t>
+            </a:r>
+          </a:p>
+          <a:p>
+            <a:endParaRPr lang="en-US" sz="1200" dirty="0">
+              <a:latin typeface="Courier New" panose="02070309020205020404" pitchFamily="49" charset="0"/>
+              <a:cs typeface="Courier New" panose="02070309020205020404" pitchFamily="49" charset="0"/>
+            </a:endParaRPr>
+          </a:p>
+          <a:p>
+            <a:r>
+              <a:rPr lang="en-US" sz="1200" dirty="0" err="1">
+                <a:latin typeface="Courier New" panose="02070309020205020404" pitchFamily="49" charset="0"/>
+                <a:cs typeface="Courier New" panose="02070309020205020404" pitchFamily="49" charset="0"/>
+              </a:rPr>
+              <a:t>mean.c</a:t>
+            </a:r>
+            <a:endParaRPr lang="en-US" sz="1200" dirty="0">
+              <a:latin typeface="Courier New" panose="02070309020205020404" pitchFamily="49" charset="0"/>
+              <a:cs typeface="Courier New" panose="02070309020205020404" pitchFamily="49" charset="0"/>
+            </a:endParaRPr>
+          </a:p>
+          <a:p>
+            <a:r>
+              <a:rPr lang="en-US" sz="1200" dirty="0">
+                <a:latin typeface="Courier New" panose="02070309020205020404" pitchFamily="49" charset="0"/>
+                <a:cs typeface="Courier New" panose="02070309020205020404" pitchFamily="49" charset="0"/>
+              </a:rPr>
+              <a:t>[1] 70.29385</a:t>
+            </a:r>
+          </a:p>
+          <a:p>
+            <a:r>
+              <a:rPr lang="en-US" sz="1200" dirty="0">
+                <a:latin typeface="Courier New" panose="02070309020205020404" pitchFamily="49" charset="0"/>
+                <a:cs typeface="Courier New" panose="02070309020205020404" pitchFamily="49" charset="0"/>
+              </a:rPr>
+              <a:t>mean.t</a:t>
+            </a:r>
+          </a:p>
+          <a:p>
+            <a:r>
+              <a:rPr lang="en-US" sz="1200" dirty="0">
+                <a:latin typeface="Courier New" panose="02070309020205020404" pitchFamily="49" charset="0"/>
+                <a:cs typeface="Courier New" panose="02070309020205020404" pitchFamily="49" charset="0"/>
+              </a:rPr>
+              <a:t>[1] 75.25103</a:t>
+            </a:r>
+          </a:p>
+          <a:p>
+            <a:endParaRPr lang="en-US" sz="1200" dirty="0">
+              <a:latin typeface="Courier New" panose="02070309020205020404" pitchFamily="49" charset="0"/>
+              <a:cs typeface="Courier New" panose="02070309020205020404" pitchFamily="49" charset="0"/>
+            </a:endParaRPr>
+          </a:p>
+          <a:p>
+            <a:r>
+              <a:rPr lang="en-US" sz="1200" dirty="0">
+                <a:latin typeface="Courier New" panose="02070309020205020404" pitchFamily="49" charset="0"/>
+                <a:cs typeface="Courier New" panose="02070309020205020404" pitchFamily="49" charset="0"/>
+              </a:rPr>
+              <a:t># effect size</a:t>
+            </a:r>
+          </a:p>
+          <a:p>
+            <a:r>
+              <a:rPr lang="en-US" sz="1200" dirty="0">
+                <a:latin typeface="Courier New" panose="02070309020205020404" pitchFamily="49" charset="0"/>
+                <a:cs typeface="Courier New" panose="02070309020205020404" pitchFamily="49" charset="0"/>
+              </a:rPr>
+              <a:t>mean.t - </a:t>
+            </a:r>
+            <a:r>
+              <a:rPr lang="en-US" sz="1200" dirty="0" err="1">
+                <a:latin typeface="Courier New" panose="02070309020205020404" pitchFamily="49" charset="0"/>
+                <a:cs typeface="Courier New" panose="02070309020205020404" pitchFamily="49" charset="0"/>
+              </a:rPr>
+              <a:t>mean.c</a:t>
+            </a:r>
+            <a:endParaRPr lang="en-US" sz="1200" dirty="0">
+              <a:latin typeface="Courier New" panose="02070309020205020404" pitchFamily="49" charset="0"/>
+              <a:cs typeface="Courier New" panose="02070309020205020404" pitchFamily="49" charset="0"/>
+            </a:endParaRPr>
+          </a:p>
+          <a:p>
+            <a:r>
+              <a:rPr lang="en-US" sz="1200" dirty="0">
+                <a:latin typeface="Courier New" panose="02070309020205020404" pitchFamily="49" charset="0"/>
+                <a:cs typeface="Courier New" panose="02070309020205020404" pitchFamily="49" charset="0"/>
+              </a:rPr>
+              <a:t>[1] 4.957187</a:t>
+            </a:r>
+          </a:p>
+          <a:p>
+            <a:r>
+              <a:rPr lang="en-US" sz="1200" dirty="0">
+                <a:latin typeface="Courier New" panose="02070309020205020404" pitchFamily="49" charset="0"/>
+                <a:cs typeface="Courier New" panose="02070309020205020404" pitchFamily="49" charset="0"/>
+              </a:rPr>
+              <a:t> </a:t>
+            </a:r>
+          </a:p>
+          <a:p>
+            <a:r>
+              <a:rPr lang="en-US" sz="1200" dirty="0" err="1">
+                <a:latin typeface="Courier New" panose="02070309020205020404" pitchFamily="49" charset="0"/>
+                <a:cs typeface="Courier New" panose="02070309020205020404" pitchFamily="49" charset="0"/>
+              </a:rPr>
+              <a:t>t.test</a:t>
+            </a:r>
+            <a:r>
+              <a:rPr lang="en-US" sz="1200" dirty="0">
+                <a:latin typeface="Courier New" panose="02070309020205020404" pitchFamily="49" charset="0"/>
+                <a:cs typeface="Courier New" panose="02070309020205020404" pitchFamily="49" charset="0"/>
+              </a:rPr>
+              <a:t>( y ~ t )</a:t>
+            </a:r>
+          </a:p>
+          <a:p>
+            <a:endParaRPr lang="en-US" sz="1200" dirty="0">
+              <a:latin typeface="Courier New" panose="02070309020205020404" pitchFamily="49" charset="0"/>
+              <a:cs typeface="Courier New" panose="02070309020205020404" pitchFamily="49" charset="0"/>
+            </a:endParaRPr>
+          </a:p>
+          <a:p>
+            <a:r>
+              <a:rPr lang="en-US" sz="1200" dirty="0">
+                <a:latin typeface="Courier New" panose="02070309020205020404" pitchFamily="49" charset="0"/>
+                <a:cs typeface="Courier New" panose="02070309020205020404" pitchFamily="49" charset="0"/>
+              </a:rPr>
+              <a:t>        Welch Two Sample t-test</a:t>
+            </a:r>
+          </a:p>
+          <a:p>
+            <a:endParaRPr lang="en-US" sz="1200" dirty="0">
+              <a:latin typeface="Courier New" panose="02070309020205020404" pitchFamily="49" charset="0"/>
+              <a:cs typeface="Courier New" panose="02070309020205020404" pitchFamily="49" charset="0"/>
+            </a:endParaRPr>
+          </a:p>
+          <a:p>
+            <a:r>
+              <a:rPr lang="en-US" sz="1200" dirty="0">
+                <a:latin typeface="Courier New" panose="02070309020205020404" pitchFamily="49" charset="0"/>
+                <a:cs typeface="Courier New" panose="02070309020205020404" pitchFamily="49" charset="0"/>
+              </a:rPr>
+              <a:t>data:  y by t</a:t>
+            </a:r>
+          </a:p>
+          <a:p>
+            <a:r>
+              <a:rPr lang="en-US" sz="1200" dirty="0">
+                <a:latin typeface="Courier New" panose="02070309020205020404" pitchFamily="49" charset="0"/>
+                <a:cs typeface="Courier New" panose="02070309020205020404" pitchFamily="49" charset="0"/>
+              </a:rPr>
+              <a:t>t = -8.1231, df = 97.927, p-value = 1.391e-12</a:t>
+            </a:r>
+          </a:p>
+          <a:p>
+            <a:r>
+              <a:rPr lang="en-US" sz="1200" dirty="0">
+                <a:latin typeface="Courier New" panose="02070309020205020404" pitchFamily="49" charset="0"/>
+                <a:cs typeface="Courier New" panose="02070309020205020404" pitchFamily="49" charset="0"/>
+              </a:rPr>
+              <a:t>alternative hypothesis: true difference in means is not equal to 0</a:t>
+            </a:r>
+          </a:p>
+          <a:p>
+            <a:r>
+              <a:rPr lang="en-US" sz="1200" dirty="0">
+                <a:latin typeface="Courier New" panose="02070309020205020404" pitchFamily="49" charset="0"/>
+                <a:cs typeface="Courier New" panose="02070309020205020404" pitchFamily="49" charset="0"/>
+              </a:rPr>
+              <a:t>95 percent confidence interval:</a:t>
+            </a:r>
+          </a:p>
+          <a:p>
+            <a:r>
+              <a:rPr lang="en-US" sz="1200" dirty="0">
+                <a:latin typeface="Courier New" panose="02070309020205020404" pitchFamily="49" charset="0"/>
+                <a:cs typeface="Courier New" panose="02070309020205020404" pitchFamily="49" charset="0"/>
+              </a:rPr>
+              <a:t> -6.168235 -3.746139</a:t>
+            </a:r>
+          </a:p>
+          <a:p>
+            <a:r>
+              <a:rPr lang="en-US" sz="1200" dirty="0">
+                <a:latin typeface="Courier New" panose="02070309020205020404" pitchFamily="49" charset="0"/>
+                <a:cs typeface="Courier New" panose="02070309020205020404" pitchFamily="49" charset="0"/>
+              </a:rPr>
+              <a:t>sample estimates:</a:t>
+            </a:r>
+          </a:p>
+          <a:p>
+            <a:r>
+              <a:rPr lang="en-US" sz="1200" dirty="0">
+                <a:latin typeface="Courier New" panose="02070309020205020404" pitchFamily="49" charset="0"/>
+                <a:cs typeface="Courier New" panose="02070309020205020404" pitchFamily="49" charset="0"/>
+              </a:rPr>
+              <a:t>mean in group 0 mean in group 1 </a:t>
+            </a:r>
+          </a:p>
+          <a:p>
+            <a:r>
+              <a:rPr lang="en-US" sz="1200" dirty="0">
+                <a:latin typeface="Courier New" panose="02070309020205020404" pitchFamily="49" charset="0"/>
+                <a:cs typeface="Courier New" panose="02070309020205020404" pitchFamily="49" charset="0"/>
+              </a:rPr>
+              <a:t>       70.29385        75.25103 </a:t>
+            </a:r>
+          </a:p>
+        </p:txBody>
+      </p:sp>
+      <p:sp>
+        <p:nvSpPr>
+          <p:cNvPr id="4" name="Rectangle 3">
+            <a:extLst>
+              <a:ext uri="{FF2B5EF4-FFF2-40B4-BE49-F238E27FC236}">
+                <a16:creationId xmlns:a16="http://schemas.microsoft.com/office/drawing/2014/main" id="{5A6AF388-BF5D-4608-A039-2D09C98F6170}"/>
+              </a:ext>
+            </a:extLst>
+          </p:cNvPr>
+          <p:cNvSpPr/>
+          <p:nvPr/>
+        </p:nvSpPr>
+        <p:spPr>
+          <a:xfrm>
+            <a:off x="4746401" y="985583"/>
+            <a:ext cx="2585888" cy="1569660"/>
+          </a:xfrm>
+          <a:prstGeom prst="rect">
+            <a:avLst/>
+          </a:prstGeom>
+        </p:spPr>
+        <p:txBody>
+          <a:bodyPr wrap="square">
+            <a:spAutoFit/>
+          </a:bodyPr>
+          <a:lstStyle/>
+          <a:p>
+            <a:r>
+              <a:rPr lang="en-US" sz="1200" dirty="0">
+                <a:latin typeface="Courier New" panose="02070309020205020404" pitchFamily="49" charset="0"/>
+                <a:cs typeface="Courier New" panose="02070309020205020404" pitchFamily="49" charset="0"/>
+              </a:rPr>
+              <a:t>head( </a:t>
+            </a:r>
+            <a:r>
+              <a:rPr lang="en-US" sz="1200" dirty="0" err="1">
+                <a:latin typeface="Courier New" panose="02070309020205020404" pitchFamily="49" charset="0"/>
+                <a:cs typeface="Courier New" panose="02070309020205020404" pitchFamily="49" charset="0"/>
+              </a:rPr>
+              <a:t>data.frame</a:t>
+            </a:r>
+            <a:r>
+              <a:rPr lang="en-US" sz="1200" dirty="0">
+                <a:latin typeface="Courier New" panose="02070309020205020404" pitchFamily="49" charset="0"/>
+                <a:cs typeface="Courier New" panose="02070309020205020404" pitchFamily="49" charset="0"/>
+              </a:rPr>
+              <a:t>( y, t ) )</a:t>
+            </a:r>
+          </a:p>
+          <a:p>
+            <a:r>
+              <a:rPr lang="en-US" sz="1200" dirty="0">
+                <a:latin typeface="Courier New" panose="02070309020205020404" pitchFamily="49" charset="0"/>
+                <a:cs typeface="Courier New" panose="02070309020205020404" pitchFamily="49" charset="0"/>
+              </a:rPr>
+              <a:t>         y t</a:t>
+            </a:r>
+          </a:p>
+          <a:p>
+            <a:r>
+              <a:rPr lang="en-US" sz="1200" dirty="0">
+                <a:latin typeface="Courier New" panose="02070309020205020404" pitchFamily="49" charset="0"/>
+                <a:cs typeface="Courier New" panose="02070309020205020404" pitchFamily="49" charset="0"/>
+              </a:rPr>
+              <a:t>1 67.67494 0</a:t>
+            </a:r>
+          </a:p>
+          <a:p>
+            <a:r>
+              <a:rPr lang="en-US" sz="1200" dirty="0">
+                <a:latin typeface="Courier New" panose="02070309020205020404" pitchFamily="49" charset="0"/>
+                <a:cs typeface="Courier New" panose="02070309020205020404" pitchFamily="49" charset="0"/>
+              </a:rPr>
+              <a:t>2 71.19501 1</a:t>
+            </a:r>
+          </a:p>
+          <a:p>
+            <a:r>
+              <a:rPr lang="en-US" sz="1200" dirty="0">
+                <a:latin typeface="Courier New" panose="02070309020205020404" pitchFamily="49" charset="0"/>
+                <a:cs typeface="Courier New" panose="02070309020205020404" pitchFamily="49" charset="0"/>
+              </a:rPr>
+              <a:t>3 69.81960 0</a:t>
+            </a:r>
+          </a:p>
+          <a:p>
+            <a:r>
+              <a:rPr lang="en-US" sz="1200" dirty="0">
+                <a:latin typeface="Courier New" panose="02070309020205020404" pitchFamily="49" charset="0"/>
+                <a:cs typeface="Courier New" panose="02070309020205020404" pitchFamily="49" charset="0"/>
+              </a:rPr>
+              <a:t>4 73.58000 1</a:t>
+            </a:r>
+          </a:p>
+          <a:p>
+            <a:r>
+              <a:rPr lang="en-US" sz="1200" dirty="0">
+                <a:latin typeface="Courier New" panose="02070309020205020404" pitchFamily="49" charset="0"/>
+                <a:cs typeface="Courier New" panose="02070309020205020404" pitchFamily="49" charset="0"/>
+              </a:rPr>
+              <a:t>5 65.47680 0</a:t>
+            </a:r>
+          </a:p>
+          <a:p>
+            <a:r>
+              <a:rPr lang="en-US" sz="1200" dirty="0">
+                <a:latin typeface="Courier New" panose="02070309020205020404" pitchFamily="49" charset="0"/>
+                <a:cs typeface="Courier New" panose="02070309020205020404" pitchFamily="49" charset="0"/>
+              </a:rPr>
+              <a:t>6 74.04290 1</a:t>
+            </a:r>
+          </a:p>
+        </p:txBody>
+      </p:sp>
+      <p:pic>
+        <p:nvPicPr>
+          <p:cNvPr id="5" name="Picture 4">
+            <a:extLst>
+              <a:ext uri="{FF2B5EF4-FFF2-40B4-BE49-F238E27FC236}">
+                <a16:creationId xmlns:a16="http://schemas.microsoft.com/office/drawing/2014/main" id="{97323781-E9ED-424A-8B92-D7924C82A80B}"/>
+              </a:ext>
+            </a:extLst>
+          </p:cNvPr>
+          <p:cNvPicPr>
+            <a:picLocks noChangeAspect="1"/>
+          </p:cNvPicPr>
+          <p:nvPr/>
+        </p:nvPicPr>
+        <p:blipFill>
+          <a:blip r:embed="rId2"/>
+          <a:stretch>
+            <a:fillRect/>
+          </a:stretch>
+        </p:blipFill>
+        <p:spPr>
+          <a:xfrm>
+            <a:off x="445477" y="3150261"/>
+            <a:ext cx="3124200" cy="1918649"/>
+          </a:xfrm>
+          <a:prstGeom prst="rect">
+            <a:avLst/>
+          </a:prstGeom>
+        </p:spPr>
+      </p:pic>
+    </p:spTree>
+    <p:extLst>
+      <p:ext uri="{BB962C8B-B14F-4D97-AF65-F5344CB8AC3E}">
+        <p14:creationId xmlns:p14="http://schemas.microsoft.com/office/powerpoint/2010/main" val="2643461673"/>
+      </p:ext>
+    </p:extLst>
+  </p:cSld>
+  <p:clrMapOvr>
+    <a:masterClrMapping/>
+  </p:clrMapOvr>
+</p:sld>
+</file>
+
+<file path=ppt/slides/slide39.xml><?xml version="1.0" encoding="utf-8"?>
 <p:sld xmlns:a="http://schemas.openxmlformats.org/drawingml/2006/main" xmlns:r="http://schemas.openxmlformats.org/officeDocument/2006/relationships" xmlns:p="http://schemas.openxmlformats.org/presentationml/2006/main">
   <p:cSld>
     <p:spTree>
@@ -36303,7 +36812,7 @@
           <a:p>
             <a:fld id="{8A2A4A19-B384-42F8-8C0D-94C30AAB39F2}" type="slidenum">
               <a:rPr lang="en-US" smtClean="0"/>
-              <a:t>38</a:t>
+              <a:t>39</a:t>
             </a:fld>
             <a:endParaRPr lang="en-US" dirty="0"/>
           </a:p>
@@ -36322,7 +36831,345 @@
 </p:sld>
 </file>
 
-<file path=ppt/slides/slide39.xml><?xml version="1.0" encoding="utf-8"?>
+<file path=ppt/slides/slide4.xml><?xml version="1.0" encoding="utf-8"?>
+<p:sld xmlns:a="http://schemas.openxmlformats.org/drawingml/2006/main" xmlns:r="http://schemas.openxmlformats.org/officeDocument/2006/relationships" xmlns:p="http://schemas.openxmlformats.org/presentationml/2006/main">
+  <p:cSld>
+    <p:spTree>
+      <p:nvGrpSpPr>
+        <p:cNvPr id="1" name=""/>
+        <p:cNvGrpSpPr/>
+        <p:nvPr/>
+      </p:nvGrpSpPr>
+      <p:grpSpPr>
+        <a:xfrm>
+          <a:off x="0" y="0"/>
+          <a:ext cx="0" cy="0"/>
+          <a:chOff x="0" y="0"/>
+          <a:chExt cx="0" cy="0"/>
+        </a:xfrm>
+      </p:grpSpPr>
+      <p:sp>
+        <p:nvSpPr>
+          <p:cNvPr id="17" name="Slide Number Placeholder 16"/>
+          <p:cNvSpPr>
+            <a:spLocks noGrp="1"/>
+          </p:cNvSpPr>
+          <p:nvPr>
+            <p:ph type="sldNum" sz="quarter" idx="12"/>
+          </p:nvPr>
+        </p:nvSpPr>
+        <p:spPr/>
+        <p:txBody>
+          <a:bodyPr/>
+          <a:lstStyle/>
+          <a:p>
+            <a:fld id="{8A2A4A19-B384-42F8-8C0D-94C30AAB39F2}" type="slidenum">
+              <a:rPr lang="en-US" smtClean="0"/>
+              <a:pPr/>
+              <a:t>4</a:t>
+            </a:fld>
+            <a:endParaRPr lang="en-US"/>
+          </a:p>
+        </p:txBody>
+      </p:sp>
+      <p:sp>
+        <p:nvSpPr>
+          <p:cNvPr id="27" name="Rectangle 26"/>
+          <p:cNvSpPr/>
+          <p:nvPr/>
+        </p:nvSpPr>
+        <p:spPr>
+          <a:xfrm>
+            <a:off x="531516" y="1715693"/>
+            <a:ext cx="6781800" cy="1200329"/>
+          </a:xfrm>
+          <a:prstGeom prst="rect">
+            <a:avLst/>
+          </a:prstGeom>
+        </p:spPr>
+        <p:txBody>
+          <a:bodyPr wrap="square">
+            <a:spAutoFit/>
+          </a:bodyPr>
+          <a:lstStyle/>
+          <a:p>
+            <a:pPr lvl="0" algn="ctr"/>
+            <a:r>
+              <a:rPr lang="en-US" sz="3600" dirty="0">
+                <a:solidFill>
+                  <a:schemeClr val="accent6">
+                    <a:lumMod val="75000"/>
+                  </a:schemeClr>
+                </a:solidFill>
+                <a:latin typeface="Stencil" panose="040409050D0802020404" pitchFamily="82" charset="0"/>
+              </a:rPr>
+              <a:t>Which bet would </a:t>
+            </a:r>
+          </a:p>
+          <a:p>
+            <a:pPr lvl="0" algn="ctr"/>
+            <a:r>
+              <a:rPr lang="en-US" sz="3600" dirty="0">
+                <a:solidFill>
+                  <a:schemeClr val="accent6">
+                    <a:lumMod val="75000"/>
+                  </a:schemeClr>
+                </a:solidFill>
+                <a:latin typeface="Stencil" panose="040409050D0802020404" pitchFamily="82" charset="0"/>
+              </a:rPr>
+              <a:t>you prefer?</a:t>
+            </a:r>
+          </a:p>
+        </p:txBody>
+      </p:sp>
+      <p:sp>
+        <p:nvSpPr>
+          <p:cNvPr id="20" name="TextBox 19"/>
+          <p:cNvSpPr txBox="1"/>
+          <p:nvPr/>
+        </p:nvSpPr>
+        <p:spPr>
+          <a:xfrm>
+            <a:off x="990600" y="4495800"/>
+            <a:ext cx="5448240" cy="923330"/>
+          </a:xfrm>
+          <a:prstGeom prst="rect">
+            <a:avLst/>
+          </a:prstGeom>
+          <a:noFill/>
+        </p:spPr>
+        <p:txBody>
+          <a:bodyPr wrap="square" rtlCol="0">
+            <a:spAutoFit/>
+          </a:bodyPr>
+          <a:lstStyle/>
+          <a:p>
+            <a:pPr algn="ctr"/>
+            <a:r>
+              <a:rPr lang="en-US" dirty="0">
+                <a:solidFill>
+                  <a:schemeClr val="tx1">
+                    <a:lumMod val="50000"/>
+                    <a:lumOff val="50000"/>
+                  </a:schemeClr>
+                </a:solidFill>
+                <a:latin typeface="Arial" panose="020B0604020202020204" pitchFamily="34" charset="0"/>
+                <a:cs typeface="Arial" panose="020B0604020202020204" pitchFamily="34" charset="0"/>
+              </a:rPr>
+              <a:t>The bet costs $1,000 to place</a:t>
+            </a:r>
+            <a:br>
+              <a:rPr lang="en-US" dirty="0">
+                <a:solidFill>
+                  <a:schemeClr val="tx1">
+                    <a:lumMod val="50000"/>
+                    <a:lumOff val="50000"/>
+                  </a:schemeClr>
+                </a:solidFill>
+                <a:latin typeface="Arial" panose="020B0604020202020204" pitchFamily="34" charset="0"/>
+                <a:cs typeface="Arial" panose="020B0604020202020204" pitchFamily="34" charset="0"/>
+              </a:rPr>
+            </a:br>
+            <a:r>
+              <a:rPr lang="en-US" dirty="0">
+                <a:solidFill>
+                  <a:schemeClr val="tx1">
+                    <a:lumMod val="50000"/>
+                    <a:lumOff val="50000"/>
+                  </a:schemeClr>
+                </a:solidFill>
+                <a:latin typeface="Arial" panose="020B0604020202020204" pitchFamily="34" charset="0"/>
+                <a:cs typeface="Arial" panose="020B0604020202020204" pitchFamily="34" charset="0"/>
+              </a:rPr>
+              <a:t>There is a 75% chance you win $1,500</a:t>
+            </a:r>
+          </a:p>
+          <a:p>
+            <a:pPr algn="ctr"/>
+            <a:r>
+              <a:rPr lang="en-US" dirty="0">
+                <a:solidFill>
+                  <a:schemeClr val="tx1">
+                    <a:lumMod val="50000"/>
+                    <a:lumOff val="50000"/>
+                  </a:schemeClr>
+                </a:solidFill>
+                <a:latin typeface="Arial" panose="020B0604020202020204" pitchFamily="34" charset="0"/>
+                <a:cs typeface="Arial" panose="020B0604020202020204" pitchFamily="34" charset="0"/>
+              </a:rPr>
+              <a:t>There is a 25% chance you win $1,100</a:t>
+            </a:r>
+          </a:p>
+        </p:txBody>
+      </p:sp>
+      <p:sp>
+        <p:nvSpPr>
+          <p:cNvPr id="22" name="TextBox 21"/>
+          <p:cNvSpPr txBox="1"/>
+          <p:nvPr/>
+        </p:nvSpPr>
+        <p:spPr>
+          <a:xfrm>
+            <a:off x="1009650" y="6772870"/>
+            <a:ext cx="5448240" cy="923330"/>
+          </a:xfrm>
+          <a:prstGeom prst="rect">
+            <a:avLst/>
+          </a:prstGeom>
+          <a:noFill/>
+        </p:spPr>
+        <p:txBody>
+          <a:bodyPr wrap="square" rtlCol="0">
+            <a:spAutoFit/>
+          </a:bodyPr>
+          <a:lstStyle/>
+          <a:p>
+            <a:pPr algn="ctr"/>
+            <a:r>
+              <a:rPr lang="en-US" dirty="0">
+                <a:solidFill>
+                  <a:schemeClr val="tx1">
+                    <a:lumMod val="50000"/>
+                    <a:lumOff val="50000"/>
+                  </a:schemeClr>
+                </a:solidFill>
+                <a:latin typeface="Arial" panose="020B0604020202020204" pitchFamily="34" charset="0"/>
+                <a:cs typeface="Arial" panose="020B0604020202020204" pitchFamily="34" charset="0"/>
+              </a:rPr>
+              <a:t>The bet costs $1,000 to place</a:t>
+            </a:r>
+            <a:br>
+              <a:rPr lang="en-US" dirty="0">
+                <a:solidFill>
+                  <a:schemeClr val="tx1">
+                    <a:lumMod val="50000"/>
+                    <a:lumOff val="50000"/>
+                  </a:schemeClr>
+                </a:solidFill>
+                <a:latin typeface="Arial" panose="020B0604020202020204" pitchFamily="34" charset="0"/>
+                <a:cs typeface="Arial" panose="020B0604020202020204" pitchFamily="34" charset="0"/>
+              </a:rPr>
+            </a:br>
+            <a:r>
+              <a:rPr lang="en-US" dirty="0">
+                <a:solidFill>
+                  <a:schemeClr val="tx1">
+                    <a:lumMod val="50000"/>
+                    <a:lumOff val="50000"/>
+                  </a:schemeClr>
+                </a:solidFill>
+                <a:latin typeface="Arial" panose="020B0604020202020204" pitchFamily="34" charset="0"/>
+                <a:cs typeface="Arial" panose="020B0604020202020204" pitchFamily="34" charset="0"/>
+              </a:rPr>
+              <a:t>There is a 75% chance you win $4,000</a:t>
+            </a:r>
+          </a:p>
+          <a:p>
+            <a:pPr algn="ctr"/>
+            <a:r>
+              <a:rPr lang="en-US" dirty="0">
+                <a:solidFill>
+                  <a:schemeClr val="tx1">
+                    <a:lumMod val="50000"/>
+                    <a:lumOff val="50000"/>
+                  </a:schemeClr>
+                </a:solidFill>
+                <a:latin typeface="Arial" panose="020B0604020202020204" pitchFamily="34" charset="0"/>
+                <a:cs typeface="Arial" panose="020B0604020202020204" pitchFamily="34" charset="0"/>
+              </a:rPr>
+              <a:t>There is a 25% chance you lose $2,000</a:t>
+            </a:r>
+          </a:p>
+        </p:txBody>
+      </p:sp>
+      <p:sp>
+        <p:nvSpPr>
+          <p:cNvPr id="23" name="Rectangle 22"/>
+          <p:cNvSpPr/>
+          <p:nvPr/>
+        </p:nvSpPr>
+        <p:spPr>
+          <a:xfrm>
+            <a:off x="685800" y="3889135"/>
+            <a:ext cx="6477000" cy="461665"/>
+          </a:xfrm>
+          <a:prstGeom prst="rect">
+            <a:avLst/>
+          </a:prstGeom>
+        </p:spPr>
+        <p:txBody>
+          <a:bodyPr wrap="square">
+            <a:spAutoFit/>
+          </a:bodyPr>
+          <a:lstStyle/>
+          <a:p>
+            <a:pPr lvl="0" algn="ctr"/>
+            <a:r>
+              <a:rPr lang="en-US" sz="2400" dirty="0">
+                <a:solidFill>
+                  <a:schemeClr val="tx1">
+                    <a:lumMod val="50000"/>
+                    <a:lumOff val="50000"/>
+                  </a:schemeClr>
+                </a:solidFill>
+                <a:latin typeface="Stencil" panose="040409050D0802020404" pitchFamily="82" charset="0"/>
+              </a:rPr>
+              <a:t>Bet #1</a:t>
+            </a:r>
+          </a:p>
+        </p:txBody>
+      </p:sp>
+      <p:sp>
+        <p:nvSpPr>
+          <p:cNvPr id="24" name="Rectangle 23"/>
+          <p:cNvSpPr/>
+          <p:nvPr/>
+        </p:nvSpPr>
+        <p:spPr>
+          <a:xfrm>
+            <a:off x="762000" y="6143242"/>
+            <a:ext cx="6477000" cy="461665"/>
+          </a:xfrm>
+          <a:prstGeom prst="rect">
+            <a:avLst/>
+          </a:prstGeom>
+        </p:spPr>
+        <p:txBody>
+          <a:bodyPr wrap="square">
+            <a:spAutoFit/>
+          </a:bodyPr>
+          <a:lstStyle/>
+          <a:p>
+            <a:pPr lvl="0" algn="ctr"/>
+            <a:r>
+              <a:rPr lang="en-US" sz="2400" dirty="0">
+                <a:solidFill>
+                  <a:schemeClr val="tx1">
+                    <a:lumMod val="50000"/>
+                    <a:lumOff val="50000"/>
+                  </a:schemeClr>
+                </a:solidFill>
+                <a:latin typeface="Stencil" panose="040409050D0802020404" pitchFamily="82" charset="0"/>
+              </a:rPr>
+              <a:t>Bet #2</a:t>
+            </a:r>
+          </a:p>
+        </p:txBody>
+      </p:sp>
+    </p:spTree>
+    <p:extLst>
+      <p:ext uri="{BB962C8B-B14F-4D97-AF65-F5344CB8AC3E}">
+        <p14:creationId xmlns:p14="http://schemas.microsoft.com/office/powerpoint/2010/main" val="3742654585"/>
+      </p:ext>
+    </p:extLst>
+  </p:cSld>
+  <p:clrMapOvr>
+    <a:masterClrMapping/>
+  </p:clrMapOvr>
+</p:sld>
+</file>
+
+<file path=ppt/slides/slide40.xml><?xml version="1.0" encoding="utf-8"?>
 <p:sld xmlns:a="http://schemas.openxmlformats.org/drawingml/2006/main" xmlns:r="http://schemas.openxmlformats.org/officeDocument/2006/relationships" xmlns:p="http://schemas.openxmlformats.org/presentationml/2006/main">
   <p:cSld>
     <p:spTree>
@@ -36433,7 +37280,7 @@
             <a:graphicData uri="http://schemas.openxmlformats.org/presentationml/2006/ole">
               <mc:AlternateContent xmlns:mc="http://schemas.openxmlformats.org/markup-compatibility/2006">
                 <mc:Choice xmlns:v="urn:schemas-microsoft-com:vml" Requires="v">
-                  <p:oleObj spid="_x0000_s63558" name="Equation" r:id="rId4" imgW="215713" imgH="241091" progId="Equation.3">
+                  <p:oleObj spid="_x0000_s63566" name="Equation" r:id="rId4" imgW="215713" imgH="241091" progId="Equation.3">
                     <p:embed/>
                   </p:oleObj>
                 </mc:Choice>
@@ -36573,7 +37420,7 @@
             <a:graphicData uri="http://schemas.openxmlformats.org/presentationml/2006/ole">
               <mc:AlternateContent xmlns:mc="http://schemas.openxmlformats.org/markup-compatibility/2006">
                 <mc:Choice xmlns:v="urn:schemas-microsoft-com:vml" Requires="v">
-                  <p:oleObj spid="_x0000_s63559" name="Equation" r:id="rId6" imgW="241091" imgH="266469" progId="Equation.3">
+                  <p:oleObj spid="_x0000_s63567" name="Equation" r:id="rId6" imgW="241091" imgH="266469" progId="Equation.3">
                     <p:embed/>
                   </p:oleObj>
                 </mc:Choice>
@@ -36678,7 +37525,7 @@
             <a:graphicData uri="http://schemas.openxmlformats.org/presentationml/2006/ole">
               <mc:AlternateContent xmlns:mc="http://schemas.openxmlformats.org/markup-compatibility/2006">
                 <mc:Choice xmlns:v="urn:schemas-microsoft-com:vml" Requires="v">
-                  <p:oleObj spid="_x0000_s63560" name="Equation" r:id="rId8" imgW="215713" imgH="241091" progId="Equation.3">
+                  <p:oleObj spid="_x0000_s63568" name="Equation" r:id="rId8" imgW="215713" imgH="241091" progId="Equation.3">
                     <p:embed/>
                   </p:oleObj>
                 </mc:Choice>
@@ -36960,7 +37807,7 @@
             <a:graphicData uri="http://schemas.openxmlformats.org/presentationml/2006/ole">
               <mc:AlternateContent xmlns:mc="http://schemas.openxmlformats.org/markup-compatibility/2006">
                 <mc:Choice xmlns:v="urn:schemas-microsoft-com:vml" Requires="v">
-                  <p:oleObj spid="_x0000_s63561" name="Equation" r:id="rId9" imgW="241091" imgH="266469" progId="Equation.3">
+                  <p:oleObj spid="_x0000_s63569" name="Equation" r:id="rId9" imgW="241091" imgH="266469" progId="Equation.3">
                     <p:embed/>
                   </p:oleObj>
                 </mc:Choice>
@@ -37172,7 +38019,7 @@
           <a:p>
             <a:fld id="{8A2A4A19-B384-42F8-8C0D-94C30AAB39F2}" type="slidenum">
               <a:rPr lang="en-US" smtClean="0"/>
-              <a:t>39</a:t>
+              <a:t>40</a:t>
             </a:fld>
             <a:endParaRPr lang="en-US" dirty="0"/>
           </a:p>
@@ -37305,375 +38152,7 @@
 </p:sld>
 </file>
 
-<file path=ppt/slides/slide4.xml><?xml version="1.0" encoding="utf-8"?>
-<p:sld xmlns:a="http://schemas.openxmlformats.org/drawingml/2006/main" xmlns:r="http://schemas.openxmlformats.org/officeDocument/2006/relationships" xmlns:p="http://schemas.openxmlformats.org/presentationml/2006/main">
-  <p:cSld>
-    <p:spTree>
-      <p:nvGrpSpPr>
-        <p:cNvPr id="1" name=""/>
-        <p:cNvGrpSpPr/>
-        <p:nvPr/>
-      </p:nvGrpSpPr>
-      <p:grpSpPr>
-        <a:xfrm>
-          <a:off x="0" y="0"/>
-          <a:ext cx="0" cy="0"/>
-          <a:chOff x="0" y="0"/>
-          <a:chExt cx="0" cy="0"/>
-        </a:xfrm>
-      </p:grpSpPr>
-      <p:sp>
-        <p:nvSpPr>
-          <p:cNvPr id="17" name="Slide Number Placeholder 16"/>
-          <p:cNvSpPr>
-            <a:spLocks noGrp="1"/>
-          </p:cNvSpPr>
-          <p:nvPr>
-            <p:ph type="sldNum" sz="quarter" idx="12"/>
-          </p:nvPr>
-        </p:nvSpPr>
-        <p:spPr/>
-        <p:txBody>
-          <a:bodyPr/>
-          <a:lstStyle/>
-          <a:p>
-            <a:fld id="{8A2A4A19-B384-42F8-8C0D-94C30AAB39F2}" type="slidenum">
-              <a:rPr lang="en-US" smtClean="0"/>
-              <a:pPr/>
-              <a:t>4</a:t>
-            </a:fld>
-            <a:endParaRPr lang="en-US"/>
-          </a:p>
-        </p:txBody>
-      </p:sp>
-      <p:sp>
-        <p:nvSpPr>
-          <p:cNvPr id="27" name="Rectangle 26"/>
-          <p:cNvSpPr/>
-          <p:nvPr/>
-        </p:nvSpPr>
-        <p:spPr>
-          <a:xfrm>
-            <a:off x="531516" y="1715693"/>
-            <a:ext cx="6781800" cy="1200329"/>
-          </a:xfrm>
-          <a:prstGeom prst="rect">
-            <a:avLst/>
-          </a:prstGeom>
-        </p:spPr>
-        <p:txBody>
-          <a:bodyPr wrap="square">
-            <a:spAutoFit/>
-          </a:bodyPr>
-          <a:lstStyle/>
-          <a:p>
-            <a:pPr lvl="0" algn="ctr"/>
-            <a:r>
-              <a:rPr lang="en-US" sz="3600" dirty="0">
-                <a:solidFill>
-                  <a:schemeClr val="accent6">
-                    <a:lumMod val="75000"/>
-                  </a:schemeClr>
-                </a:solidFill>
-                <a:latin typeface="Stencil" panose="040409050D0802020404" pitchFamily="82" charset="0"/>
-              </a:rPr>
-              <a:t>Which bet would </a:t>
-            </a:r>
-          </a:p>
-          <a:p>
-            <a:pPr lvl="0" algn="ctr"/>
-            <a:r>
-              <a:rPr lang="en-US" sz="3600" dirty="0">
-                <a:solidFill>
-                  <a:schemeClr val="accent6">
-                    <a:lumMod val="75000"/>
-                  </a:schemeClr>
-                </a:solidFill>
-                <a:latin typeface="Stencil" panose="040409050D0802020404" pitchFamily="82" charset="0"/>
-              </a:rPr>
-              <a:t>you prefer?</a:t>
-            </a:r>
-          </a:p>
-        </p:txBody>
-      </p:sp>
-      <p:sp>
-        <p:nvSpPr>
-          <p:cNvPr id="20" name="TextBox 19"/>
-          <p:cNvSpPr txBox="1"/>
-          <p:nvPr/>
-        </p:nvSpPr>
-        <p:spPr>
-          <a:xfrm>
-            <a:off x="990600" y="4495800"/>
-            <a:ext cx="5448240" cy="923330"/>
-          </a:xfrm>
-          <a:prstGeom prst="rect">
-            <a:avLst/>
-          </a:prstGeom>
-          <a:noFill/>
-        </p:spPr>
-        <p:txBody>
-          <a:bodyPr wrap="square" rtlCol="0">
-            <a:spAutoFit/>
-          </a:bodyPr>
-          <a:lstStyle/>
-          <a:p>
-            <a:pPr algn="ctr"/>
-            <a:r>
-              <a:rPr lang="en-US" dirty="0">
-                <a:solidFill>
-                  <a:schemeClr val="tx1">
-                    <a:lumMod val="50000"/>
-                    <a:lumOff val="50000"/>
-                  </a:schemeClr>
-                </a:solidFill>
-                <a:latin typeface="Arial" panose="020B0604020202020204" pitchFamily="34" charset="0"/>
-                <a:cs typeface="Arial" panose="020B0604020202020204" pitchFamily="34" charset="0"/>
-              </a:rPr>
-              <a:t>The bet costs $1,000 to place</a:t>
-            </a:r>
-            <a:br>
-              <a:rPr lang="en-US" dirty="0">
-                <a:solidFill>
-                  <a:schemeClr val="tx1">
-                    <a:lumMod val="50000"/>
-                    <a:lumOff val="50000"/>
-                  </a:schemeClr>
-                </a:solidFill>
-                <a:latin typeface="Arial" panose="020B0604020202020204" pitchFamily="34" charset="0"/>
-                <a:cs typeface="Arial" panose="020B0604020202020204" pitchFamily="34" charset="0"/>
-              </a:rPr>
-            </a:br>
-            <a:r>
-              <a:rPr lang="en-US" dirty="0">
-                <a:solidFill>
-                  <a:schemeClr val="tx1">
-                    <a:lumMod val="50000"/>
-                    <a:lumOff val="50000"/>
-                  </a:schemeClr>
-                </a:solidFill>
-                <a:latin typeface="Arial" panose="020B0604020202020204" pitchFamily="34" charset="0"/>
-                <a:cs typeface="Arial" panose="020B0604020202020204" pitchFamily="34" charset="0"/>
-              </a:rPr>
-              <a:t>There is a 75% chance you win $1,500</a:t>
-            </a:r>
-          </a:p>
-          <a:p>
-            <a:pPr algn="ctr"/>
-            <a:r>
-              <a:rPr lang="en-US" dirty="0">
-                <a:solidFill>
-                  <a:schemeClr val="tx1">
-                    <a:lumMod val="50000"/>
-                    <a:lumOff val="50000"/>
-                  </a:schemeClr>
-                </a:solidFill>
-                <a:latin typeface="Arial" panose="020B0604020202020204" pitchFamily="34" charset="0"/>
-                <a:cs typeface="Arial" panose="020B0604020202020204" pitchFamily="34" charset="0"/>
-              </a:rPr>
-              <a:t>There is a 25% chance you win $1,100</a:t>
-            </a:r>
-          </a:p>
-        </p:txBody>
-      </p:sp>
-      <p:sp>
-        <p:nvSpPr>
-          <p:cNvPr id="22" name="TextBox 21"/>
-          <p:cNvSpPr txBox="1"/>
-          <p:nvPr/>
-        </p:nvSpPr>
-        <p:spPr>
-          <a:xfrm>
-            <a:off x="1009650" y="6772870"/>
-            <a:ext cx="5448240" cy="923330"/>
-          </a:xfrm>
-          <a:prstGeom prst="rect">
-            <a:avLst/>
-          </a:prstGeom>
-          <a:noFill/>
-        </p:spPr>
-        <p:txBody>
-          <a:bodyPr wrap="square" rtlCol="0">
-            <a:spAutoFit/>
-          </a:bodyPr>
-          <a:lstStyle/>
-          <a:p>
-            <a:pPr algn="ctr"/>
-            <a:r>
-              <a:rPr lang="en-US" dirty="0">
-                <a:solidFill>
-                  <a:schemeClr val="tx1">
-                    <a:lumMod val="50000"/>
-                    <a:lumOff val="50000"/>
-                  </a:schemeClr>
-                </a:solidFill>
-                <a:latin typeface="Arial" panose="020B0604020202020204" pitchFamily="34" charset="0"/>
-                <a:cs typeface="Arial" panose="020B0604020202020204" pitchFamily="34" charset="0"/>
-              </a:rPr>
-              <a:t>The bet costs $1,000 to place</a:t>
-            </a:r>
-            <a:br>
-              <a:rPr lang="en-US" dirty="0">
-                <a:solidFill>
-                  <a:schemeClr val="tx1">
-                    <a:lumMod val="50000"/>
-                    <a:lumOff val="50000"/>
-                  </a:schemeClr>
-                </a:solidFill>
-                <a:latin typeface="Arial" panose="020B0604020202020204" pitchFamily="34" charset="0"/>
-                <a:cs typeface="Arial" panose="020B0604020202020204" pitchFamily="34" charset="0"/>
-              </a:rPr>
-            </a:br>
-            <a:r>
-              <a:rPr lang="en-US" dirty="0">
-                <a:solidFill>
-                  <a:schemeClr val="tx1">
-                    <a:lumMod val="50000"/>
-                    <a:lumOff val="50000"/>
-                  </a:schemeClr>
-                </a:solidFill>
-                <a:latin typeface="Arial" panose="020B0604020202020204" pitchFamily="34" charset="0"/>
-                <a:cs typeface="Arial" panose="020B0604020202020204" pitchFamily="34" charset="0"/>
-              </a:rPr>
-              <a:t>There is a 75% chance you win $4,000</a:t>
-            </a:r>
-          </a:p>
-          <a:p>
-            <a:pPr algn="ctr"/>
-            <a:r>
-              <a:rPr lang="en-US" dirty="0">
-                <a:solidFill>
-                  <a:schemeClr val="tx1">
-                    <a:lumMod val="50000"/>
-                    <a:lumOff val="50000"/>
-                  </a:schemeClr>
-                </a:solidFill>
-                <a:latin typeface="Arial" panose="020B0604020202020204" pitchFamily="34" charset="0"/>
-                <a:cs typeface="Arial" panose="020B0604020202020204" pitchFamily="34" charset="0"/>
-              </a:rPr>
-              <a:t>There is a 25% chance you lose </a:t>
-            </a:r>
-            <a:r>
-              <a:rPr lang="en-US" dirty="0" smtClean="0">
-                <a:solidFill>
-                  <a:schemeClr val="tx1">
-                    <a:lumMod val="50000"/>
-                    <a:lumOff val="50000"/>
-                  </a:schemeClr>
-                </a:solidFill>
-                <a:latin typeface="Arial" panose="020B0604020202020204" pitchFamily="34" charset="0"/>
-                <a:cs typeface="Arial" panose="020B0604020202020204" pitchFamily="34" charset="0"/>
-              </a:rPr>
-              <a:t>$2,000</a:t>
-            </a:r>
-            <a:endParaRPr lang="en-US" dirty="0">
-              <a:solidFill>
-                <a:schemeClr val="tx1">
-                  <a:lumMod val="50000"/>
-                  <a:lumOff val="50000"/>
-                </a:schemeClr>
-              </a:solidFill>
-              <a:latin typeface="Arial" panose="020B0604020202020204" pitchFamily="34" charset="0"/>
-              <a:cs typeface="Arial" panose="020B0604020202020204" pitchFamily="34" charset="0"/>
-            </a:endParaRPr>
-          </a:p>
-        </p:txBody>
-      </p:sp>
-      <p:sp>
-        <p:nvSpPr>
-          <p:cNvPr id="23" name="Rectangle 22"/>
-          <p:cNvSpPr/>
-          <p:nvPr/>
-        </p:nvSpPr>
-        <p:spPr>
-          <a:xfrm>
-            <a:off x="685800" y="3889135"/>
-            <a:ext cx="6477000" cy="461665"/>
-          </a:xfrm>
-          <a:prstGeom prst="rect">
-            <a:avLst/>
-          </a:prstGeom>
-        </p:spPr>
-        <p:txBody>
-          <a:bodyPr wrap="square">
-            <a:spAutoFit/>
-          </a:bodyPr>
-          <a:lstStyle/>
-          <a:p>
-            <a:pPr lvl="0" algn="ctr"/>
-            <a:r>
-              <a:rPr lang="en-US" sz="2400" dirty="0">
-                <a:solidFill>
-                  <a:schemeClr val="tx1">
-                    <a:lumMod val="50000"/>
-                    <a:lumOff val="50000"/>
-                  </a:schemeClr>
-                </a:solidFill>
-                <a:latin typeface="Stencil" panose="040409050D0802020404" pitchFamily="82" charset="0"/>
-              </a:rPr>
-              <a:t>Bet #1</a:t>
-            </a:r>
-          </a:p>
-        </p:txBody>
-      </p:sp>
-      <p:sp>
-        <p:nvSpPr>
-          <p:cNvPr id="24" name="Rectangle 23"/>
-          <p:cNvSpPr/>
-          <p:nvPr/>
-        </p:nvSpPr>
-        <p:spPr>
-          <a:xfrm>
-            <a:off x="762000" y="6143242"/>
-            <a:ext cx="6477000" cy="461665"/>
-          </a:xfrm>
-          <a:prstGeom prst="rect">
-            <a:avLst/>
-          </a:prstGeom>
-        </p:spPr>
-        <p:txBody>
-          <a:bodyPr wrap="square">
-            <a:spAutoFit/>
-          </a:bodyPr>
-          <a:lstStyle/>
-          <a:p>
-            <a:pPr lvl="0" algn="ctr"/>
-            <a:r>
-              <a:rPr lang="en-US" sz="2400" dirty="0">
-                <a:solidFill>
-                  <a:schemeClr val="tx1">
-                    <a:lumMod val="50000"/>
-                    <a:lumOff val="50000"/>
-                  </a:schemeClr>
-                </a:solidFill>
-                <a:latin typeface="Stencil" panose="040409050D0802020404" pitchFamily="82" charset="0"/>
-              </a:rPr>
-              <a:t>Bet #2</a:t>
-            </a:r>
-          </a:p>
-        </p:txBody>
-      </p:sp>
-    </p:spTree>
-    <p:extLst>
-      <p:ext uri="{BB962C8B-B14F-4D97-AF65-F5344CB8AC3E}">
-        <p14:creationId xmlns:p14="http://schemas.microsoft.com/office/powerpoint/2010/main" val="3742654585"/>
-      </p:ext>
-    </p:extLst>
-  </p:cSld>
-  <p:clrMapOvr>
-    <a:masterClrMapping/>
-  </p:clrMapOvr>
-  <p:timing>
-    <p:tnLst>
-      <p:par>
-        <p:cTn id="1" dur="indefinite" restart="never" nodeType="tmRoot"/>
-      </p:par>
-    </p:tnLst>
-  </p:timing>
-</p:sld>
-</file>
-
-<file path=ppt/slides/slide40.xml><?xml version="1.0" encoding="utf-8"?>
+<file path=ppt/slides/slide41.xml><?xml version="1.0" encoding="utf-8"?>
 <p:sld xmlns:a="http://schemas.openxmlformats.org/drawingml/2006/main" xmlns:r="http://schemas.openxmlformats.org/officeDocument/2006/relationships" xmlns:p="http://schemas.openxmlformats.org/presentationml/2006/main">
   <p:cSld>
     <p:spTree>
@@ -37854,7 +38333,7 @@
           <a:p>
             <a:fld id="{8A2A4A19-B384-42F8-8C0D-94C30AAB39F2}" type="slidenum">
               <a:rPr lang="en-US" smtClean="0"/>
-              <a:t>40</a:t>
+              <a:t>41</a:t>
             </a:fld>
             <a:endParaRPr lang="en-US" dirty="0"/>
           </a:p>
@@ -37987,7 +38466,7 @@
 </p:sld>
 </file>
 
-<file path=ppt/slides/slide41.xml><?xml version="1.0" encoding="utf-8"?>
+<file path=ppt/slides/slide42.xml><?xml version="1.0" encoding="utf-8"?>
 <p:sld xmlns:a="http://schemas.openxmlformats.org/drawingml/2006/main" xmlns:r="http://schemas.openxmlformats.org/officeDocument/2006/relationships" xmlns:p="http://schemas.openxmlformats.org/presentationml/2006/main">
   <p:cSld>
     <p:spTree>
@@ -38163,7 +38642,7 @@
           <a:p>
             <a:fld id="{8A2A4A19-B384-42F8-8C0D-94C30AAB39F2}" type="slidenum">
               <a:rPr lang="en-US" smtClean="0"/>
-              <a:t>41</a:t>
+              <a:t>42</a:t>
             </a:fld>
             <a:endParaRPr lang="en-US" dirty="0"/>
           </a:p>
@@ -38802,7 +39281,7 @@
 </p:sld>
 </file>
 
-<file path=ppt/slides/slide42.xml><?xml version="1.0" encoding="utf-8"?>
+<file path=ppt/slides/slide43.xml><?xml version="1.0" encoding="utf-8"?>
 <p:sld xmlns:a="http://schemas.openxmlformats.org/drawingml/2006/main" xmlns:r="http://schemas.openxmlformats.org/officeDocument/2006/relationships" xmlns:p="http://schemas.openxmlformats.org/presentationml/2006/main">
   <p:cSld>
     <p:spTree>
@@ -39027,7 +39506,7 @@
           <a:p>
             <a:fld id="{8A2A4A19-B384-42F8-8C0D-94C30AAB39F2}" type="slidenum">
               <a:rPr lang="en-US" smtClean="0"/>
-              <a:t>42</a:t>
+              <a:t>43</a:t>
             </a:fld>
             <a:endParaRPr lang="en-US" dirty="0"/>
           </a:p>
@@ -39046,7 +39525,7 @@
 </p:sld>
 </file>
 
-<file path=ppt/slides/slide43.xml><?xml version="1.0" encoding="utf-8"?>
+<file path=ppt/slides/slide44.xml><?xml version="1.0" encoding="utf-8"?>
 <p:sld xmlns:a="http://schemas.openxmlformats.org/drawingml/2006/main" xmlns:r="http://schemas.openxmlformats.org/officeDocument/2006/relationships" xmlns:p="http://schemas.openxmlformats.org/presentationml/2006/main">
   <p:cSld>
     <p:spTree>
@@ -39124,9 +39603,7 @@
           <p:cNvGraphicFramePr>
             <a:graphicFrameLocks noGrp="1"/>
           </p:cNvGraphicFramePr>
-          <p:nvPr>
-            <p:extLst/>
-          </p:nvPr>
+          <p:nvPr/>
         </p:nvGraphicFramePr>
         <p:xfrm>
           <a:off x="388620" y="2891790"/>
@@ -43332,7 +43809,7 @@
           <a:p>
             <a:fld id="{8A2A4A19-B384-42F8-8C0D-94C30AAB39F2}" type="slidenum">
               <a:rPr lang="en-US" smtClean="0"/>
-              <a:t>43</a:t>
+              <a:t>44</a:t>
             </a:fld>
             <a:endParaRPr lang="en-US" dirty="0"/>
           </a:p>
@@ -43415,7 +43892,7 @@
 </p:sld>
 </file>
 
-<file path=ppt/slides/slide44.xml><?xml version="1.0" encoding="utf-8"?>
+<file path=ppt/slides/slide45.xml><?xml version="1.0" encoding="utf-8"?>
 <p:sld xmlns:a="http://schemas.openxmlformats.org/drawingml/2006/main" xmlns:r="http://schemas.openxmlformats.org/officeDocument/2006/relationships" xmlns:p="http://schemas.openxmlformats.org/presentationml/2006/main">
   <p:cSld>
     <p:spTree>
@@ -43450,7 +43927,7 @@
             <a:fld id="{8A2A4A19-B384-42F8-8C0D-94C30AAB39F2}" type="slidenum">
               <a:rPr lang="en-US" smtClean="0"/>
               <a:pPr/>
-              <a:t>44</a:t>
+              <a:t>45</a:t>
             </a:fld>
             <a:endParaRPr lang="en-US" dirty="0"/>
           </a:p>
@@ -43792,18 +44269,6 @@
               </a:rPr>
               <a:t>program</a:t>
             </a:r>
-            <a:r>
-              <a:rPr lang="en-US">
-                <a:solidFill>
-                  <a:schemeClr val="tx1">
-                    <a:lumMod val="50000"/>
-                    <a:lumOff val="50000"/>
-                  </a:schemeClr>
-                </a:solidFill>
-                <a:cs typeface="Arial" panose="020B0604020202020204" pitchFamily="34" charset="0"/>
-              </a:rPr>
-              <a:t/>
-            </a:r>
             <a:br>
               <a:rPr lang="en-US">
                 <a:solidFill>
@@ -43855,7 +44320,7 @@
 </p:sld>
 </file>
 
-<file path=ppt/slides/slide45.xml><?xml version="1.0" encoding="utf-8"?>
+<file path=ppt/slides/slide46.xml><?xml version="1.0" encoding="utf-8"?>
 <p:sld xmlns:a="http://schemas.openxmlformats.org/drawingml/2006/main" xmlns:r="http://schemas.openxmlformats.org/officeDocument/2006/relationships" xmlns:p="http://schemas.openxmlformats.org/presentationml/2006/main">
   <p:cSld>
     <p:spTree>
@@ -43898,10 +44363,6 @@
               </a:rPr>
               <a:t>Aside:</a:t>
             </a:r>
-            <a:r>
-              <a:rPr lang="en-US" dirty="0"/>
-              <a:t/>
-            </a:r>
             <a:br>
               <a:rPr lang="en-US" dirty="0"/>
             </a:br>
@@ -43948,7 +44409,7 @@
           <a:p>
             <a:fld id="{8A2A4A19-B384-42F8-8C0D-94C30AAB39F2}" type="slidenum">
               <a:rPr lang="en-US" smtClean="0"/>
-              <a:t>45</a:t>
+              <a:t>46</a:t>
             </a:fld>
             <a:endParaRPr lang="en-US"/>
           </a:p>
@@ -43958,222 +44419,6 @@
     <p:extLst>
       <p:ext uri="{BB962C8B-B14F-4D97-AF65-F5344CB8AC3E}">
         <p14:creationId xmlns:p14="http://schemas.microsoft.com/office/powerpoint/2010/main" val="3742223858"/>
-      </p:ext>
-    </p:extLst>
-  </p:cSld>
-  <p:clrMapOvr>
-    <a:masterClrMapping/>
-  </p:clrMapOvr>
-</p:sld>
-</file>
-
-<file path=ppt/slides/slide46.xml><?xml version="1.0" encoding="utf-8"?>
-<p:sld xmlns:a="http://schemas.openxmlformats.org/drawingml/2006/main" xmlns:r="http://schemas.openxmlformats.org/officeDocument/2006/relationships" xmlns:p="http://schemas.openxmlformats.org/presentationml/2006/main">
-  <p:cSld>
-    <p:spTree>
-      <p:nvGrpSpPr>
-        <p:cNvPr id="1" name=""/>
-        <p:cNvGrpSpPr/>
-        <p:nvPr/>
-      </p:nvGrpSpPr>
-      <p:grpSpPr>
-        <a:xfrm>
-          <a:off x="0" y="0"/>
-          <a:ext cx="0" cy="0"/>
-          <a:chOff x="0" y="0"/>
-          <a:chExt cx="0" cy="0"/>
-        </a:xfrm>
-      </p:grpSpPr>
-      <p:sp>
-        <p:nvSpPr>
-          <p:cNvPr id="3" name="Title 2"/>
-          <p:cNvSpPr>
-            <a:spLocks noGrp="1"/>
-          </p:cNvSpPr>
-          <p:nvPr>
-            <p:ph type="title"/>
-          </p:nvPr>
-        </p:nvSpPr>
-        <p:spPr/>
-        <p:txBody>
-          <a:bodyPr/>
-          <a:lstStyle/>
-          <a:p>
-            <a:r>
-              <a:rPr lang="en-US" dirty="0"/>
-              <a:t>Statistical power</a:t>
-            </a:r>
-          </a:p>
-        </p:txBody>
-      </p:sp>
-      <p:sp>
-        <p:nvSpPr>
-          <p:cNvPr id="2" name="Slide Number Placeholder 1"/>
-          <p:cNvSpPr>
-            <a:spLocks noGrp="1"/>
-          </p:cNvSpPr>
-          <p:nvPr>
-            <p:ph type="sldNum" sz="quarter" idx="12"/>
-          </p:nvPr>
-        </p:nvSpPr>
-        <p:spPr/>
-        <p:txBody>
-          <a:bodyPr/>
-          <a:lstStyle/>
-          <a:p>
-            <a:fld id="{8A2A4A19-B384-42F8-8C0D-94C30AAB39F2}" type="slidenum">
-              <a:rPr lang="en-US" smtClean="0"/>
-              <a:pPr/>
-              <a:t>46</a:t>
-            </a:fld>
-            <a:endParaRPr lang="en-US"/>
-          </a:p>
-        </p:txBody>
-      </p:sp>
-      <p:sp>
-        <p:nvSpPr>
-          <p:cNvPr id="4" name="TextBox 3"/>
-          <p:cNvSpPr txBox="1"/>
-          <p:nvPr/>
-        </p:nvSpPr>
-        <p:spPr>
-          <a:xfrm>
-            <a:off x="1524000" y="3657600"/>
-            <a:ext cx="5029200" cy="4524315"/>
-          </a:xfrm>
-          <a:prstGeom prst="rect">
-            <a:avLst/>
-          </a:prstGeom>
-          <a:noFill/>
-        </p:spPr>
-        <p:txBody>
-          <a:bodyPr wrap="square" rtlCol="0">
-            <a:spAutoFit/>
-          </a:bodyPr>
-          <a:lstStyle/>
-          <a:p>
-            <a:r>
-              <a:rPr lang="en-US" dirty="0">
-                <a:solidFill>
-                  <a:schemeClr val="tx1">
-                    <a:lumMod val="50000"/>
-                    <a:lumOff val="50000"/>
-                  </a:schemeClr>
-                </a:solidFill>
-                <a:latin typeface="Arial" panose="020B0604020202020204" pitchFamily="34" charset="0"/>
-                <a:cs typeface="Arial" panose="020B0604020202020204" pitchFamily="34" charset="0"/>
-              </a:rPr>
-              <a:t>Power: the ability to detect a program impact when it exists.</a:t>
-            </a:r>
-          </a:p>
-          <a:p>
-            <a:endParaRPr lang="en-US" dirty="0">
-              <a:solidFill>
-                <a:schemeClr val="tx1">
-                  <a:lumMod val="50000"/>
-                  <a:lumOff val="50000"/>
-                </a:schemeClr>
-              </a:solidFill>
-              <a:latin typeface="Arial" panose="020B0604020202020204" pitchFamily="34" charset="0"/>
-              <a:cs typeface="Arial" panose="020B0604020202020204" pitchFamily="34" charset="0"/>
-            </a:endParaRPr>
-          </a:p>
-          <a:p>
-            <a:endParaRPr lang="en-US" dirty="0">
-              <a:solidFill>
-                <a:schemeClr val="tx1">
-                  <a:lumMod val="50000"/>
-                  <a:lumOff val="50000"/>
-                </a:schemeClr>
-              </a:solidFill>
-              <a:latin typeface="Arial" panose="020B0604020202020204" pitchFamily="34" charset="0"/>
-              <a:cs typeface="Arial" panose="020B0604020202020204" pitchFamily="34" charset="0"/>
-            </a:endParaRPr>
-          </a:p>
-          <a:p>
-            <a:r>
-              <a:rPr lang="en-US" dirty="0">
-                <a:solidFill>
-                  <a:schemeClr val="tx1">
-                    <a:lumMod val="50000"/>
-                    <a:lumOff val="50000"/>
-                  </a:schemeClr>
-                </a:solidFill>
-                <a:latin typeface="Arial" panose="020B0604020202020204" pitchFamily="34" charset="0"/>
-                <a:cs typeface="Arial" panose="020B0604020202020204" pitchFamily="34" charset="0"/>
-              </a:rPr>
-              <a:t>Type I Error: Claiming a program has impact when it doesn’t (false positive). This type of error is usually caused by bias in our estimate of impact.</a:t>
-            </a:r>
-          </a:p>
-          <a:p>
-            <a:endParaRPr lang="en-US" dirty="0">
-              <a:solidFill>
-                <a:schemeClr val="tx1">
-                  <a:lumMod val="50000"/>
-                  <a:lumOff val="50000"/>
-                </a:schemeClr>
-              </a:solidFill>
-              <a:latin typeface="Arial" panose="020B0604020202020204" pitchFamily="34" charset="0"/>
-              <a:cs typeface="Arial" panose="020B0604020202020204" pitchFamily="34" charset="0"/>
-            </a:endParaRPr>
-          </a:p>
-          <a:p>
-            <a:endParaRPr lang="en-US" dirty="0">
-              <a:solidFill>
-                <a:schemeClr val="tx1">
-                  <a:lumMod val="50000"/>
-                  <a:lumOff val="50000"/>
-                </a:schemeClr>
-              </a:solidFill>
-              <a:latin typeface="Arial" panose="020B0604020202020204" pitchFamily="34" charset="0"/>
-              <a:cs typeface="Arial" panose="020B0604020202020204" pitchFamily="34" charset="0"/>
-            </a:endParaRPr>
-          </a:p>
-          <a:p>
-            <a:r>
-              <a:rPr lang="en-US" dirty="0">
-                <a:solidFill>
-                  <a:schemeClr val="tx1">
-                    <a:lumMod val="50000"/>
-                    <a:lumOff val="50000"/>
-                  </a:schemeClr>
-                </a:solidFill>
-                <a:latin typeface="Arial" panose="020B0604020202020204" pitchFamily="34" charset="0"/>
-                <a:cs typeface="Arial" panose="020B0604020202020204" pitchFamily="34" charset="0"/>
-              </a:rPr>
-              <a:t>Type II Error: Failure to detect program impact when it exists (false negative). This type of error is usually caused by a lack of adequate statistical power (large standard errors).</a:t>
-            </a:r>
-          </a:p>
-          <a:p>
-            <a:endParaRPr lang="en-US" dirty="0">
-              <a:solidFill>
-                <a:schemeClr val="tx1">
-                  <a:lumMod val="50000"/>
-                  <a:lumOff val="50000"/>
-                </a:schemeClr>
-              </a:solidFill>
-              <a:latin typeface="Arial" panose="020B0604020202020204" pitchFamily="34" charset="0"/>
-              <a:cs typeface="Arial" panose="020B0604020202020204" pitchFamily="34" charset="0"/>
-            </a:endParaRPr>
-          </a:p>
-          <a:p>
-            <a:endParaRPr lang="en-US" dirty="0">
-              <a:solidFill>
-                <a:schemeClr val="tx1">
-                  <a:lumMod val="50000"/>
-                  <a:lumOff val="50000"/>
-                </a:schemeClr>
-              </a:solidFill>
-              <a:latin typeface="Arial" panose="020B0604020202020204" pitchFamily="34" charset="0"/>
-              <a:cs typeface="Arial" panose="020B0604020202020204" pitchFamily="34" charset="0"/>
-            </a:endParaRPr>
-          </a:p>
-        </p:txBody>
-      </p:sp>
-    </p:spTree>
-    <p:extLst>
-      <p:ext uri="{BB962C8B-B14F-4D97-AF65-F5344CB8AC3E}">
-        <p14:creationId xmlns:p14="http://schemas.microsoft.com/office/powerpoint/2010/main" val="4098836066"/>
       </p:ext>
     </p:extLst>
   </p:cSld>
@@ -44217,7 +44462,7 @@
           <a:p>
             <a:r>
               <a:rPr lang="en-US" dirty="0"/>
-              <a:t>Low power</a:t>
+              <a:t>Statistical power</a:t>
             </a:r>
           </a:p>
         </p:txBody>
@@ -44241,6 +44486,222 @@
               <a:rPr lang="en-US" smtClean="0"/>
               <a:pPr/>
               <a:t>47</a:t>
+            </a:fld>
+            <a:endParaRPr lang="en-US"/>
+          </a:p>
+        </p:txBody>
+      </p:sp>
+      <p:sp>
+        <p:nvSpPr>
+          <p:cNvPr id="4" name="TextBox 3"/>
+          <p:cNvSpPr txBox="1"/>
+          <p:nvPr/>
+        </p:nvSpPr>
+        <p:spPr>
+          <a:xfrm>
+            <a:off x="1524000" y="3657600"/>
+            <a:ext cx="5029200" cy="4524315"/>
+          </a:xfrm>
+          <a:prstGeom prst="rect">
+            <a:avLst/>
+          </a:prstGeom>
+          <a:noFill/>
+        </p:spPr>
+        <p:txBody>
+          <a:bodyPr wrap="square" rtlCol="0">
+            <a:spAutoFit/>
+          </a:bodyPr>
+          <a:lstStyle/>
+          <a:p>
+            <a:r>
+              <a:rPr lang="en-US" dirty="0">
+                <a:solidFill>
+                  <a:schemeClr val="tx1">
+                    <a:lumMod val="50000"/>
+                    <a:lumOff val="50000"/>
+                  </a:schemeClr>
+                </a:solidFill>
+                <a:latin typeface="Arial" panose="020B0604020202020204" pitchFamily="34" charset="0"/>
+                <a:cs typeface="Arial" panose="020B0604020202020204" pitchFamily="34" charset="0"/>
+              </a:rPr>
+              <a:t>Power: the ability to detect a program impact when it exists.</a:t>
+            </a:r>
+          </a:p>
+          <a:p>
+            <a:endParaRPr lang="en-US" dirty="0">
+              <a:solidFill>
+                <a:schemeClr val="tx1">
+                  <a:lumMod val="50000"/>
+                  <a:lumOff val="50000"/>
+                </a:schemeClr>
+              </a:solidFill>
+              <a:latin typeface="Arial" panose="020B0604020202020204" pitchFamily="34" charset="0"/>
+              <a:cs typeface="Arial" panose="020B0604020202020204" pitchFamily="34" charset="0"/>
+            </a:endParaRPr>
+          </a:p>
+          <a:p>
+            <a:endParaRPr lang="en-US" dirty="0">
+              <a:solidFill>
+                <a:schemeClr val="tx1">
+                  <a:lumMod val="50000"/>
+                  <a:lumOff val="50000"/>
+                </a:schemeClr>
+              </a:solidFill>
+              <a:latin typeface="Arial" panose="020B0604020202020204" pitchFamily="34" charset="0"/>
+              <a:cs typeface="Arial" panose="020B0604020202020204" pitchFamily="34" charset="0"/>
+            </a:endParaRPr>
+          </a:p>
+          <a:p>
+            <a:r>
+              <a:rPr lang="en-US" dirty="0">
+                <a:solidFill>
+                  <a:schemeClr val="tx1">
+                    <a:lumMod val="50000"/>
+                    <a:lumOff val="50000"/>
+                  </a:schemeClr>
+                </a:solidFill>
+                <a:latin typeface="Arial" panose="020B0604020202020204" pitchFamily="34" charset="0"/>
+                <a:cs typeface="Arial" panose="020B0604020202020204" pitchFamily="34" charset="0"/>
+              </a:rPr>
+              <a:t>Type I Error: Claiming a program has impact when it doesn’t (false positive). This type of error is usually caused by bias in our estimate of impact.</a:t>
+            </a:r>
+          </a:p>
+          <a:p>
+            <a:endParaRPr lang="en-US" dirty="0">
+              <a:solidFill>
+                <a:schemeClr val="tx1">
+                  <a:lumMod val="50000"/>
+                  <a:lumOff val="50000"/>
+                </a:schemeClr>
+              </a:solidFill>
+              <a:latin typeface="Arial" panose="020B0604020202020204" pitchFamily="34" charset="0"/>
+              <a:cs typeface="Arial" panose="020B0604020202020204" pitchFamily="34" charset="0"/>
+            </a:endParaRPr>
+          </a:p>
+          <a:p>
+            <a:endParaRPr lang="en-US" dirty="0">
+              <a:solidFill>
+                <a:schemeClr val="tx1">
+                  <a:lumMod val="50000"/>
+                  <a:lumOff val="50000"/>
+                </a:schemeClr>
+              </a:solidFill>
+              <a:latin typeface="Arial" panose="020B0604020202020204" pitchFamily="34" charset="0"/>
+              <a:cs typeface="Arial" panose="020B0604020202020204" pitchFamily="34" charset="0"/>
+            </a:endParaRPr>
+          </a:p>
+          <a:p>
+            <a:r>
+              <a:rPr lang="en-US" dirty="0">
+                <a:solidFill>
+                  <a:schemeClr val="tx1">
+                    <a:lumMod val="50000"/>
+                    <a:lumOff val="50000"/>
+                  </a:schemeClr>
+                </a:solidFill>
+                <a:latin typeface="Arial" panose="020B0604020202020204" pitchFamily="34" charset="0"/>
+                <a:cs typeface="Arial" panose="020B0604020202020204" pitchFamily="34" charset="0"/>
+              </a:rPr>
+              <a:t>Type II Error: Failure to detect program impact when it exists (false negative). This type of error is usually caused by a lack of adequate statistical power (large standard errors).</a:t>
+            </a:r>
+          </a:p>
+          <a:p>
+            <a:endParaRPr lang="en-US" dirty="0">
+              <a:solidFill>
+                <a:schemeClr val="tx1">
+                  <a:lumMod val="50000"/>
+                  <a:lumOff val="50000"/>
+                </a:schemeClr>
+              </a:solidFill>
+              <a:latin typeface="Arial" panose="020B0604020202020204" pitchFamily="34" charset="0"/>
+              <a:cs typeface="Arial" panose="020B0604020202020204" pitchFamily="34" charset="0"/>
+            </a:endParaRPr>
+          </a:p>
+          <a:p>
+            <a:endParaRPr lang="en-US" dirty="0">
+              <a:solidFill>
+                <a:schemeClr val="tx1">
+                  <a:lumMod val="50000"/>
+                  <a:lumOff val="50000"/>
+                </a:schemeClr>
+              </a:solidFill>
+              <a:latin typeface="Arial" panose="020B0604020202020204" pitchFamily="34" charset="0"/>
+              <a:cs typeface="Arial" panose="020B0604020202020204" pitchFamily="34" charset="0"/>
+            </a:endParaRPr>
+          </a:p>
+        </p:txBody>
+      </p:sp>
+    </p:spTree>
+    <p:extLst>
+      <p:ext uri="{BB962C8B-B14F-4D97-AF65-F5344CB8AC3E}">
+        <p14:creationId xmlns:p14="http://schemas.microsoft.com/office/powerpoint/2010/main" val="4098836066"/>
+      </p:ext>
+    </p:extLst>
+  </p:cSld>
+  <p:clrMapOvr>
+    <a:masterClrMapping/>
+  </p:clrMapOvr>
+</p:sld>
+</file>
+
+<file path=ppt/slides/slide48.xml><?xml version="1.0" encoding="utf-8"?>
+<p:sld xmlns:a="http://schemas.openxmlformats.org/drawingml/2006/main" xmlns:r="http://schemas.openxmlformats.org/officeDocument/2006/relationships" xmlns:p="http://schemas.openxmlformats.org/presentationml/2006/main">
+  <p:cSld>
+    <p:spTree>
+      <p:nvGrpSpPr>
+        <p:cNvPr id="1" name=""/>
+        <p:cNvGrpSpPr/>
+        <p:nvPr/>
+      </p:nvGrpSpPr>
+      <p:grpSpPr>
+        <a:xfrm>
+          <a:off x="0" y="0"/>
+          <a:ext cx="0" cy="0"/>
+          <a:chOff x="0" y="0"/>
+          <a:chExt cx="0" cy="0"/>
+        </a:xfrm>
+      </p:grpSpPr>
+      <p:sp>
+        <p:nvSpPr>
+          <p:cNvPr id="3" name="Title 2"/>
+          <p:cNvSpPr>
+            <a:spLocks noGrp="1"/>
+          </p:cNvSpPr>
+          <p:nvPr>
+            <p:ph type="title"/>
+          </p:nvPr>
+        </p:nvSpPr>
+        <p:spPr/>
+        <p:txBody>
+          <a:bodyPr/>
+          <a:lstStyle/>
+          <a:p>
+            <a:r>
+              <a:rPr lang="en-US" dirty="0"/>
+              <a:t>Low power</a:t>
+            </a:r>
+          </a:p>
+        </p:txBody>
+      </p:sp>
+      <p:sp>
+        <p:nvSpPr>
+          <p:cNvPr id="2" name="Slide Number Placeholder 1"/>
+          <p:cNvSpPr>
+            <a:spLocks noGrp="1"/>
+          </p:cNvSpPr>
+          <p:nvPr>
+            <p:ph type="sldNum" sz="quarter" idx="12"/>
+          </p:nvPr>
+        </p:nvSpPr>
+        <p:spPr/>
+        <p:txBody>
+          <a:bodyPr/>
+          <a:lstStyle/>
+          <a:p>
+            <a:fld id="{8A2A4A19-B384-42F8-8C0D-94C30AAB39F2}" type="slidenum">
+              <a:rPr lang="en-US" smtClean="0"/>
+              <a:pPr/>
+              <a:t>48</a:t>
             </a:fld>
             <a:endParaRPr lang="en-US"/>
           </a:p>
@@ -44389,7 +44850,7 @@
 </p:sld>
 </file>
 
-<file path=ppt/slides/slide48.xml><?xml version="1.0" encoding="utf-8"?>
+<file path=ppt/slides/slide49.xml><?xml version="1.0" encoding="utf-8"?>
 <p:sld xmlns:a="http://schemas.openxmlformats.org/drawingml/2006/main" xmlns:r="http://schemas.openxmlformats.org/officeDocument/2006/relationships" xmlns:p="http://schemas.openxmlformats.org/presentationml/2006/main">
   <p:cSld>
     <p:spTree>
@@ -44445,7 +44906,7 @@
           <a:p>
             <a:fld id="{8A2A4A19-B384-42F8-8C0D-94C30AAB39F2}" type="slidenum">
               <a:rPr lang="en-US" smtClean="0"/>
-              <a:t>48</a:t>
+              <a:t>49</a:t>
             </a:fld>
             <a:endParaRPr lang="en-US"/>
           </a:p>
@@ -44570,7 +45031,974 @@
 </p:sld>
 </file>
 
-<file path=ppt/slides/slide49.xml><?xml version="1.0" encoding="utf-8"?>
+<file path=ppt/slides/slide5.xml><?xml version="1.0" encoding="utf-8"?>
+<p:sld xmlns:a="http://schemas.openxmlformats.org/drawingml/2006/main" xmlns:r="http://schemas.openxmlformats.org/officeDocument/2006/relationships" xmlns:p="http://schemas.openxmlformats.org/presentationml/2006/main">
+  <p:cSld>
+    <p:spTree>
+      <p:nvGrpSpPr>
+        <p:cNvPr id="1" name=""/>
+        <p:cNvGrpSpPr/>
+        <p:nvPr/>
+      </p:nvGrpSpPr>
+      <p:grpSpPr>
+        <a:xfrm>
+          <a:off x="0" y="0"/>
+          <a:ext cx="0" cy="0"/>
+          <a:chOff x="0" y="0"/>
+          <a:chExt cx="0" cy="0"/>
+        </a:xfrm>
+      </p:grpSpPr>
+      <p:sp>
+        <p:nvSpPr>
+          <p:cNvPr id="17" name="Slide Number Placeholder 16"/>
+          <p:cNvSpPr>
+            <a:spLocks noGrp="1"/>
+          </p:cNvSpPr>
+          <p:nvPr>
+            <p:ph type="sldNum" sz="quarter" idx="12"/>
+          </p:nvPr>
+        </p:nvSpPr>
+        <p:spPr/>
+        <p:txBody>
+          <a:bodyPr/>
+          <a:lstStyle/>
+          <a:p>
+            <a:pPr marL="0" marR="0" lvl="0" indent="0" algn="ctr" defTabSz="914400" rtl="0" eaLnBrk="1" fontAlgn="auto" latinLnBrk="0" hangingPunct="1">
+              <a:lnSpc>
+                <a:spcPct val="100000"/>
+              </a:lnSpc>
+              <a:spcBef>
+                <a:spcPts val="0"/>
+              </a:spcBef>
+              <a:spcAft>
+                <a:spcPts val="0"/>
+              </a:spcAft>
+              <a:buClrTx/>
+              <a:buSzTx/>
+              <a:buFontTx/>
+              <a:buNone/>
+              <a:tabLst/>
+              <a:defRPr/>
+            </a:pPr>
+            <a:fld id="{8A2A4A19-B384-42F8-8C0D-94C30AAB39F2}" type="slidenum">
+              <a:rPr kumimoji="0" lang="en-US" sz="1400" b="1" i="0" u="none" strike="noStrike" kern="1200" cap="none" spc="0" normalizeH="0" baseline="0" noProof="0" smtClean="0">
+                <a:ln>
+                  <a:noFill/>
+                </a:ln>
+                <a:solidFill>
+                  <a:prstClr val="white"/>
+                </a:solidFill>
+                <a:effectLst/>
+                <a:uLnTx/>
+                <a:uFillTx/>
+                <a:latin typeface="Arial Black" panose="020B0A04020102020204" pitchFamily="34" charset="0"/>
+                <a:ea typeface="+mn-ea"/>
+                <a:cs typeface="+mn-cs"/>
+              </a:rPr>
+              <a:pPr marL="0" marR="0" lvl="0" indent="0" algn="ctr" defTabSz="914400" rtl="0" eaLnBrk="1" fontAlgn="auto" latinLnBrk="0" hangingPunct="1">
+                <a:lnSpc>
+                  <a:spcPct val="100000"/>
+                </a:lnSpc>
+                <a:spcBef>
+                  <a:spcPts val="0"/>
+                </a:spcBef>
+                <a:spcAft>
+                  <a:spcPts val="0"/>
+                </a:spcAft>
+                <a:buClrTx/>
+                <a:buSzTx/>
+                <a:buFontTx/>
+                <a:buNone/>
+                <a:tabLst/>
+                <a:defRPr/>
+              </a:pPr>
+              <a:t>5</a:t>
+            </a:fld>
+            <a:endParaRPr kumimoji="0" lang="en-US" sz="1400" b="1" i="0" u="none" strike="noStrike" kern="1200" cap="none" spc="0" normalizeH="0" baseline="0" noProof="0">
+              <a:ln>
+                <a:noFill/>
+              </a:ln>
+              <a:solidFill>
+                <a:prstClr val="white"/>
+              </a:solidFill>
+              <a:effectLst/>
+              <a:uLnTx/>
+              <a:uFillTx/>
+              <a:latin typeface="Arial Black" panose="020B0A04020102020204" pitchFamily="34" charset="0"/>
+              <a:ea typeface="+mn-ea"/>
+              <a:cs typeface="+mn-cs"/>
+            </a:endParaRPr>
+          </a:p>
+        </p:txBody>
+      </p:sp>
+      <p:sp>
+        <p:nvSpPr>
+          <p:cNvPr id="27" name="Rectangle 26"/>
+          <p:cNvSpPr/>
+          <p:nvPr/>
+        </p:nvSpPr>
+        <p:spPr>
+          <a:xfrm>
+            <a:off x="531516" y="1715693"/>
+            <a:ext cx="6781800" cy="1200329"/>
+          </a:xfrm>
+          <a:prstGeom prst="rect">
+            <a:avLst/>
+          </a:prstGeom>
+        </p:spPr>
+        <p:txBody>
+          <a:bodyPr wrap="square">
+            <a:spAutoFit/>
+          </a:bodyPr>
+          <a:lstStyle/>
+          <a:p>
+            <a:pPr marL="0" marR="0" lvl="0" indent="0" algn="ctr" defTabSz="914400" rtl="0" eaLnBrk="1" fontAlgn="auto" latinLnBrk="0" hangingPunct="1">
+              <a:lnSpc>
+                <a:spcPct val="100000"/>
+              </a:lnSpc>
+              <a:spcBef>
+                <a:spcPts val="0"/>
+              </a:spcBef>
+              <a:spcAft>
+                <a:spcPts val="0"/>
+              </a:spcAft>
+              <a:buClrTx/>
+              <a:buSzTx/>
+              <a:buFontTx/>
+              <a:buNone/>
+              <a:tabLst/>
+              <a:defRPr/>
+            </a:pPr>
+            <a:r>
+              <a:rPr kumimoji="0" lang="en-US" sz="3600" b="0" i="0" u="none" strike="noStrike" kern="1200" cap="none" spc="0" normalizeH="0" baseline="0" noProof="0" dirty="0">
+                <a:ln>
+                  <a:noFill/>
+                </a:ln>
+                <a:solidFill>
+                  <a:srgbClr val="F79646">
+                    <a:lumMod val="75000"/>
+                  </a:srgbClr>
+                </a:solidFill>
+                <a:effectLst/>
+                <a:uLnTx/>
+                <a:uFillTx/>
+                <a:latin typeface="Stencil" panose="040409050D0802020404" pitchFamily="82" charset="0"/>
+                <a:ea typeface="+mn-ea"/>
+                <a:cs typeface="+mn-cs"/>
+              </a:rPr>
+              <a:t>Which bet would </a:t>
+            </a:r>
+          </a:p>
+          <a:p>
+            <a:pPr marL="0" marR="0" lvl="0" indent="0" algn="ctr" defTabSz="914400" rtl="0" eaLnBrk="1" fontAlgn="auto" latinLnBrk="0" hangingPunct="1">
+              <a:lnSpc>
+                <a:spcPct val="100000"/>
+              </a:lnSpc>
+              <a:spcBef>
+                <a:spcPts val="0"/>
+              </a:spcBef>
+              <a:spcAft>
+                <a:spcPts val="0"/>
+              </a:spcAft>
+              <a:buClrTx/>
+              <a:buSzTx/>
+              <a:buFontTx/>
+              <a:buNone/>
+              <a:tabLst/>
+              <a:defRPr/>
+            </a:pPr>
+            <a:r>
+              <a:rPr kumimoji="0" lang="en-US" sz="3600" b="0" i="0" u="none" strike="noStrike" kern="1200" cap="none" spc="0" normalizeH="0" baseline="0" noProof="0" dirty="0">
+                <a:ln>
+                  <a:noFill/>
+                </a:ln>
+                <a:solidFill>
+                  <a:srgbClr val="F79646">
+                    <a:lumMod val="75000"/>
+                  </a:srgbClr>
+                </a:solidFill>
+                <a:effectLst/>
+                <a:uLnTx/>
+                <a:uFillTx/>
+                <a:latin typeface="Stencil" panose="040409050D0802020404" pitchFamily="82" charset="0"/>
+                <a:ea typeface="+mn-ea"/>
+                <a:cs typeface="+mn-cs"/>
+              </a:rPr>
+              <a:t>you prefer?</a:t>
+            </a:r>
+          </a:p>
+        </p:txBody>
+      </p:sp>
+      <p:sp>
+        <p:nvSpPr>
+          <p:cNvPr id="20" name="TextBox 19"/>
+          <p:cNvSpPr txBox="1"/>
+          <p:nvPr/>
+        </p:nvSpPr>
+        <p:spPr>
+          <a:xfrm>
+            <a:off x="1009650" y="3800925"/>
+            <a:ext cx="5448240" cy="2031325"/>
+          </a:xfrm>
+          <a:prstGeom prst="rect">
+            <a:avLst/>
+          </a:prstGeom>
+          <a:noFill/>
+        </p:spPr>
+        <p:txBody>
+          <a:bodyPr wrap="square" rtlCol="0">
+            <a:spAutoFit/>
+          </a:bodyPr>
+          <a:lstStyle/>
+          <a:p>
+            <a:pPr algn="ctr"/>
+            <a:r>
+              <a:rPr lang="en-US" dirty="0">
+                <a:solidFill>
+                  <a:schemeClr val="tx1">
+                    <a:lumMod val="50000"/>
+                    <a:lumOff val="50000"/>
+                  </a:schemeClr>
+                </a:solidFill>
+                <a:latin typeface="Arial" panose="020B0604020202020204" pitchFamily="34" charset="0"/>
+                <a:cs typeface="Arial" panose="020B0604020202020204" pitchFamily="34" charset="0"/>
+              </a:rPr>
+              <a:t>The bet costs $1,000 to place</a:t>
+            </a:r>
+            <a:br>
+              <a:rPr lang="en-US" dirty="0">
+                <a:solidFill>
+                  <a:schemeClr val="tx1">
+                    <a:lumMod val="50000"/>
+                    <a:lumOff val="50000"/>
+                  </a:schemeClr>
+                </a:solidFill>
+                <a:latin typeface="Arial" panose="020B0604020202020204" pitchFamily="34" charset="0"/>
+                <a:cs typeface="Arial" panose="020B0604020202020204" pitchFamily="34" charset="0"/>
+              </a:rPr>
+            </a:br>
+            <a:r>
+              <a:rPr lang="en-US" dirty="0">
+                <a:solidFill>
+                  <a:schemeClr val="tx1">
+                    <a:lumMod val="50000"/>
+                    <a:lumOff val="50000"/>
+                  </a:schemeClr>
+                </a:solidFill>
+                <a:latin typeface="Arial" panose="020B0604020202020204" pitchFamily="34" charset="0"/>
+                <a:cs typeface="Arial" panose="020B0604020202020204" pitchFamily="34" charset="0"/>
+              </a:rPr>
+              <a:t>There is a 75% chance you win $1,500</a:t>
+            </a:r>
+          </a:p>
+          <a:p>
+            <a:pPr algn="ctr"/>
+            <a:r>
+              <a:rPr lang="en-US" dirty="0">
+                <a:solidFill>
+                  <a:schemeClr val="tx1">
+                    <a:lumMod val="50000"/>
+                    <a:lumOff val="50000"/>
+                  </a:schemeClr>
+                </a:solidFill>
+                <a:latin typeface="Arial" panose="020B0604020202020204" pitchFamily="34" charset="0"/>
+                <a:cs typeface="Arial" panose="020B0604020202020204" pitchFamily="34" charset="0"/>
+              </a:rPr>
+              <a:t>There is a 25% chance you win $1,100</a:t>
+            </a:r>
+          </a:p>
+          <a:p>
+            <a:pPr marL="0" marR="0" lvl="0" indent="0" algn="ctr" defTabSz="914400" rtl="0" eaLnBrk="1" fontAlgn="auto" latinLnBrk="0" hangingPunct="1">
+              <a:lnSpc>
+                <a:spcPct val="100000"/>
+              </a:lnSpc>
+              <a:spcBef>
+                <a:spcPts val="0"/>
+              </a:spcBef>
+              <a:spcAft>
+                <a:spcPts val="0"/>
+              </a:spcAft>
+              <a:buClrTx/>
+              <a:buSzTx/>
+              <a:buFontTx/>
+              <a:buNone/>
+              <a:tabLst/>
+              <a:defRPr/>
+            </a:pPr>
+            <a:endParaRPr kumimoji="0" lang="en-US" sz="1800" b="0" i="0" u="none" strike="noStrike" kern="1200" cap="none" spc="0" normalizeH="0" baseline="0" noProof="0" dirty="0">
+              <a:ln>
+                <a:noFill/>
+              </a:ln>
+              <a:solidFill>
+                <a:prstClr val="black">
+                  <a:lumMod val="50000"/>
+                  <a:lumOff val="50000"/>
+                </a:prstClr>
+              </a:solidFill>
+              <a:effectLst/>
+              <a:uLnTx/>
+              <a:uFillTx/>
+              <a:latin typeface="Arial" panose="020B0604020202020204" pitchFamily="34" charset="0"/>
+              <a:ea typeface="+mn-ea"/>
+              <a:cs typeface="Arial" panose="020B0604020202020204" pitchFamily="34" charset="0"/>
+            </a:endParaRPr>
+          </a:p>
+          <a:p>
+            <a:pPr marL="0" marR="0" lvl="0" indent="0" algn="ctr" defTabSz="914400" rtl="0" eaLnBrk="1" fontAlgn="auto" latinLnBrk="0" hangingPunct="1">
+              <a:lnSpc>
+                <a:spcPct val="100000"/>
+              </a:lnSpc>
+              <a:spcBef>
+                <a:spcPts val="0"/>
+              </a:spcBef>
+              <a:spcAft>
+                <a:spcPts val="0"/>
+              </a:spcAft>
+              <a:buClrTx/>
+              <a:buSzTx/>
+              <a:buFontTx/>
+              <a:buNone/>
+              <a:tabLst/>
+              <a:defRPr/>
+            </a:pPr>
+            <a:r>
+              <a:rPr kumimoji="0" lang="en-US" sz="1800" b="0" i="0" u="none" strike="noStrike" kern="1200" cap="none" spc="0" normalizeH="0" baseline="0" noProof="0" dirty="0">
+                <a:ln>
+                  <a:noFill/>
+                </a:ln>
+                <a:solidFill>
+                  <a:prstClr val="black">
+                    <a:lumMod val="50000"/>
+                    <a:lumOff val="50000"/>
+                  </a:prstClr>
+                </a:solidFill>
+                <a:effectLst/>
+                <a:uLnTx/>
+                <a:uFillTx/>
+                <a:latin typeface="Arial" panose="020B0604020202020204" pitchFamily="34" charset="0"/>
+                <a:ea typeface="+mn-ea"/>
+                <a:cs typeface="Arial" panose="020B0604020202020204" pitchFamily="34" charset="0"/>
+              </a:rPr>
+              <a:t>Expected</a:t>
+            </a:r>
+            <a:r>
+              <a:rPr kumimoji="0" lang="en-US" sz="1800" b="0" i="0" u="none" strike="noStrike" kern="1200" cap="none" spc="0" normalizeH="0" noProof="0" dirty="0">
+                <a:ln>
+                  <a:noFill/>
+                </a:ln>
+                <a:solidFill>
+                  <a:prstClr val="black">
+                    <a:lumMod val="50000"/>
+                    <a:lumOff val="50000"/>
+                  </a:prstClr>
+                </a:solidFill>
+                <a:effectLst/>
+                <a:uLnTx/>
+                <a:uFillTx/>
+                <a:latin typeface="Arial" panose="020B0604020202020204" pitchFamily="34" charset="0"/>
+                <a:ea typeface="+mn-ea"/>
+                <a:cs typeface="Arial" panose="020B0604020202020204" pitchFamily="34" charset="0"/>
+              </a:rPr>
+              <a:t> value =</a:t>
+            </a:r>
+          </a:p>
+          <a:p>
+            <a:pPr marL="0" marR="0" lvl="0" indent="0" algn="ctr" defTabSz="914400" rtl="0" eaLnBrk="1" fontAlgn="auto" latinLnBrk="0" hangingPunct="1">
+              <a:lnSpc>
+                <a:spcPct val="100000"/>
+              </a:lnSpc>
+              <a:spcBef>
+                <a:spcPts val="0"/>
+              </a:spcBef>
+              <a:spcAft>
+                <a:spcPts val="0"/>
+              </a:spcAft>
+              <a:buClrTx/>
+              <a:buSzTx/>
+              <a:buFontTx/>
+              <a:buNone/>
+              <a:tabLst/>
+              <a:defRPr/>
+            </a:pPr>
+            <a:r>
+              <a:rPr lang="en-US" baseline="0" dirty="0">
+                <a:solidFill>
+                  <a:prstClr val="black">
+                    <a:lumMod val="50000"/>
+                    <a:lumOff val="50000"/>
+                  </a:prstClr>
+                </a:solidFill>
+                <a:latin typeface="Arial" panose="020B0604020202020204" pitchFamily="34" charset="0"/>
+                <a:cs typeface="Arial" panose="020B0604020202020204" pitchFamily="34" charset="0"/>
+              </a:rPr>
+              <a:t>(0.75)(1500)</a:t>
+            </a:r>
+            <a:r>
+              <a:rPr lang="en-US" dirty="0">
+                <a:solidFill>
+                  <a:prstClr val="black">
+                    <a:lumMod val="50000"/>
+                    <a:lumOff val="50000"/>
+                  </a:prstClr>
+                </a:solidFill>
+                <a:latin typeface="Arial" panose="020B0604020202020204" pitchFamily="34" charset="0"/>
+                <a:cs typeface="Arial" panose="020B0604020202020204" pitchFamily="34" charset="0"/>
+              </a:rPr>
+              <a:t> + </a:t>
+            </a:r>
+            <a:r>
+              <a:rPr kumimoji="0" lang="en-US" sz="1800" b="0" i="0" u="none" strike="noStrike" kern="1200" cap="none" spc="0" normalizeH="0" baseline="0" noProof="0" dirty="0">
+                <a:ln>
+                  <a:noFill/>
+                </a:ln>
+                <a:solidFill>
+                  <a:prstClr val="black">
+                    <a:lumMod val="50000"/>
+                    <a:lumOff val="50000"/>
+                  </a:prstClr>
+                </a:solidFill>
+                <a:effectLst/>
+                <a:uLnTx/>
+                <a:uFillTx/>
+                <a:latin typeface="Arial" panose="020B0604020202020204" pitchFamily="34" charset="0"/>
+                <a:ea typeface="+mn-ea"/>
+                <a:cs typeface="Arial" panose="020B0604020202020204" pitchFamily="34" charset="0"/>
+              </a:rPr>
+              <a:t>(0.25)(1100)</a:t>
+            </a:r>
+            <a:r>
+              <a:rPr kumimoji="0" lang="en-US" sz="1800" b="0" i="0" u="none" strike="noStrike" kern="1200" cap="none" spc="0" normalizeH="0" noProof="0" dirty="0">
+                <a:ln>
+                  <a:noFill/>
+                </a:ln>
+                <a:solidFill>
+                  <a:prstClr val="black">
+                    <a:lumMod val="50000"/>
+                    <a:lumOff val="50000"/>
+                  </a:prstClr>
+                </a:solidFill>
+                <a:effectLst/>
+                <a:uLnTx/>
+                <a:uFillTx/>
+                <a:latin typeface="Arial" panose="020B0604020202020204" pitchFamily="34" charset="0"/>
+                <a:ea typeface="+mn-ea"/>
+                <a:cs typeface="Arial" panose="020B0604020202020204" pitchFamily="34" charset="0"/>
+              </a:rPr>
+              <a:t> =</a:t>
+            </a:r>
+          </a:p>
+          <a:p>
+            <a:pPr marL="0" marR="0" lvl="0" indent="0" algn="ctr" defTabSz="914400" rtl="0" eaLnBrk="1" fontAlgn="auto" latinLnBrk="0" hangingPunct="1">
+              <a:lnSpc>
+                <a:spcPct val="100000"/>
+              </a:lnSpc>
+              <a:spcBef>
+                <a:spcPts val="0"/>
+              </a:spcBef>
+              <a:spcAft>
+                <a:spcPts val="0"/>
+              </a:spcAft>
+              <a:buClrTx/>
+              <a:buSzTx/>
+              <a:buFontTx/>
+              <a:buNone/>
+              <a:tabLst/>
+              <a:defRPr/>
+            </a:pPr>
+            <a:r>
+              <a:rPr kumimoji="0" lang="en-US" sz="1800" b="1" i="0" u="none" strike="noStrike" kern="1200" cap="none" spc="0" normalizeH="0" baseline="0" noProof="0" dirty="0">
+                <a:ln>
+                  <a:noFill/>
+                </a:ln>
+                <a:solidFill>
+                  <a:prstClr val="black">
+                    <a:lumMod val="50000"/>
+                    <a:lumOff val="50000"/>
+                  </a:prstClr>
+                </a:solidFill>
+                <a:effectLst/>
+                <a:uLnTx/>
+                <a:uFillTx/>
+                <a:latin typeface="Arial" panose="020B0604020202020204" pitchFamily="34" charset="0"/>
+                <a:ea typeface="+mn-ea"/>
+                <a:cs typeface="Arial" panose="020B0604020202020204" pitchFamily="34" charset="0"/>
+              </a:rPr>
+              <a:t>$1,400</a:t>
+            </a:r>
+          </a:p>
+        </p:txBody>
+      </p:sp>
+      <p:sp>
+        <p:nvSpPr>
+          <p:cNvPr id="22" name="TextBox 21"/>
+          <p:cNvSpPr txBox="1"/>
+          <p:nvPr/>
+        </p:nvSpPr>
+        <p:spPr>
+          <a:xfrm>
+            <a:off x="1009650" y="7036475"/>
+            <a:ext cx="5448240" cy="2031325"/>
+          </a:xfrm>
+          <a:prstGeom prst="rect">
+            <a:avLst/>
+          </a:prstGeom>
+          <a:noFill/>
+        </p:spPr>
+        <p:txBody>
+          <a:bodyPr wrap="square" rtlCol="0">
+            <a:spAutoFit/>
+          </a:bodyPr>
+          <a:lstStyle/>
+          <a:p>
+            <a:pPr marL="0" marR="0" lvl="0" indent="0" algn="ctr" defTabSz="914400" rtl="0" eaLnBrk="1" fontAlgn="auto" latinLnBrk="0" hangingPunct="1">
+              <a:lnSpc>
+                <a:spcPct val="100000"/>
+              </a:lnSpc>
+              <a:spcBef>
+                <a:spcPts val="0"/>
+              </a:spcBef>
+              <a:spcAft>
+                <a:spcPts val="0"/>
+              </a:spcAft>
+              <a:buClrTx/>
+              <a:buSzTx/>
+              <a:buFontTx/>
+              <a:buNone/>
+              <a:tabLst/>
+              <a:defRPr/>
+            </a:pPr>
+            <a:r>
+              <a:rPr kumimoji="0" lang="en-US" sz="1800" b="0" i="0" u="none" strike="noStrike" kern="1200" cap="none" spc="0" normalizeH="0" baseline="0" noProof="0" dirty="0">
+                <a:ln>
+                  <a:noFill/>
+                </a:ln>
+                <a:solidFill>
+                  <a:prstClr val="black">
+                    <a:lumMod val="50000"/>
+                    <a:lumOff val="50000"/>
+                  </a:prstClr>
+                </a:solidFill>
+                <a:effectLst/>
+                <a:uLnTx/>
+                <a:uFillTx/>
+                <a:latin typeface="Arial" panose="020B0604020202020204" pitchFamily="34" charset="0"/>
+                <a:ea typeface="+mn-ea"/>
+                <a:cs typeface="Arial" panose="020B0604020202020204" pitchFamily="34" charset="0"/>
+              </a:rPr>
+              <a:t>The bet costs $1,000 to place</a:t>
+            </a:r>
+            <a:br>
+              <a:rPr kumimoji="0" lang="en-US" sz="1800" b="0" i="0" u="none" strike="noStrike" kern="1200" cap="none" spc="0" normalizeH="0" baseline="0" noProof="0" dirty="0">
+                <a:ln>
+                  <a:noFill/>
+                </a:ln>
+                <a:solidFill>
+                  <a:prstClr val="black">
+                    <a:lumMod val="50000"/>
+                    <a:lumOff val="50000"/>
+                  </a:prstClr>
+                </a:solidFill>
+                <a:effectLst/>
+                <a:uLnTx/>
+                <a:uFillTx/>
+                <a:latin typeface="Arial" panose="020B0604020202020204" pitchFamily="34" charset="0"/>
+                <a:ea typeface="+mn-ea"/>
+                <a:cs typeface="Arial" panose="020B0604020202020204" pitchFamily="34" charset="0"/>
+              </a:rPr>
+            </a:br>
+            <a:r>
+              <a:rPr kumimoji="0" lang="en-US" sz="1800" b="0" i="0" u="none" strike="noStrike" kern="1200" cap="none" spc="0" normalizeH="0" baseline="0" noProof="0" dirty="0">
+                <a:ln>
+                  <a:noFill/>
+                </a:ln>
+                <a:solidFill>
+                  <a:prstClr val="black">
+                    <a:lumMod val="50000"/>
+                    <a:lumOff val="50000"/>
+                  </a:prstClr>
+                </a:solidFill>
+                <a:effectLst/>
+                <a:uLnTx/>
+                <a:uFillTx/>
+                <a:latin typeface="Arial" panose="020B0604020202020204" pitchFamily="34" charset="0"/>
+                <a:ea typeface="+mn-ea"/>
+                <a:cs typeface="Arial" panose="020B0604020202020204" pitchFamily="34" charset="0"/>
+              </a:rPr>
+              <a:t>There is a 75% chance you win $4,000</a:t>
+            </a:r>
+          </a:p>
+          <a:p>
+            <a:pPr marL="0" marR="0" lvl="0" indent="0" algn="ctr" defTabSz="914400" rtl="0" eaLnBrk="1" fontAlgn="auto" latinLnBrk="0" hangingPunct="1">
+              <a:lnSpc>
+                <a:spcPct val="100000"/>
+              </a:lnSpc>
+              <a:spcBef>
+                <a:spcPts val="0"/>
+              </a:spcBef>
+              <a:spcAft>
+                <a:spcPts val="0"/>
+              </a:spcAft>
+              <a:buClrTx/>
+              <a:buSzTx/>
+              <a:buFontTx/>
+              <a:buNone/>
+              <a:tabLst/>
+              <a:defRPr/>
+            </a:pPr>
+            <a:r>
+              <a:rPr kumimoji="0" lang="en-US" sz="1800" b="0" i="0" u="none" strike="noStrike" kern="1200" cap="none" spc="0" normalizeH="0" baseline="0" noProof="0" dirty="0">
+                <a:ln>
+                  <a:noFill/>
+                </a:ln>
+                <a:solidFill>
+                  <a:prstClr val="black">
+                    <a:lumMod val="50000"/>
+                    <a:lumOff val="50000"/>
+                  </a:prstClr>
+                </a:solidFill>
+                <a:effectLst/>
+                <a:uLnTx/>
+                <a:uFillTx/>
+                <a:latin typeface="Arial" panose="020B0604020202020204" pitchFamily="34" charset="0"/>
+                <a:ea typeface="+mn-ea"/>
+                <a:cs typeface="Arial" panose="020B0604020202020204" pitchFamily="34" charset="0"/>
+              </a:rPr>
+              <a:t>There is a 25% chance you </a:t>
+            </a:r>
+            <a:r>
+              <a:rPr kumimoji="0" lang="en-US" sz="1800" b="1" i="0" u="none" strike="noStrike" kern="1200" cap="none" spc="0" normalizeH="0" baseline="0" noProof="0" dirty="0">
+                <a:ln>
+                  <a:noFill/>
+                </a:ln>
+                <a:solidFill>
+                  <a:prstClr val="black">
+                    <a:lumMod val="50000"/>
+                    <a:lumOff val="50000"/>
+                  </a:prstClr>
+                </a:solidFill>
+                <a:effectLst/>
+                <a:uLnTx/>
+                <a:uFillTx/>
+                <a:latin typeface="Arial" panose="020B0604020202020204" pitchFamily="34" charset="0"/>
+                <a:ea typeface="+mn-ea"/>
+                <a:cs typeface="Arial" panose="020B0604020202020204" pitchFamily="34" charset="0"/>
+              </a:rPr>
+              <a:t>lose $2,000</a:t>
+            </a:r>
+          </a:p>
+          <a:p>
+            <a:pPr marL="0" marR="0" lvl="0" indent="0" algn="ctr" defTabSz="914400" rtl="0" eaLnBrk="1" fontAlgn="auto" latinLnBrk="0" hangingPunct="1">
+              <a:lnSpc>
+                <a:spcPct val="100000"/>
+              </a:lnSpc>
+              <a:spcBef>
+                <a:spcPts val="0"/>
+              </a:spcBef>
+              <a:spcAft>
+                <a:spcPts val="0"/>
+              </a:spcAft>
+              <a:buClrTx/>
+              <a:buSzTx/>
+              <a:buFontTx/>
+              <a:buNone/>
+              <a:tabLst/>
+              <a:defRPr/>
+            </a:pPr>
+            <a:endParaRPr lang="en-US" dirty="0">
+              <a:solidFill>
+                <a:prstClr val="black">
+                  <a:lumMod val="50000"/>
+                  <a:lumOff val="50000"/>
+                </a:prstClr>
+              </a:solidFill>
+              <a:latin typeface="Arial" panose="020B0604020202020204" pitchFamily="34" charset="0"/>
+              <a:cs typeface="Arial" panose="020B0604020202020204" pitchFamily="34" charset="0"/>
+            </a:endParaRPr>
+          </a:p>
+          <a:p>
+            <a:pPr marL="0" marR="0" lvl="0" indent="0" algn="ctr" defTabSz="914400" rtl="0" eaLnBrk="1" fontAlgn="auto" latinLnBrk="0" hangingPunct="1">
+              <a:lnSpc>
+                <a:spcPct val="100000"/>
+              </a:lnSpc>
+              <a:spcBef>
+                <a:spcPts val="0"/>
+              </a:spcBef>
+              <a:spcAft>
+                <a:spcPts val="0"/>
+              </a:spcAft>
+              <a:buClrTx/>
+              <a:buSzTx/>
+              <a:buFontTx/>
+              <a:buNone/>
+              <a:tabLst/>
+              <a:defRPr/>
+            </a:pPr>
+            <a:r>
+              <a:rPr kumimoji="0" lang="en-US" sz="1800" b="0" i="0" u="none" strike="noStrike" kern="1200" cap="none" spc="0" normalizeH="0" baseline="0" noProof="0" dirty="0">
+                <a:ln>
+                  <a:noFill/>
+                </a:ln>
+                <a:solidFill>
+                  <a:prstClr val="black">
+                    <a:lumMod val="50000"/>
+                    <a:lumOff val="50000"/>
+                  </a:prstClr>
+                </a:solidFill>
+                <a:effectLst/>
+                <a:uLnTx/>
+                <a:uFillTx/>
+                <a:latin typeface="Arial" panose="020B0604020202020204" pitchFamily="34" charset="0"/>
+                <a:ea typeface="+mn-ea"/>
+                <a:cs typeface="Arial" panose="020B0604020202020204" pitchFamily="34" charset="0"/>
+              </a:rPr>
+              <a:t>Expected</a:t>
+            </a:r>
+            <a:r>
+              <a:rPr kumimoji="0" lang="en-US" sz="1800" b="0" i="0" u="none" strike="noStrike" kern="1200" cap="none" spc="0" normalizeH="0" noProof="0" dirty="0">
+                <a:ln>
+                  <a:noFill/>
+                </a:ln>
+                <a:solidFill>
+                  <a:prstClr val="black">
+                    <a:lumMod val="50000"/>
+                    <a:lumOff val="50000"/>
+                  </a:prstClr>
+                </a:solidFill>
+                <a:effectLst/>
+                <a:uLnTx/>
+                <a:uFillTx/>
+                <a:latin typeface="Arial" panose="020B0604020202020204" pitchFamily="34" charset="0"/>
+                <a:ea typeface="+mn-ea"/>
+                <a:cs typeface="Arial" panose="020B0604020202020204" pitchFamily="34" charset="0"/>
+              </a:rPr>
+              <a:t> value = </a:t>
+            </a:r>
+          </a:p>
+          <a:p>
+            <a:pPr marL="0" marR="0" lvl="0" indent="0" algn="ctr" defTabSz="914400" rtl="0" eaLnBrk="1" fontAlgn="auto" latinLnBrk="0" hangingPunct="1">
+              <a:lnSpc>
+                <a:spcPct val="100000"/>
+              </a:lnSpc>
+              <a:spcBef>
+                <a:spcPts val="0"/>
+              </a:spcBef>
+              <a:spcAft>
+                <a:spcPts val="0"/>
+              </a:spcAft>
+              <a:buClrTx/>
+              <a:buSzTx/>
+              <a:buFontTx/>
+              <a:buNone/>
+              <a:tabLst/>
+              <a:defRPr/>
+            </a:pPr>
+            <a:r>
+              <a:rPr kumimoji="0" lang="en-US" sz="1800" b="0" i="0" u="none" strike="noStrike" kern="1200" cap="none" spc="0" normalizeH="0" noProof="0" dirty="0">
+                <a:ln>
+                  <a:noFill/>
+                </a:ln>
+                <a:solidFill>
+                  <a:prstClr val="black">
+                    <a:lumMod val="50000"/>
+                    <a:lumOff val="50000"/>
+                  </a:prstClr>
+                </a:solidFill>
+                <a:effectLst/>
+                <a:uLnTx/>
+                <a:uFillTx/>
+                <a:latin typeface="Arial" panose="020B0604020202020204" pitchFamily="34" charset="0"/>
+                <a:ea typeface="+mn-ea"/>
+                <a:cs typeface="Arial" panose="020B0604020202020204" pitchFamily="34" charset="0"/>
+              </a:rPr>
+              <a:t>(0.75)(4000) – (0.25)(2000) =</a:t>
+            </a:r>
+          </a:p>
+          <a:p>
+            <a:pPr marL="0" marR="0" lvl="0" indent="0" algn="ctr" defTabSz="914400" rtl="0" eaLnBrk="1" fontAlgn="auto" latinLnBrk="0" hangingPunct="1">
+              <a:lnSpc>
+                <a:spcPct val="100000"/>
+              </a:lnSpc>
+              <a:spcBef>
+                <a:spcPts val="0"/>
+              </a:spcBef>
+              <a:spcAft>
+                <a:spcPts val="0"/>
+              </a:spcAft>
+              <a:buClrTx/>
+              <a:buSzTx/>
+              <a:buFontTx/>
+              <a:buNone/>
+              <a:tabLst/>
+              <a:defRPr/>
+            </a:pPr>
+            <a:r>
+              <a:rPr lang="en-US" b="1" baseline="0" dirty="0">
+                <a:solidFill>
+                  <a:prstClr val="black">
+                    <a:lumMod val="50000"/>
+                    <a:lumOff val="50000"/>
+                  </a:prstClr>
+                </a:solidFill>
+                <a:latin typeface="Arial" panose="020B0604020202020204" pitchFamily="34" charset="0"/>
+                <a:cs typeface="Arial" panose="020B0604020202020204" pitchFamily="34" charset="0"/>
+              </a:rPr>
+              <a:t>$2,500</a:t>
+            </a:r>
+            <a:endParaRPr kumimoji="0" lang="en-US" sz="1800" b="1" i="0" u="none" strike="noStrike" kern="1200" cap="none" spc="0" normalizeH="0" baseline="0" noProof="0" dirty="0">
+              <a:ln>
+                <a:noFill/>
+              </a:ln>
+              <a:solidFill>
+                <a:prstClr val="black">
+                  <a:lumMod val="50000"/>
+                  <a:lumOff val="50000"/>
+                </a:prstClr>
+              </a:solidFill>
+              <a:effectLst/>
+              <a:uLnTx/>
+              <a:uFillTx/>
+              <a:latin typeface="Arial" panose="020B0604020202020204" pitchFamily="34" charset="0"/>
+              <a:cs typeface="Arial" panose="020B0604020202020204" pitchFamily="34" charset="0"/>
+            </a:endParaRPr>
+          </a:p>
+        </p:txBody>
+      </p:sp>
+      <p:sp>
+        <p:nvSpPr>
+          <p:cNvPr id="23" name="Rectangle 22"/>
+          <p:cNvSpPr/>
+          <p:nvPr/>
+        </p:nvSpPr>
+        <p:spPr>
+          <a:xfrm>
+            <a:off x="685800" y="3381810"/>
+            <a:ext cx="6477000" cy="461665"/>
+          </a:xfrm>
+          <a:prstGeom prst="rect">
+            <a:avLst/>
+          </a:prstGeom>
+        </p:spPr>
+        <p:txBody>
+          <a:bodyPr wrap="square">
+            <a:spAutoFit/>
+          </a:bodyPr>
+          <a:lstStyle/>
+          <a:p>
+            <a:pPr marL="0" marR="0" lvl="0" indent="0" algn="ctr" defTabSz="914400" rtl="0" eaLnBrk="1" fontAlgn="auto" latinLnBrk="0" hangingPunct="1">
+              <a:lnSpc>
+                <a:spcPct val="100000"/>
+              </a:lnSpc>
+              <a:spcBef>
+                <a:spcPts val="0"/>
+              </a:spcBef>
+              <a:spcAft>
+                <a:spcPts val="0"/>
+              </a:spcAft>
+              <a:buClrTx/>
+              <a:buSzTx/>
+              <a:buFontTx/>
+              <a:buNone/>
+              <a:tabLst/>
+              <a:defRPr/>
+            </a:pPr>
+            <a:r>
+              <a:rPr kumimoji="0" lang="en-US" sz="2400" b="0" i="0" u="none" strike="noStrike" kern="1200" cap="none" spc="0" normalizeH="0" baseline="0" noProof="0" dirty="0">
+                <a:ln>
+                  <a:noFill/>
+                </a:ln>
+                <a:solidFill>
+                  <a:prstClr val="black">
+                    <a:lumMod val="50000"/>
+                    <a:lumOff val="50000"/>
+                  </a:prstClr>
+                </a:solidFill>
+                <a:effectLst/>
+                <a:uLnTx/>
+                <a:uFillTx/>
+                <a:latin typeface="Stencil" panose="040409050D0802020404" pitchFamily="82" charset="0"/>
+                <a:ea typeface="+mn-ea"/>
+                <a:cs typeface="+mn-cs"/>
+              </a:rPr>
+              <a:t>Bet #1</a:t>
+            </a:r>
+          </a:p>
+        </p:txBody>
+      </p:sp>
+      <p:sp>
+        <p:nvSpPr>
+          <p:cNvPr id="24" name="Rectangle 23"/>
+          <p:cNvSpPr/>
+          <p:nvPr/>
+        </p:nvSpPr>
+        <p:spPr>
+          <a:xfrm>
+            <a:off x="683916" y="6426875"/>
+            <a:ext cx="6477000" cy="461665"/>
+          </a:xfrm>
+          <a:prstGeom prst="rect">
+            <a:avLst/>
+          </a:prstGeom>
+        </p:spPr>
+        <p:txBody>
+          <a:bodyPr wrap="square">
+            <a:spAutoFit/>
+          </a:bodyPr>
+          <a:lstStyle/>
+          <a:p>
+            <a:pPr marL="0" marR="0" lvl="0" indent="0" algn="ctr" defTabSz="914400" rtl="0" eaLnBrk="1" fontAlgn="auto" latinLnBrk="0" hangingPunct="1">
+              <a:lnSpc>
+                <a:spcPct val="100000"/>
+              </a:lnSpc>
+              <a:spcBef>
+                <a:spcPts val="0"/>
+              </a:spcBef>
+              <a:spcAft>
+                <a:spcPts val="0"/>
+              </a:spcAft>
+              <a:buClrTx/>
+              <a:buSzTx/>
+              <a:buFontTx/>
+              <a:buNone/>
+              <a:tabLst/>
+              <a:defRPr/>
+            </a:pPr>
+            <a:r>
+              <a:rPr kumimoji="0" lang="en-US" sz="2400" b="0" i="0" u="none" strike="noStrike" kern="1200" cap="none" spc="0" normalizeH="0" baseline="0" noProof="0" dirty="0">
+                <a:ln>
+                  <a:noFill/>
+                </a:ln>
+                <a:solidFill>
+                  <a:prstClr val="black">
+                    <a:lumMod val="50000"/>
+                    <a:lumOff val="50000"/>
+                  </a:prstClr>
+                </a:solidFill>
+                <a:effectLst/>
+                <a:uLnTx/>
+                <a:uFillTx/>
+                <a:latin typeface="Stencil" panose="040409050D0802020404" pitchFamily="82" charset="0"/>
+                <a:ea typeface="+mn-ea"/>
+                <a:cs typeface="+mn-cs"/>
+              </a:rPr>
+              <a:t>Bet #2</a:t>
+            </a:r>
+          </a:p>
+        </p:txBody>
+      </p:sp>
+    </p:spTree>
+    <p:extLst>
+      <p:ext uri="{BB962C8B-B14F-4D97-AF65-F5344CB8AC3E}">
+        <p14:creationId xmlns:p14="http://schemas.microsoft.com/office/powerpoint/2010/main" val="3935784361"/>
+      </p:ext>
+    </p:extLst>
+  </p:cSld>
+  <p:clrMapOvr>
+    <a:masterClrMapping/>
+  </p:clrMapOvr>
+</p:sld>
+</file>
+
+<file path=ppt/slides/slide50.xml><?xml version="1.0" encoding="utf-8"?>
 <p:sld xmlns:a="http://schemas.openxmlformats.org/drawingml/2006/main" xmlns:r="http://schemas.openxmlformats.org/officeDocument/2006/relationships" xmlns:p="http://schemas.openxmlformats.org/presentationml/2006/main">
   <p:cSld>
     <p:spTree>
@@ -44633,7 +46061,7 @@
           <a:p>
             <a:fld id="{8A2A4A19-B384-42F8-8C0D-94C30AAB39F2}" type="slidenum">
               <a:rPr lang="en-US" smtClean="0"/>
-              <a:t>49</a:t>
+              <a:t>50</a:t>
             </a:fld>
             <a:endParaRPr lang="en-US" dirty="0"/>
           </a:p>
@@ -44841,1018 +46269,7 @@
 </p:sld>
 </file>
 
-<file path=ppt/slides/slide5.xml><?xml version="1.0" encoding="utf-8"?>
-<p:sld xmlns:a="http://schemas.openxmlformats.org/drawingml/2006/main" xmlns:r="http://schemas.openxmlformats.org/officeDocument/2006/relationships" xmlns:p="http://schemas.openxmlformats.org/presentationml/2006/main">
-  <p:cSld>
-    <p:spTree>
-      <p:nvGrpSpPr>
-        <p:cNvPr id="1" name=""/>
-        <p:cNvGrpSpPr/>
-        <p:nvPr/>
-      </p:nvGrpSpPr>
-      <p:grpSpPr>
-        <a:xfrm>
-          <a:off x="0" y="0"/>
-          <a:ext cx="0" cy="0"/>
-          <a:chOff x="0" y="0"/>
-          <a:chExt cx="0" cy="0"/>
-        </a:xfrm>
-      </p:grpSpPr>
-      <p:sp>
-        <p:nvSpPr>
-          <p:cNvPr id="17" name="Slide Number Placeholder 16"/>
-          <p:cNvSpPr>
-            <a:spLocks noGrp="1"/>
-          </p:cNvSpPr>
-          <p:nvPr>
-            <p:ph type="sldNum" sz="quarter" idx="12"/>
-          </p:nvPr>
-        </p:nvSpPr>
-        <p:spPr/>
-        <p:txBody>
-          <a:bodyPr/>
-          <a:lstStyle/>
-          <a:p>
-            <a:pPr marL="0" marR="0" lvl="0" indent="0" algn="ctr" defTabSz="914400" rtl="0" eaLnBrk="1" fontAlgn="auto" latinLnBrk="0" hangingPunct="1">
-              <a:lnSpc>
-                <a:spcPct val="100000"/>
-              </a:lnSpc>
-              <a:spcBef>
-                <a:spcPts val="0"/>
-              </a:spcBef>
-              <a:spcAft>
-                <a:spcPts val="0"/>
-              </a:spcAft>
-              <a:buClrTx/>
-              <a:buSzTx/>
-              <a:buFontTx/>
-              <a:buNone/>
-              <a:tabLst/>
-              <a:defRPr/>
-            </a:pPr>
-            <a:fld id="{8A2A4A19-B384-42F8-8C0D-94C30AAB39F2}" type="slidenum">
-              <a:rPr kumimoji="0" lang="en-US" sz="1400" b="1" i="0" u="none" strike="noStrike" kern="1200" cap="none" spc="0" normalizeH="0" baseline="0" noProof="0" smtClean="0">
-                <a:ln>
-                  <a:noFill/>
-                </a:ln>
-                <a:solidFill>
-                  <a:prstClr val="white"/>
-                </a:solidFill>
-                <a:effectLst/>
-                <a:uLnTx/>
-                <a:uFillTx/>
-                <a:latin typeface="Arial Black" panose="020B0A04020102020204" pitchFamily="34" charset="0"/>
-                <a:ea typeface="+mn-ea"/>
-                <a:cs typeface="+mn-cs"/>
-              </a:rPr>
-              <a:pPr marL="0" marR="0" lvl="0" indent="0" algn="ctr" defTabSz="914400" rtl="0" eaLnBrk="1" fontAlgn="auto" latinLnBrk="0" hangingPunct="1">
-                <a:lnSpc>
-                  <a:spcPct val="100000"/>
-                </a:lnSpc>
-                <a:spcBef>
-                  <a:spcPts val="0"/>
-                </a:spcBef>
-                <a:spcAft>
-                  <a:spcPts val="0"/>
-                </a:spcAft>
-                <a:buClrTx/>
-                <a:buSzTx/>
-                <a:buFontTx/>
-                <a:buNone/>
-                <a:tabLst/>
-                <a:defRPr/>
-              </a:pPr>
-              <a:t>5</a:t>
-            </a:fld>
-            <a:endParaRPr kumimoji="0" lang="en-US" sz="1400" b="1" i="0" u="none" strike="noStrike" kern="1200" cap="none" spc="0" normalizeH="0" baseline="0" noProof="0">
-              <a:ln>
-                <a:noFill/>
-              </a:ln>
-              <a:solidFill>
-                <a:prstClr val="white"/>
-              </a:solidFill>
-              <a:effectLst/>
-              <a:uLnTx/>
-              <a:uFillTx/>
-              <a:latin typeface="Arial Black" panose="020B0A04020102020204" pitchFamily="34" charset="0"/>
-              <a:ea typeface="+mn-ea"/>
-              <a:cs typeface="+mn-cs"/>
-            </a:endParaRPr>
-          </a:p>
-        </p:txBody>
-      </p:sp>
-      <p:sp>
-        <p:nvSpPr>
-          <p:cNvPr id="27" name="Rectangle 26"/>
-          <p:cNvSpPr/>
-          <p:nvPr/>
-        </p:nvSpPr>
-        <p:spPr>
-          <a:xfrm>
-            <a:off x="531516" y="1715693"/>
-            <a:ext cx="6781800" cy="1200329"/>
-          </a:xfrm>
-          <a:prstGeom prst="rect">
-            <a:avLst/>
-          </a:prstGeom>
-        </p:spPr>
-        <p:txBody>
-          <a:bodyPr wrap="square">
-            <a:spAutoFit/>
-          </a:bodyPr>
-          <a:lstStyle/>
-          <a:p>
-            <a:pPr marL="0" marR="0" lvl="0" indent="0" algn="ctr" defTabSz="914400" rtl="0" eaLnBrk="1" fontAlgn="auto" latinLnBrk="0" hangingPunct="1">
-              <a:lnSpc>
-                <a:spcPct val="100000"/>
-              </a:lnSpc>
-              <a:spcBef>
-                <a:spcPts val="0"/>
-              </a:spcBef>
-              <a:spcAft>
-                <a:spcPts val="0"/>
-              </a:spcAft>
-              <a:buClrTx/>
-              <a:buSzTx/>
-              <a:buFontTx/>
-              <a:buNone/>
-              <a:tabLst/>
-              <a:defRPr/>
-            </a:pPr>
-            <a:r>
-              <a:rPr kumimoji="0" lang="en-US" sz="3600" b="0" i="0" u="none" strike="noStrike" kern="1200" cap="none" spc="0" normalizeH="0" baseline="0" noProof="0" dirty="0">
-                <a:ln>
-                  <a:noFill/>
-                </a:ln>
-                <a:solidFill>
-                  <a:srgbClr val="F79646">
-                    <a:lumMod val="75000"/>
-                  </a:srgbClr>
-                </a:solidFill>
-                <a:effectLst/>
-                <a:uLnTx/>
-                <a:uFillTx/>
-                <a:latin typeface="Stencil" panose="040409050D0802020404" pitchFamily="82" charset="0"/>
-                <a:ea typeface="+mn-ea"/>
-                <a:cs typeface="+mn-cs"/>
-              </a:rPr>
-              <a:t>Which bet would </a:t>
-            </a:r>
-          </a:p>
-          <a:p>
-            <a:pPr marL="0" marR="0" lvl="0" indent="0" algn="ctr" defTabSz="914400" rtl="0" eaLnBrk="1" fontAlgn="auto" latinLnBrk="0" hangingPunct="1">
-              <a:lnSpc>
-                <a:spcPct val="100000"/>
-              </a:lnSpc>
-              <a:spcBef>
-                <a:spcPts val="0"/>
-              </a:spcBef>
-              <a:spcAft>
-                <a:spcPts val="0"/>
-              </a:spcAft>
-              <a:buClrTx/>
-              <a:buSzTx/>
-              <a:buFontTx/>
-              <a:buNone/>
-              <a:tabLst/>
-              <a:defRPr/>
-            </a:pPr>
-            <a:r>
-              <a:rPr kumimoji="0" lang="en-US" sz="3600" b="0" i="0" u="none" strike="noStrike" kern="1200" cap="none" spc="0" normalizeH="0" baseline="0" noProof="0" dirty="0">
-                <a:ln>
-                  <a:noFill/>
-                </a:ln>
-                <a:solidFill>
-                  <a:srgbClr val="F79646">
-                    <a:lumMod val="75000"/>
-                  </a:srgbClr>
-                </a:solidFill>
-                <a:effectLst/>
-                <a:uLnTx/>
-                <a:uFillTx/>
-                <a:latin typeface="Stencil" panose="040409050D0802020404" pitchFamily="82" charset="0"/>
-                <a:ea typeface="+mn-ea"/>
-                <a:cs typeface="+mn-cs"/>
-              </a:rPr>
-              <a:t>you prefer?</a:t>
-            </a:r>
-          </a:p>
-        </p:txBody>
-      </p:sp>
-      <p:sp>
-        <p:nvSpPr>
-          <p:cNvPr id="20" name="TextBox 19"/>
-          <p:cNvSpPr txBox="1"/>
-          <p:nvPr/>
-        </p:nvSpPr>
-        <p:spPr>
-          <a:xfrm>
-            <a:off x="1009650" y="3800925"/>
-            <a:ext cx="5448240" cy="2031325"/>
-          </a:xfrm>
-          <a:prstGeom prst="rect">
-            <a:avLst/>
-          </a:prstGeom>
-          <a:noFill/>
-        </p:spPr>
-        <p:txBody>
-          <a:bodyPr wrap="square" rtlCol="0">
-            <a:spAutoFit/>
-          </a:bodyPr>
-          <a:lstStyle/>
-          <a:p>
-            <a:pPr algn="ctr"/>
-            <a:r>
-              <a:rPr lang="en-US" dirty="0">
-                <a:solidFill>
-                  <a:schemeClr val="tx1">
-                    <a:lumMod val="50000"/>
-                    <a:lumOff val="50000"/>
-                  </a:schemeClr>
-                </a:solidFill>
-                <a:latin typeface="Arial" panose="020B0604020202020204" pitchFamily="34" charset="0"/>
-                <a:cs typeface="Arial" panose="020B0604020202020204" pitchFamily="34" charset="0"/>
-              </a:rPr>
-              <a:t>The bet costs $1,000 to place</a:t>
-            </a:r>
-            <a:br>
-              <a:rPr lang="en-US" dirty="0">
-                <a:solidFill>
-                  <a:schemeClr val="tx1">
-                    <a:lumMod val="50000"/>
-                    <a:lumOff val="50000"/>
-                  </a:schemeClr>
-                </a:solidFill>
-                <a:latin typeface="Arial" panose="020B0604020202020204" pitchFamily="34" charset="0"/>
-                <a:cs typeface="Arial" panose="020B0604020202020204" pitchFamily="34" charset="0"/>
-              </a:rPr>
-            </a:br>
-            <a:r>
-              <a:rPr lang="en-US" dirty="0">
-                <a:solidFill>
-                  <a:schemeClr val="tx1">
-                    <a:lumMod val="50000"/>
-                    <a:lumOff val="50000"/>
-                  </a:schemeClr>
-                </a:solidFill>
-                <a:latin typeface="Arial" panose="020B0604020202020204" pitchFamily="34" charset="0"/>
-                <a:cs typeface="Arial" panose="020B0604020202020204" pitchFamily="34" charset="0"/>
-              </a:rPr>
-              <a:t>There is a 75% chance you win $1,500</a:t>
-            </a:r>
-          </a:p>
-          <a:p>
-            <a:pPr algn="ctr"/>
-            <a:r>
-              <a:rPr lang="en-US" dirty="0">
-                <a:solidFill>
-                  <a:schemeClr val="tx1">
-                    <a:lumMod val="50000"/>
-                    <a:lumOff val="50000"/>
-                  </a:schemeClr>
-                </a:solidFill>
-                <a:latin typeface="Arial" panose="020B0604020202020204" pitchFamily="34" charset="0"/>
-                <a:cs typeface="Arial" panose="020B0604020202020204" pitchFamily="34" charset="0"/>
-              </a:rPr>
-              <a:t>There is a 25% chance you win $1,100</a:t>
-            </a:r>
-          </a:p>
-          <a:p>
-            <a:pPr marL="0" marR="0" lvl="0" indent="0" algn="ctr" defTabSz="914400" rtl="0" eaLnBrk="1" fontAlgn="auto" latinLnBrk="0" hangingPunct="1">
-              <a:lnSpc>
-                <a:spcPct val="100000"/>
-              </a:lnSpc>
-              <a:spcBef>
-                <a:spcPts val="0"/>
-              </a:spcBef>
-              <a:spcAft>
-                <a:spcPts val="0"/>
-              </a:spcAft>
-              <a:buClrTx/>
-              <a:buSzTx/>
-              <a:buFontTx/>
-              <a:buNone/>
-              <a:tabLst/>
-              <a:defRPr/>
-            </a:pPr>
-            <a:endParaRPr kumimoji="0" lang="en-US" sz="1800" b="0" i="0" u="none" strike="noStrike" kern="1200" cap="none" spc="0" normalizeH="0" baseline="0" noProof="0" dirty="0" smtClean="0">
-              <a:ln>
-                <a:noFill/>
-              </a:ln>
-              <a:solidFill>
-                <a:prstClr val="black">
-                  <a:lumMod val="50000"/>
-                  <a:lumOff val="50000"/>
-                </a:prstClr>
-              </a:solidFill>
-              <a:effectLst/>
-              <a:uLnTx/>
-              <a:uFillTx/>
-              <a:latin typeface="Arial" panose="020B0604020202020204" pitchFamily="34" charset="0"/>
-              <a:ea typeface="+mn-ea"/>
-              <a:cs typeface="Arial" panose="020B0604020202020204" pitchFamily="34" charset="0"/>
-            </a:endParaRPr>
-          </a:p>
-          <a:p>
-            <a:pPr marL="0" marR="0" lvl="0" indent="0" algn="ctr" defTabSz="914400" rtl="0" eaLnBrk="1" fontAlgn="auto" latinLnBrk="0" hangingPunct="1">
-              <a:lnSpc>
-                <a:spcPct val="100000"/>
-              </a:lnSpc>
-              <a:spcBef>
-                <a:spcPts val="0"/>
-              </a:spcBef>
-              <a:spcAft>
-                <a:spcPts val="0"/>
-              </a:spcAft>
-              <a:buClrTx/>
-              <a:buSzTx/>
-              <a:buFontTx/>
-              <a:buNone/>
-              <a:tabLst/>
-              <a:defRPr/>
-            </a:pPr>
-            <a:r>
-              <a:rPr kumimoji="0" lang="en-US" sz="1800" b="0" i="0" u="none" strike="noStrike" kern="1200" cap="none" spc="0" normalizeH="0" baseline="0" noProof="0" dirty="0" smtClean="0">
-                <a:ln>
-                  <a:noFill/>
-                </a:ln>
-                <a:solidFill>
-                  <a:prstClr val="black">
-                    <a:lumMod val="50000"/>
-                    <a:lumOff val="50000"/>
-                  </a:prstClr>
-                </a:solidFill>
-                <a:effectLst/>
-                <a:uLnTx/>
-                <a:uFillTx/>
-                <a:latin typeface="Arial" panose="020B0604020202020204" pitchFamily="34" charset="0"/>
-                <a:ea typeface="+mn-ea"/>
-                <a:cs typeface="Arial" panose="020B0604020202020204" pitchFamily="34" charset="0"/>
-              </a:rPr>
-              <a:t>Expected</a:t>
-            </a:r>
-            <a:r>
-              <a:rPr kumimoji="0" lang="en-US" sz="1800" b="0" i="0" u="none" strike="noStrike" kern="1200" cap="none" spc="0" normalizeH="0" noProof="0" dirty="0" smtClean="0">
-                <a:ln>
-                  <a:noFill/>
-                </a:ln>
-                <a:solidFill>
-                  <a:prstClr val="black">
-                    <a:lumMod val="50000"/>
-                    <a:lumOff val="50000"/>
-                  </a:prstClr>
-                </a:solidFill>
-                <a:effectLst/>
-                <a:uLnTx/>
-                <a:uFillTx/>
-                <a:latin typeface="Arial" panose="020B0604020202020204" pitchFamily="34" charset="0"/>
-                <a:ea typeface="+mn-ea"/>
-                <a:cs typeface="Arial" panose="020B0604020202020204" pitchFamily="34" charset="0"/>
-              </a:rPr>
-              <a:t> value =</a:t>
-            </a:r>
-          </a:p>
-          <a:p>
-            <a:pPr marL="0" marR="0" lvl="0" indent="0" algn="ctr" defTabSz="914400" rtl="0" eaLnBrk="1" fontAlgn="auto" latinLnBrk="0" hangingPunct="1">
-              <a:lnSpc>
-                <a:spcPct val="100000"/>
-              </a:lnSpc>
-              <a:spcBef>
-                <a:spcPts val="0"/>
-              </a:spcBef>
-              <a:spcAft>
-                <a:spcPts val="0"/>
-              </a:spcAft>
-              <a:buClrTx/>
-              <a:buSzTx/>
-              <a:buFontTx/>
-              <a:buNone/>
-              <a:tabLst/>
-              <a:defRPr/>
-            </a:pPr>
-            <a:r>
-              <a:rPr lang="en-US" baseline="0" dirty="0" smtClean="0">
-                <a:solidFill>
-                  <a:prstClr val="black">
-                    <a:lumMod val="50000"/>
-                    <a:lumOff val="50000"/>
-                  </a:prstClr>
-                </a:solidFill>
-                <a:latin typeface="Arial" panose="020B0604020202020204" pitchFamily="34" charset="0"/>
-                <a:cs typeface="Arial" panose="020B0604020202020204" pitchFamily="34" charset="0"/>
-              </a:rPr>
-              <a:t>(0.75)(1500)</a:t>
-            </a:r>
-            <a:r>
-              <a:rPr lang="en-US" dirty="0" smtClean="0">
-                <a:solidFill>
-                  <a:prstClr val="black">
-                    <a:lumMod val="50000"/>
-                    <a:lumOff val="50000"/>
-                  </a:prstClr>
-                </a:solidFill>
-                <a:latin typeface="Arial" panose="020B0604020202020204" pitchFamily="34" charset="0"/>
-                <a:cs typeface="Arial" panose="020B0604020202020204" pitchFamily="34" charset="0"/>
-              </a:rPr>
-              <a:t> + </a:t>
-            </a:r>
-            <a:r>
-              <a:rPr kumimoji="0" lang="en-US" sz="1800" b="0" i="0" u="none" strike="noStrike" kern="1200" cap="none" spc="0" normalizeH="0" baseline="0" noProof="0" dirty="0" smtClean="0">
-                <a:ln>
-                  <a:noFill/>
-                </a:ln>
-                <a:solidFill>
-                  <a:prstClr val="black">
-                    <a:lumMod val="50000"/>
-                    <a:lumOff val="50000"/>
-                  </a:prstClr>
-                </a:solidFill>
-                <a:effectLst/>
-                <a:uLnTx/>
-                <a:uFillTx/>
-                <a:latin typeface="Arial" panose="020B0604020202020204" pitchFamily="34" charset="0"/>
-                <a:ea typeface="+mn-ea"/>
-                <a:cs typeface="Arial" panose="020B0604020202020204" pitchFamily="34" charset="0"/>
-              </a:rPr>
-              <a:t>(0.25)(1100)</a:t>
-            </a:r>
-            <a:r>
-              <a:rPr kumimoji="0" lang="en-US" sz="1800" b="0" i="0" u="none" strike="noStrike" kern="1200" cap="none" spc="0" normalizeH="0" noProof="0" dirty="0" smtClean="0">
-                <a:ln>
-                  <a:noFill/>
-                </a:ln>
-                <a:solidFill>
-                  <a:prstClr val="black">
-                    <a:lumMod val="50000"/>
-                    <a:lumOff val="50000"/>
-                  </a:prstClr>
-                </a:solidFill>
-                <a:effectLst/>
-                <a:uLnTx/>
-                <a:uFillTx/>
-                <a:latin typeface="Arial" panose="020B0604020202020204" pitchFamily="34" charset="0"/>
-                <a:ea typeface="+mn-ea"/>
-                <a:cs typeface="Arial" panose="020B0604020202020204" pitchFamily="34" charset="0"/>
-              </a:rPr>
-              <a:t> =</a:t>
-            </a:r>
-          </a:p>
-          <a:p>
-            <a:pPr marL="0" marR="0" lvl="0" indent="0" algn="ctr" defTabSz="914400" rtl="0" eaLnBrk="1" fontAlgn="auto" latinLnBrk="0" hangingPunct="1">
-              <a:lnSpc>
-                <a:spcPct val="100000"/>
-              </a:lnSpc>
-              <a:spcBef>
-                <a:spcPts val="0"/>
-              </a:spcBef>
-              <a:spcAft>
-                <a:spcPts val="0"/>
-              </a:spcAft>
-              <a:buClrTx/>
-              <a:buSzTx/>
-              <a:buFontTx/>
-              <a:buNone/>
-              <a:tabLst/>
-              <a:defRPr/>
-            </a:pPr>
-            <a:r>
-              <a:rPr kumimoji="0" lang="en-US" sz="1800" b="1" i="0" u="none" strike="noStrike" kern="1200" cap="none" spc="0" normalizeH="0" baseline="0" noProof="0" dirty="0" smtClean="0">
-                <a:ln>
-                  <a:noFill/>
-                </a:ln>
-                <a:solidFill>
-                  <a:prstClr val="black">
-                    <a:lumMod val="50000"/>
-                    <a:lumOff val="50000"/>
-                  </a:prstClr>
-                </a:solidFill>
-                <a:effectLst/>
-                <a:uLnTx/>
-                <a:uFillTx/>
-                <a:latin typeface="Arial" panose="020B0604020202020204" pitchFamily="34" charset="0"/>
-                <a:ea typeface="+mn-ea"/>
-                <a:cs typeface="Arial" panose="020B0604020202020204" pitchFamily="34" charset="0"/>
-              </a:rPr>
-              <a:t>$1,400</a:t>
-            </a:r>
-            <a:endParaRPr kumimoji="0" lang="en-US" sz="1800" b="1" i="0" u="none" strike="noStrike" kern="1200" cap="none" spc="0" normalizeH="0" baseline="0" noProof="0" dirty="0">
-              <a:ln>
-                <a:noFill/>
-              </a:ln>
-              <a:solidFill>
-                <a:prstClr val="black">
-                  <a:lumMod val="50000"/>
-                  <a:lumOff val="50000"/>
-                </a:prstClr>
-              </a:solidFill>
-              <a:effectLst/>
-              <a:uLnTx/>
-              <a:uFillTx/>
-              <a:latin typeface="Arial" panose="020B0604020202020204" pitchFamily="34" charset="0"/>
-              <a:ea typeface="+mn-ea"/>
-              <a:cs typeface="Arial" panose="020B0604020202020204" pitchFamily="34" charset="0"/>
-            </a:endParaRPr>
-          </a:p>
-        </p:txBody>
-      </p:sp>
-      <p:sp>
-        <p:nvSpPr>
-          <p:cNvPr id="22" name="TextBox 21"/>
-          <p:cNvSpPr txBox="1"/>
-          <p:nvPr/>
-        </p:nvSpPr>
-        <p:spPr>
-          <a:xfrm>
-            <a:off x="1009650" y="7036475"/>
-            <a:ext cx="5448240" cy="2031325"/>
-          </a:xfrm>
-          <a:prstGeom prst="rect">
-            <a:avLst/>
-          </a:prstGeom>
-          <a:noFill/>
-        </p:spPr>
-        <p:txBody>
-          <a:bodyPr wrap="square" rtlCol="0">
-            <a:spAutoFit/>
-          </a:bodyPr>
-          <a:lstStyle/>
-          <a:p>
-            <a:pPr marL="0" marR="0" lvl="0" indent="0" algn="ctr" defTabSz="914400" rtl="0" eaLnBrk="1" fontAlgn="auto" latinLnBrk="0" hangingPunct="1">
-              <a:lnSpc>
-                <a:spcPct val="100000"/>
-              </a:lnSpc>
-              <a:spcBef>
-                <a:spcPts val="0"/>
-              </a:spcBef>
-              <a:spcAft>
-                <a:spcPts val="0"/>
-              </a:spcAft>
-              <a:buClrTx/>
-              <a:buSzTx/>
-              <a:buFontTx/>
-              <a:buNone/>
-              <a:tabLst/>
-              <a:defRPr/>
-            </a:pPr>
-            <a:r>
-              <a:rPr kumimoji="0" lang="en-US" sz="1800" b="0" i="0" u="none" strike="noStrike" kern="1200" cap="none" spc="0" normalizeH="0" baseline="0" noProof="0" dirty="0">
-                <a:ln>
-                  <a:noFill/>
-                </a:ln>
-                <a:solidFill>
-                  <a:prstClr val="black">
-                    <a:lumMod val="50000"/>
-                    <a:lumOff val="50000"/>
-                  </a:prstClr>
-                </a:solidFill>
-                <a:effectLst/>
-                <a:uLnTx/>
-                <a:uFillTx/>
-                <a:latin typeface="Arial" panose="020B0604020202020204" pitchFamily="34" charset="0"/>
-                <a:ea typeface="+mn-ea"/>
-                <a:cs typeface="Arial" panose="020B0604020202020204" pitchFamily="34" charset="0"/>
-              </a:rPr>
-              <a:t>The bet costs $1,000 to place</a:t>
-            </a:r>
-            <a:br>
-              <a:rPr kumimoji="0" lang="en-US" sz="1800" b="0" i="0" u="none" strike="noStrike" kern="1200" cap="none" spc="0" normalizeH="0" baseline="0" noProof="0" dirty="0">
-                <a:ln>
-                  <a:noFill/>
-                </a:ln>
-                <a:solidFill>
-                  <a:prstClr val="black">
-                    <a:lumMod val="50000"/>
-                    <a:lumOff val="50000"/>
-                  </a:prstClr>
-                </a:solidFill>
-                <a:effectLst/>
-                <a:uLnTx/>
-                <a:uFillTx/>
-                <a:latin typeface="Arial" panose="020B0604020202020204" pitchFamily="34" charset="0"/>
-                <a:ea typeface="+mn-ea"/>
-                <a:cs typeface="Arial" panose="020B0604020202020204" pitchFamily="34" charset="0"/>
-              </a:rPr>
-            </a:br>
-            <a:r>
-              <a:rPr kumimoji="0" lang="en-US" sz="1800" b="0" i="0" u="none" strike="noStrike" kern="1200" cap="none" spc="0" normalizeH="0" baseline="0" noProof="0" dirty="0">
-                <a:ln>
-                  <a:noFill/>
-                </a:ln>
-                <a:solidFill>
-                  <a:prstClr val="black">
-                    <a:lumMod val="50000"/>
-                    <a:lumOff val="50000"/>
-                  </a:prstClr>
-                </a:solidFill>
-                <a:effectLst/>
-                <a:uLnTx/>
-                <a:uFillTx/>
-                <a:latin typeface="Arial" panose="020B0604020202020204" pitchFamily="34" charset="0"/>
-                <a:ea typeface="+mn-ea"/>
-                <a:cs typeface="Arial" panose="020B0604020202020204" pitchFamily="34" charset="0"/>
-              </a:rPr>
-              <a:t>There is a 75% chance you win $4,000</a:t>
-            </a:r>
-          </a:p>
-          <a:p>
-            <a:pPr marL="0" marR="0" lvl="0" indent="0" algn="ctr" defTabSz="914400" rtl="0" eaLnBrk="1" fontAlgn="auto" latinLnBrk="0" hangingPunct="1">
-              <a:lnSpc>
-                <a:spcPct val="100000"/>
-              </a:lnSpc>
-              <a:spcBef>
-                <a:spcPts val="0"/>
-              </a:spcBef>
-              <a:spcAft>
-                <a:spcPts val="0"/>
-              </a:spcAft>
-              <a:buClrTx/>
-              <a:buSzTx/>
-              <a:buFontTx/>
-              <a:buNone/>
-              <a:tabLst/>
-              <a:defRPr/>
-            </a:pPr>
-            <a:r>
-              <a:rPr kumimoji="0" lang="en-US" sz="1800" b="0" i="0" u="none" strike="noStrike" kern="1200" cap="none" spc="0" normalizeH="0" baseline="0" noProof="0" dirty="0">
-                <a:ln>
-                  <a:noFill/>
-                </a:ln>
-                <a:solidFill>
-                  <a:prstClr val="black">
-                    <a:lumMod val="50000"/>
-                    <a:lumOff val="50000"/>
-                  </a:prstClr>
-                </a:solidFill>
-                <a:effectLst/>
-                <a:uLnTx/>
-                <a:uFillTx/>
-                <a:latin typeface="Arial" panose="020B0604020202020204" pitchFamily="34" charset="0"/>
-                <a:ea typeface="+mn-ea"/>
-                <a:cs typeface="Arial" panose="020B0604020202020204" pitchFamily="34" charset="0"/>
-              </a:rPr>
-              <a:t>There is a 25% chance you </a:t>
-            </a:r>
-            <a:r>
-              <a:rPr kumimoji="0" lang="en-US" sz="1800" b="1" i="0" u="none" strike="noStrike" kern="1200" cap="none" spc="0" normalizeH="0" baseline="0" noProof="0" dirty="0">
-                <a:ln>
-                  <a:noFill/>
-                </a:ln>
-                <a:solidFill>
-                  <a:prstClr val="black">
-                    <a:lumMod val="50000"/>
-                    <a:lumOff val="50000"/>
-                  </a:prstClr>
-                </a:solidFill>
-                <a:effectLst/>
-                <a:uLnTx/>
-                <a:uFillTx/>
-                <a:latin typeface="Arial" panose="020B0604020202020204" pitchFamily="34" charset="0"/>
-                <a:ea typeface="+mn-ea"/>
-                <a:cs typeface="Arial" panose="020B0604020202020204" pitchFamily="34" charset="0"/>
-              </a:rPr>
-              <a:t>lose </a:t>
-            </a:r>
-            <a:r>
-              <a:rPr kumimoji="0" lang="en-US" sz="1800" b="1" i="0" u="none" strike="noStrike" kern="1200" cap="none" spc="0" normalizeH="0" baseline="0" noProof="0" dirty="0" smtClean="0">
-                <a:ln>
-                  <a:noFill/>
-                </a:ln>
-                <a:solidFill>
-                  <a:prstClr val="black">
-                    <a:lumMod val="50000"/>
-                    <a:lumOff val="50000"/>
-                  </a:prstClr>
-                </a:solidFill>
-                <a:effectLst/>
-                <a:uLnTx/>
-                <a:uFillTx/>
-                <a:latin typeface="Arial" panose="020B0604020202020204" pitchFamily="34" charset="0"/>
-                <a:ea typeface="+mn-ea"/>
-                <a:cs typeface="Arial" panose="020B0604020202020204" pitchFamily="34" charset="0"/>
-              </a:rPr>
-              <a:t>$2,000</a:t>
-            </a:r>
-          </a:p>
-          <a:p>
-            <a:pPr marL="0" marR="0" lvl="0" indent="0" algn="ctr" defTabSz="914400" rtl="0" eaLnBrk="1" fontAlgn="auto" latinLnBrk="0" hangingPunct="1">
-              <a:lnSpc>
-                <a:spcPct val="100000"/>
-              </a:lnSpc>
-              <a:spcBef>
-                <a:spcPts val="0"/>
-              </a:spcBef>
-              <a:spcAft>
-                <a:spcPts val="0"/>
-              </a:spcAft>
-              <a:buClrTx/>
-              <a:buSzTx/>
-              <a:buFontTx/>
-              <a:buNone/>
-              <a:tabLst/>
-              <a:defRPr/>
-            </a:pPr>
-            <a:endParaRPr lang="en-US" dirty="0">
-              <a:solidFill>
-                <a:prstClr val="black">
-                  <a:lumMod val="50000"/>
-                  <a:lumOff val="50000"/>
-                </a:prstClr>
-              </a:solidFill>
-              <a:latin typeface="Arial" panose="020B0604020202020204" pitchFamily="34" charset="0"/>
-              <a:cs typeface="Arial" panose="020B0604020202020204" pitchFamily="34" charset="0"/>
-            </a:endParaRPr>
-          </a:p>
-          <a:p>
-            <a:pPr marL="0" marR="0" lvl="0" indent="0" algn="ctr" defTabSz="914400" rtl="0" eaLnBrk="1" fontAlgn="auto" latinLnBrk="0" hangingPunct="1">
-              <a:lnSpc>
-                <a:spcPct val="100000"/>
-              </a:lnSpc>
-              <a:spcBef>
-                <a:spcPts val="0"/>
-              </a:spcBef>
-              <a:spcAft>
-                <a:spcPts val="0"/>
-              </a:spcAft>
-              <a:buClrTx/>
-              <a:buSzTx/>
-              <a:buFontTx/>
-              <a:buNone/>
-              <a:tabLst/>
-              <a:defRPr/>
-            </a:pPr>
-            <a:r>
-              <a:rPr kumimoji="0" lang="en-US" sz="1800" b="0" i="0" u="none" strike="noStrike" kern="1200" cap="none" spc="0" normalizeH="0" baseline="0" noProof="0" dirty="0" smtClean="0">
-                <a:ln>
-                  <a:noFill/>
-                </a:ln>
-                <a:solidFill>
-                  <a:prstClr val="black">
-                    <a:lumMod val="50000"/>
-                    <a:lumOff val="50000"/>
-                  </a:prstClr>
-                </a:solidFill>
-                <a:effectLst/>
-                <a:uLnTx/>
-                <a:uFillTx/>
-                <a:latin typeface="Arial" panose="020B0604020202020204" pitchFamily="34" charset="0"/>
-                <a:ea typeface="+mn-ea"/>
-                <a:cs typeface="Arial" panose="020B0604020202020204" pitchFamily="34" charset="0"/>
-              </a:rPr>
-              <a:t>Expected</a:t>
-            </a:r>
-            <a:r>
-              <a:rPr kumimoji="0" lang="en-US" sz="1800" b="0" i="0" u="none" strike="noStrike" kern="1200" cap="none" spc="0" normalizeH="0" noProof="0" dirty="0" smtClean="0">
-                <a:ln>
-                  <a:noFill/>
-                </a:ln>
-                <a:solidFill>
-                  <a:prstClr val="black">
-                    <a:lumMod val="50000"/>
-                    <a:lumOff val="50000"/>
-                  </a:prstClr>
-                </a:solidFill>
-                <a:effectLst/>
-                <a:uLnTx/>
-                <a:uFillTx/>
-                <a:latin typeface="Arial" panose="020B0604020202020204" pitchFamily="34" charset="0"/>
-                <a:ea typeface="+mn-ea"/>
-                <a:cs typeface="Arial" panose="020B0604020202020204" pitchFamily="34" charset="0"/>
-              </a:rPr>
-              <a:t> value = </a:t>
-            </a:r>
-          </a:p>
-          <a:p>
-            <a:pPr marL="0" marR="0" lvl="0" indent="0" algn="ctr" defTabSz="914400" rtl="0" eaLnBrk="1" fontAlgn="auto" latinLnBrk="0" hangingPunct="1">
-              <a:lnSpc>
-                <a:spcPct val="100000"/>
-              </a:lnSpc>
-              <a:spcBef>
-                <a:spcPts val="0"/>
-              </a:spcBef>
-              <a:spcAft>
-                <a:spcPts val="0"/>
-              </a:spcAft>
-              <a:buClrTx/>
-              <a:buSzTx/>
-              <a:buFontTx/>
-              <a:buNone/>
-              <a:tabLst/>
-              <a:defRPr/>
-            </a:pPr>
-            <a:r>
-              <a:rPr kumimoji="0" lang="en-US" sz="1800" b="0" i="0" u="none" strike="noStrike" kern="1200" cap="none" spc="0" normalizeH="0" noProof="0" dirty="0" smtClean="0">
-                <a:ln>
-                  <a:noFill/>
-                </a:ln>
-                <a:solidFill>
-                  <a:prstClr val="black">
-                    <a:lumMod val="50000"/>
-                    <a:lumOff val="50000"/>
-                  </a:prstClr>
-                </a:solidFill>
-                <a:effectLst/>
-                <a:uLnTx/>
-                <a:uFillTx/>
-                <a:latin typeface="Arial" panose="020B0604020202020204" pitchFamily="34" charset="0"/>
-                <a:ea typeface="+mn-ea"/>
-                <a:cs typeface="Arial" panose="020B0604020202020204" pitchFamily="34" charset="0"/>
-              </a:rPr>
-              <a:t>(0.75)(4000) – (0.25)(2000) =</a:t>
-            </a:r>
-          </a:p>
-          <a:p>
-            <a:pPr marL="0" marR="0" lvl="0" indent="0" algn="ctr" defTabSz="914400" rtl="0" eaLnBrk="1" fontAlgn="auto" latinLnBrk="0" hangingPunct="1">
-              <a:lnSpc>
-                <a:spcPct val="100000"/>
-              </a:lnSpc>
-              <a:spcBef>
-                <a:spcPts val="0"/>
-              </a:spcBef>
-              <a:spcAft>
-                <a:spcPts val="0"/>
-              </a:spcAft>
-              <a:buClrTx/>
-              <a:buSzTx/>
-              <a:buFontTx/>
-              <a:buNone/>
-              <a:tabLst/>
-              <a:defRPr/>
-            </a:pPr>
-            <a:r>
-              <a:rPr lang="en-US" b="1" baseline="0" dirty="0" smtClean="0">
-                <a:solidFill>
-                  <a:prstClr val="black">
-                    <a:lumMod val="50000"/>
-                    <a:lumOff val="50000"/>
-                  </a:prstClr>
-                </a:solidFill>
-                <a:latin typeface="Arial" panose="020B0604020202020204" pitchFamily="34" charset="0"/>
-                <a:cs typeface="Arial" panose="020B0604020202020204" pitchFamily="34" charset="0"/>
-              </a:rPr>
-              <a:t>$2,500</a:t>
-            </a:r>
-            <a:endParaRPr kumimoji="0" lang="en-US" sz="1800" b="1" i="0" u="none" strike="noStrike" kern="1200" cap="none" spc="0" normalizeH="0" baseline="0" noProof="0" dirty="0">
-              <a:ln>
-                <a:noFill/>
-              </a:ln>
-              <a:solidFill>
-                <a:prstClr val="black">
-                  <a:lumMod val="50000"/>
-                  <a:lumOff val="50000"/>
-                </a:prstClr>
-              </a:solidFill>
-              <a:effectLst/>
-              <a:uLnTx/>
-              <a:uFillTx/>
-              <a:latin typeface="Arial" panose="020B0604020202020204" pitchFamily="34" charset="0"/>
-              <a:cs typeface="Arial" panose="020B0604020202020204" pitchFamily="34" charset="0"/>
-            </a:endParaRPr>
-          </a:p>
-        </p:txBody>
-      </p:sp>
-      <p:sp>
-        <p:nvSpPr>
-          <p:cNvPr id="23" name="Rectangle 22"/>
-          <p:cNvSpPr/>
-          <p:nvPr/>
-        </p:nvSpPr>
-        <p:spPr>
-          <a:xfrm>
-            <a:off x="685800" y="3381810"/>
-            <a:ext cx="6477000" cy="461665"/>
-          </a:xfrm>
-          <a:prstGeom prst="rect">
-            <a:avLst/>
-          </a:prstGeom>
-        </p:spPr>
-        <p:txBody>
-          <a:bodyPr wrap="square">
-            <a:spAutoFit/>
-          </a:bodyPr>
-          <a:lstStyle/>
-          <a:p>
-            <a:pPr marL="0" marR="0" lvl="0" indent="0" algn="ctr" defTabSz="914400" rtl="0" eaLnBrk="1" fontAlgn="auto" latinLnBrk="0" hangingPunct="1">
-              <a:lnSpc>
-                <a:spcPct val="100000"/>
-              </a:lnSpc>
-              <a:spcBef>
-                <a:spcPts val="0"/>
-              </a:spcBef>
-              <a:spcAft>
-                <a:spcPts val="0"/>
-              </a:spcAft>
-              <a:buClrTx/>
-              <a:buSzTx/>
-              <a:buFontTx/>
-              <a:buNone/>
-              <a:tabLst/>
-              <a:defRPr/>
-            </a:pPr>
-            <a:r>
-              <a:rPr kumimoji="0" lang="en-US" sz="2400" b="0" i="0" u="none" strike="noStrike" kern="1200" cap="none" spc="0" normalizeH="0" baseline="0" noProof="0" dirty="0">
-                <a:ln>
-                  <a:noFill/>
-                </a:ln>
-                <a:solidFill>
-                  <a:prstClr val="black">
-                    <a:lumMod val="50000"/>
-                    <a:lumOff val="50000"/>
-                  </a:prstClr>
-                </a:solidFill>
-                <a:effectLst/>
-                <a:uLnTx/>
-                <a:uFillTx/>
-                <a:latin typeface="Stencil" panose="040409050D0802020404" pitchFamily="82" charset="0"/>
-                <a:ea typeface="+mn-ea"/>
-                <a:cs typeface="+mn-cs"/>
-              </a:rPr>
-              <a:t>Bet #1</a:t>
-            </a:r>
-          </a:p>
-        </p:txBody>
-      </p:sp>
-      <p:sp>
-        <p:nvSpPr>
-          <p:cNvPr id="24" name="Rectangle 23"/>
-          <p:cNvSpPr/>
-          <p:nvPr/>
-        </p:nvSpPr>
-        <p:spPr>
-          <a:xfrm>
-            <a:off x="683916" y="6426875"/>
-            <a:ext cx="6477000" cy="461665"/>
-          </a:xfrm>
-          <a:prstGeom prst="rect">
-            <a:avLst/>
-          </a:prstGeom>
-        </p:spPr>
-        <p:txBody>
-          <a:bodyPr wrap="square">
-            <a:spAutoFit/>
-          </a:bodyPr>
-          <a:lstStyle/>
-          <a:p>
-            <a:pPr marL="0" marR="0" lvl="0" indent="0" algn="ctr" defTabSz="914400" rtl="0" eaLnBrk="1" fontAlgn="auto" latinLnBrk="0" hangingPunct="1">
-              <a:lnSpc>
-                <a:spcPct val="100000"/>
-              </a:lnSpc>
-              <a:spcBef>
-                <a:spcPts val="0"/>
-              </a:spcBef>
-              <a:spcAft>
-                <a:spcPts val="0"/>
-              </a:spcAft>
-              <a:buClrTx/>
-              <a:buSzTx/>
-              <a:buFontTx/>
-              <a:buNone/>
-              <a:tabLst/>
-              <a:defRPr/>
-            </a:pPr>
-            <a:r>
-              <a:rPr kumimoji="0" lang="en-US" sz="2400" b="0" i="0" u="none" strike="noStrike" kern="1200" cap="none" spc="0" normalizeH="0" baseline="0" noProof="0" dirty="0">
-                <a:ln>
-                  <a:noFill/>
-                </a:ln>
-                <a:solidFill>
-                  <a:prstClr val="black">
-                    <a:lumMod val="50000"/>
-                    <a:lumOff val="50000"/>
-                  </a:prstClr>
-                </a:solidFill>
-                <a:effectLst/>
-                <a:uLnTx/>
-                <a:uFillTx/>
-                <a:latin typeface="Stencil" panose="040409050D0802020404" pitchFamily="82" charset="0"/>
-                <a:ea typeface="+mn-ea"/>
-                <a:cs typeface="+mn-cs"/>
-              </a:rPr>
-              <a:t>Bet #2</a:t>
-            </a:r>
-          </a:p>
-        </p:txBody>
-      </p:sp>
-    </p:spTree>
-    <p:extLst>
-      <p:ext uri="{BB962C8B-B14F-4D97-AF65-F5344CB8AC3E}">
-        <p14:creationId xmlns:p14="http://schemas.microsoft.com/office/powerpoint/2010/main" val="3935784361"/>
-      </p:ext>
-    </p:extLst>
-  </p:cSld>
-  <p:clrMapOvr>
-    <a:masterClrMapping/>
-  </p:clrMapOvr>
-  <p:timing>
-    <p:tnLst>
-      <p:par>
-        <p:cTn id="1" dur="indefinite" restart="never" nodeType="tmRoot"/>
-      </p:par>
-    </p:tnLst>
-  </p:timing>
-</p:sld>
-</file>
-
-<file path=ppt/slides/slide50.xml><?xml version="1.0" encoding="utf-8"?>
+<file path=ppt/slides/slide51.xml><?xml version="1.0" encoding="utf-8"?>
 <p:sld xmlns:a="http://schemas.openxmlformats.org/drawingml/2006/main" xmlns:r="http://schemas.openxmlformats.org/officeDocument/2006/relationships" xmlns:p="http://schemas.openxmlformats.org/presentationml/2006/main">
   <p:cSld>
     <p:spTree>
@@ -45915,7 +46332,7 @@
           <a:p>
             <a:fld id="{8A2A4A19-B384-42F8-8C0D-94C30AAB39F2}" type="slidenum">
               <a:rPr lang="en-US" smtClean="0"/>
-              <a:t>50</a:t>
+              <a:t>51</a:t>
             </a:fld>
             <a:endParaRPr lang="en-US" dirty="0"/>
           </a:p>
@@ -46084,7 +46501,7 @@
 </p:sld>
 </file>
 
-<file path=ppt/slides/slide51.xml><?xml version="1.0" encoding="utf-8"?>
+<file path=ppt/slides/slide52.xml><?xml version="1.0" encoding="utf-8"?>
 <p:sld xmlns:a="http://schemas.openxmlformats.org/drawingml/2006/main" xmlns:r="http://schemas.openxmlformats.org/officeDocument/2006/relationships" xmlns:p="http://schemas.openxmlformats.org/presentationml/2006/main">
   <p:cSld>
     <p:spTree>
@@ -46147,7 +46564,7 @@
           <a:p>
             <a:fld id="{8A2A4A19-B384-42F8-8C0D-94C30AAB39F2}" type="slidenum">
               <a:rPr lang="en-US" smtClean="0"/>
-              <a:t>51</a:t>
+              <a:t>52</a:t>
             </a:fld>
             <a:endParaRPr lang="en-US" dirty="0"/>
           </a:p>
@@ -46303,7 +46720,7 @@
 </p:sld>
 </file>
 
-<file path=ppt/slides/slide52.xml><?xml version="1.0" encoding="utf-8"?>
+<file path=ppt/slides/slide53.xml><?xml version="1.0" encoding="utf-8"?>
 <p:sld xmlns:a="http://schemas.openxmlformats.org/drawingml/2006/main" xmlns:r="http://schemas.openxmlformats.org/officeDocument/2006/relationships" xmlns:p="http://schemas.openxmlformats.org/presentationml/2006/main">
   <p:cSld>
     <p:spTree>
@@ -46366,7 +46783,7 @@
           <a:p>
             <a:fld id="{8A2A4A19-B384-42F8-8C0D-94C30AAB39F2}" type="slidenum">
               <a:rPr lang="en-US" smtClean="0"/>
-              <a:t>52</a:t>
+              <a:t>53</a:t>
             </a:fld>
             <a:endParaRPr lang="en-US" dirty="0"/>
           </a:p>
@@ -46522,7 +46939,7 @@
 </p:sld>
 </file>
 
-<file path=ppt/slides/slide53.xml><?xml version="1.0" encoding="utf-8"?>
+<file path=ppt/slides/slide54.xml><?xml version="1.0" encoding="utf-8"?>
 <p:sld xmlns:a="http://schemas.openxmlformats.org/drawingml/2006/main" xmlns:r="http://schemas.openxmlformats.org/officeDocument/2006/relationships" xmlns:p="http://schemas.openxmlformats.org/presentationml/2006/main">
   <p:cSld>
     <p:spTree>
@@ -46585,7 +47002,7 @@
           <a:p>
             <a:fld id="{8A2A4A19-B384-42F8-8C0D-94C30AAB39F2}" type="slidenum">
               <a:rPr lang="en-US" smtClean="0"/>
-              <a:t>53</a:t>
+              <a:t>54</a:t>
             </a:fld>
             <a:endParaRPr lang="en-US" dirty="0"/>
           </a:p>
@@ -46828,7 +47245,7 @@
 </p:sld>
 </file>
 
-<file path=ppt/slides/slide54.xml><?xml version="1.0" encoding="utf-8"?>
+<file path=ppt/slides/slide55.xml><?xml version="1.0" encoding="utf-8"?>
 <p:sld xmlns:a="http://schemas.openxmlformats.org/drawingml/2006/main" xmlns:r="http://schemas.openxmlformats.org/officeDocument/2006/relationships" xmlns:p="http://schemas.openxmlformats.org/presentationml/2006/main">
   <p:cSld>
     <p:spTree>
@@ -46863,7 +47280,7 @@
             <a:fld id="{8A2A4A19-B384-42F8-8C0D-94C30AAB39F2}" type="slidenum">
               <a:rPr lang="en-US" smtClean="0"/>
               <a:pPr/>
-              <a:t>54</a:t>
+              <a:t>55</a:t>
             </a:fld>
             <a:endParaRPr lang="en-US"/>
           </a:p>
@@ -47784,7 +48201,7 @@
               <a:tabLst/>
               <a:defRPr/>
             </a:pPr>
-            <a:endParaRPr kumimoji="0" lang="en-US" sz="1800" b="0" i="0" u="none" strike="noStrike" kern="1200" cap="none" spc="0" normalizeH="0" baseline="0" noProof="0" dirty="0" smtClean="0">
+            <a:endParaRPr kumimoji="0" lang="en-US" sz="1800" b="0" i="0" u="none" strike="noStrike" kern="1200" cap="none" spc="0" normalizeH="0" baseline="0" noProof="0" dirty="0">
               <a:ln>
                 <a:noFill/>
               </a:ln>
@@ -47821,7 +48238,7 @@
               <a:defRPr/>
             </a:pPr>
             <a:r>
-              <a:rPr kumimoji="0" lang="en-US" sz="1800" b="0" i="0" u="none" strike="noStrike" kern="1200" cap="none" spc="0" normalizeH="0" baseline="0" noProof="0" dirty="0" smtClean="0">
+              <a:rPr kumimoji="0" lang="en-US" sz="1800" b="0" i="0" u="none" strike="noStrike" kern="1200" cap="none" spc="0" normalizeH="0" baseline="0" noProof="0" dirty="0">
                 <a:ln>
                   <a:noFill/>
                 </a:ln>
@@ -47841,7 +48258,7 @@
               <a:t>Expected</a:t>
             </a:r>
             <a:r>
-              <a:rPr kumimoji="0" lang="en-US" sz="1800" b="0" i="0" u="none" strike="noStrike" kern="1200" cap="none" spc="0" normalizeH="0" noProof="0" dirty="0" smtClean="0">
+              <a:rPr kumimoji="0" lang="en-US" sz="1800" b="0" i="0" u="none" strike="noStrike" kern="1200" cap="none" spc="0" normalizeH="0" noProof="0" dirty="0">
                 <a:ln>
                   <a:noFill/>
                 </a:ln>
@@ -47880,7 +48297,7 @@
               <a:defRPr/>
             </a:pPr>
             <a:r>
-              <a:rPr lang="en-US" baseline="0" dirty="0" smtClean="0">
+              <a:rPr lang="en-US" baseline="0" dirty="0">
                 <a:solidFill>
                   <a:prstClr val="black">
                     <a:lumMod val="50000"/>
@@ -47893,7 +48310,7 @@
               <a:t>(0.75)(1500)</a:t>
             </a:r>
             <a:r>
-              <a:rPr lang="en-US" dirty="0" smtClean="0">
+              <a:rPr lang="en-US" dirty="0">
                 <a:solidFill>
                   <a:prstClr val="black">
                     <a:lumMod val="50000"/>
@@ -47906,7 +48323,7 @@
               <a:t> + </a:t>
             </a:r>
             <a:r>
-              <a:rPr kumimoji="0" lang="en-US" sz="1800" b="0" i="0" u="none" strike="noStrike" kern="1200" cap="none" spc="0" normalizeH="0" baseline="0" noProof="0" dirty="0" smtClean="0">
+              <a:rPr kumimoji="0" lang="en-US" sz="1800" b="0" i="0" u="none" strike="noStrike" kern="1200" cap="none" spc="0" normalizeH="0" baseline="0" noProof="0" dirty="0">
                 <a:ln>
                   <a:noFill/>
                 </a:ln>
@@ -47926,7 +48343,7 @@
               <a:t>(0.25)(1100)</a:t>
             </a:r>
             <a:r>
-              <a:rPr kumimoji="0" lang="en-US" sz="1800" b="0" i="0" u="none" strike="noStrike" kern="1200" cap="none" spc="0" normalizeH="0" noProof="0" dirty="0" smtClean="0">
+              <a:rPr kumimoji="0" lang="en-US" sz="1800" b="0" i="0" u="none" strike="noStrike" kern="1200" cap="none" spc="0" normalizeH="0" noProof="0" dirty="0">
                 <a:ln>
                   <a:noFill/>
                 </a:ln>
@@ -47943,27 +48360,7 @@
                 <a:ea typeface="+mn-ea"/>
                 <a:cs typeface="Arial" panose="020B0604020202020204" pitchFamily="34" charset="0"/>
               </a:rPr>
-              <a:t> </a:t>
-            </a:r>
-            <a:r>
-              <a:rPr kumimoji="0" lang="en-US" sz="1800" b="0" i="0" u="none" strike="noStrike" kern="1200" cap="none" spc="0" normalizeH="0" noProof="0" dirty="0" smtClean="0">
-                <a:ln>
-                  <a:noFill/>
-                </a:ln>
-                <a:solidFill>
-                  <a:prstClr val="black">
-                    <a:lumMod val="50000"/>
-                    <a:lumOff val="50000"/>
-                  </a:prstClr>
-                </a:solidFill>
-                <a:effectLst/>
-                <a:uLnTx/>
-                <a:uFillTx/>
-                <a:latin typeface="Arial" panose="020B0604020202020204" pitchFamily="34" charset="0"/>
-                <a:ea typeface="+mn-ea"/>
-                <a:cs typeface="Arial" panose="020B0604020202020204" pitchFamily="34" charset="0"/>
-              </a:rPr>
-              <a:t>=</a:t>
+              <a:t> =</a:t>
             </a:r>
           </a:p>
           <a:p>
@@ -47984,8 +48381,8 @@
               <a:tabLst/>
               <a:defRPr/>
             </a:pPr>
-            <a:r>
-              <a:rPr kumimoji="0" lang="en-US" sz="1800" b="0" i="0" u="none" strike="noStrike" kern="1200" cap="none" spc="0" normalizeH="0" noProof="0" dirty="0" smtClean="0">
+            <a:br>
+              <a:rPr kumimoji="0" lang="en-US" sz="1800" b="0" i="0" u="none" strike="noStrike" kern="1200" cap="none" spc="0" normalizeH="0" noProof="0" dirty="0">
                 <a:ln>
                   <a:noFill/>
                 </a:ln>
@@ -48002,28 +48399,8 @@
                 <a:ea typeface="+mn-ea"/>
                 <a:cs typeface="Arial" panose="020B0604020202020204" pitchFamily="34" charset="0"/>
               </a:rPr>
-              <a:t/>
-            </a:r>
-            <a:br>
-              <a:rPr kumimoji="0" lang="en-US" sz="1800" b="0" i="0" u="none" strike="noStrike" kern="1200" cap="none" spc="0" normalizeH="0" noProof="0" dirty="0" smtClean="0">
-                <a:ln>
-                  <a:noFill/>
-                </a:ln>
-                <a:solidFill>
-                  <a:prstClr val="black">
-                    <a:lumMod val="50000"/>
-                    <a:lumOff val="50000"/>
-                  </a:prstClr>
-                </a:solidFill>
-                <a:effectLst/>
-                <a:uLnTx/>
-                <a:uFillTx/>
-                <a:latin typeface="Arial" panose="020B0604020202020204" pitchFamily="34" charset="0"/>
-                <a:ea typeface="+mn-ea"/>
-                <a:cs typeface="Arial" panose="020B0604020202020204" pitchFamily="34" charset="0"/>
-              </a:rPr>
             </a:br>
-            <a:endParaRPr kumimoji="0" lang="en-US" sz="1800" b="0" i="0" u="none" strike="noStrike" kern="1200" cap="none" spc="0" normalizeH="0" noProof="0" dirty="0" smtClean="0">
+            <a:endParaRPr kumimoji="0" lang="en-US" sz="1800" b="0" i="0" u="none" strike="noStrike" kern="1200" cap="none" spc="0" normalizeH="0" noProof="0" dirty="0">
               <a:ln>
                 <a:noFill/>
               </a:ln>
@@ -48060,7 +48437,7 @@
               <a:defRPr/>
             </a:pPr>
             <a:r>
-              <a:rPr kumimoji="0" lang="en-US" sz="2400" b="1" i="0" u="none" strike="noStrike" kern="1200" cap="none" spc="0" normalizeH="0" baseline="0" noProof="0" dirty="0" smtClean="0">
+              <a:rPr kumimoji="0" lang="en-US" sz="2400" b="1" i="0" u="none" strike="noStrike" kern="1200" cap="none" spc="0" normalizeH="0" baseline="0" noProof="0" dirty="0">
                 <a:ln>
                   <a:noFill/>
                 </a:ln>
@@ -48078,22 +48455,6 @@
               </a:rPr>
               <a:t>$1,400</a:t>
             </a:r>
-            <a:endParaRPr kumimoji="0" lang="en-US" sz="2400" b="1" i="0" u="none" strike="noStrike" kern="1200" cap="none" spc="0" normalizeH="0" baseline="0" noProof="0" dirty="0">
-              <a:ln>
-                <a:noFill/>
-              </a:ln>
-              <a:solidFill>
-                <a:schemeClr val="accent6">
-                  <a:lumMod val="75000"/>
-                </a:schemeClr>
-              </a:solidFill>
-              <a:effectLst/>
-              <a:uLnTx/>
-              <a:uFillTx/>
-              <a:latin typeface="Arial" panose="020B0604020202020204" pitchFamily="34" charset="0"/>
-              <a:ea typeface="+mn-ea"/>
-              <a:cs typeface="Arial" panose="020B0604020202020204" pitchFamily="34" charset="0"/>
-            </a:endParaRPr>
           </a:p>
         </p:txBody>
       </p:sp>
@@ -48396,7 +48757,7 @@
               <a:defRPr/>
             </a:pPr>
             <a:r>
-              <a:rPr kumimoji="0" lang="en-US" sz="1800" b="1" i="0" u="none" strike="noStrike" kern="1200" cap="none" spc="0" normalizeH="0" baseline="0" noProof="0" dirty="0" smtClean="0">
+              <a:rPr kumimoji="0" lang="en-US" sz="1800" b="1" i="0" u="none" strike="noStrike" kern="1200" cap="none" spc="0" normalizeH="0" baseline="0" noProof="0" dirty="0">
                 <a:ln>
                   <a:noFill/>
                 </a:ln>
@@ -48414,22 +48775,6 @@
               </a:rPr>
               <a:t>$1,100</a:t>
             </a:r>
-            <a:endParaRPr kumimoji="0" lang="en-US" sz="1800" b="1" i="0" u="none" strike="noStrike" kern="1200" cap="none" spc="0" normalizeH="0" baseline="0" noProof="0" dirty="0">
-              <a:ln>
-                <a:noFill/>
-              </a:ln>
-              <a:solidFill>
-                <a:schemeClr val="accent6">
-                  <a:lumMod val="75000"/>
-                </a:schemeClr>
-              </a:solidFill>
-              <a:effectLst/>
-              <a:uLnTx/>
-              <a:uFillTx/>
-              <a:latin typeface="Arial" panose="020B0604020202020204" pitchFamily="34" charset="0"/>
-              <a:ea typeface="+mn-ea"/>
-              <a:cs typeface="Arial" panose="020B0604020202020204" pitchFamily="34" charset="0"/>
-            </a:endParaRPr>
           </a:p>
         </p:txBody>
       </p:sp>
@@ -48473,7 +48818,7 @@
               <a:defRPr/>
             </a:pPr>
             <a:r>
-              <a:rPr kumimoji="0" lang="en-US" sz="1800" b="1" i="0" u="none" strike="noStrike" kern="1200" cap="none" spc="0" normalizeH="0" baseline="0" noProof="0" dirty="0" smtClean="0">
+              <a:rPr kumimoji="0" lang="en-US" sz="1800" b="1" i="0" u="none" strike="noStrike" kern="1200" cap="none" spc="0" normalizeH="0" baseline="0" noProof="0" dirty="0">
                 <a:ln>
                   <a:noFill/>
                 </a:ln>
@@ -48491,22 +48836,6 @@
               </a:rPr>
               <a:t>$1,500</a:t>
             </a:r>
-            <a:endParaRPr kumimoji="0" lang="en-US" sz="1800" b="1" i="0" u="none" strike="noStrike" kern="1200" cap="none" spc="0" normalizeH="0" baseline="0" noProof="0" dirty="0">
-              <a:ln>
-                <a:noFill/>
-              </a:ln>
-              <a:solidFill>
-                <a:schemeClr val="accent6">
-                  <a:lumMod val="75000"/>
-                </a:schemeClr>
-              </a:solidFill>
-              <a:effectLst/>
-              <a:uLnTx/>
-              <a:uFillTx/>
-              <a:latin typeface="Arial" panose="020B0604020202020204" pitchFamily="34" charset="0"/>
-              <a:ea typeface="+mn-ea"/>
-              <a:cs typeface="Arial" panose="020B0604020202020204" pitchFamily="34" charset="0"/>
-            </a:endParaRPr>
           </a:p>
         </p:txBody>
       </p:sp>
@@ -48520,13 +48849,6 @@
   <p:clrMapOvr>
     <a:masterClrMapping/>
   </p:clrMapOvr>
-  <p:timing>
-    <p:tnLst>
-      <p:par>
-        <p:cTn id="1" dur="indefinite" restart="never" nodeType="tmRoot"/>
-      </p:par>
-    </p:tnLst>
-  </p:timing>
 </p:sld>
 </file>
 
@@ -48883,27 +49205,7 @@
                 <a:ea typeface="+mn-ea"/>
                 <a:cs typeface="Arial" panose="020B0604020202020204" pitchFamily="34" charset="0"/>
               </a:rPr>
-              <a:t>lose </a:t>
-            </a:r>
-            <a:r>
-              <a:rPr kumimoji="0" lang="en-US" sz="1800" b="1" i="0" u="none" strike="noStrike" kern="1200" cap="none" spc="0" normalizeH="0" baseline="0" noProof="0" dirty="0" smtClean="0">
-                <a:ln>
-                  <a:noFill/>
-                </a:ln>
-                <a:solidFill>
-                  <a:prstClr val="black">
-                    <a:lumMod val="50000"/>
-                    <a:lumOff val="50000"/>
-                  </a:prstClr>
-                </a:solidFill>
-                <a:effectLst/>
-                <a:uLnTx/>
-                <a:uFillTx/>
-                <a:latin typeface="Arial" panose="020B0604020202020204" pitchFamily="34" charset="0"/>
-                <a:ea typeface="+mn-ea"/>
-                <a:cs typeface="Arial" panose="020B0604020202020204" pitchFamily="34" charset="0"/>
-              </a:rPr>
-              <a:t>$2,000</a:t>
+              <a:t>lose $2,000</a:t>
             </a:r>
           </a:p>
           <a:p>
@@ -48954,7 +49256,7 @@
               <a:defRPr/>
             </a:pPr>
             <a:r>
-              <a:rPr kumimoji="0" lang="en-US" sz="1800" b="0" i="0" u="none" strike="noStrike" kern="1200" cap="none" spc="0" normalizeH="0" baseline="0" noProof="0" dirty="0" smtClean="0">
+              <a:rPr kumimoji="0" lang="en-US" sz="1800" b="0" i="0" u="none" strike="noStrike" kern="1200" cap="none" spc="0" normalizeH="0" baseline="0" noProof="0" dirty="0">
                 <a:ln>
                   <a:noFill/>
                 </a:ln>
@@ -48974,7 +49276,7 @@
               <a:t>Expected</a:t>
             </a:r>
             <a:r>
-              <a:rPr kumimoji="0" lang="en-US" sz="1800" b="0" i="0" u="none" strike="noStrike" kern="1200" cap="none" spc="0" normalizeH="0" noProof="0" dirty="0" smtClean="0">
+              <a:rPr kumimoji="0" lang="en-US" sz="1800" b="0" i="0" u="none" strike="noStrike" kern="1200" cap="none" spc="0" normalizeH="0" noProof="0" dirty="0">
                 <a:ln>
                   <a:noFill/>
                 </a:ln>
@@ -49013,7 +49315,7 @@
               <a:defRPr/>
             </a:pPr>
             <a:r>
-              <a:rPr kumimoji="0" lang="en-US" sz="1800" b="0" i="0" u="none" strike="noStrike" kern="1200" cap="none" spc="0" normalizeH="0" noProof="0" dirty="0" smtClean="0">
+              <a:rPr kumimoji="0" lang="en-US" sz="1800" b="0" i="0" u="none" strike="noStrike" kern="1200" cap="none" spc="0" normalizeH="0" noProof="0" dirty="0">
                 <a:ln>
                   <a:noFill/>
                 </a:ln>
@@ -49030,27 +49332,7 @@
                 <a:ea typeface="+mn-ea"/>
                 <a:cs typeface="Arial" panose="020B0604020202020204" pitchFamily="34" charset="0"/>
               </a:rPr>
-              <a:t>(0.75)(4000) – (0.25)(2000) </a:t>
-            </a:r>
-            <a:r>
-              <a:rPr kumimoji="0" lang="en-US" sz="1800" b="0" i="0" u="none" strike="noStrike" kern="1200" cap="none" spc="0" normalizeH="0" noProof="0" dirty="0" smtClean="0">
-                <a:ln>
-                  <a:noFill/>
-                </a:ln>
-                <a:solidFill>
-                  <a:prstClr val="black">
-                    <a:lumMod val="50000"/>
-                    <a:lumOff val="50000"/>
-                  </a:prstClr>
-                </a:solidFill>
-                <a:effectLst/>
-                <a:uLnTx/>
-                <a:uFillTx/>
-                <a:latin typeface="Arial" panose="020B0604020202020204" pitchFamily="34" charset="0"/>
-                <a:ea typeface="+mn-ea"/>
-                <a:cs typeface="Arial" panose="020B0604020202020204" pitchFamily="34" charset="0"/>
-              </a:rPr>
-              <a:t>=</a:t>
+              <a:t>(0.75)(4000) – (0.25)(2000) =</a:t>
             </a:r>
           </a:p>
           <a:p>
@@ -49100,7 +49382,7 @@
               <a:tabLst/>
               <a:defRPr/>
             </a:pPr>
-            <a:endParaRPr kumimoji="0" lang="en-US" sz="1800" b="0" i="0" u="none" strike="noStrike" kern="1200" cap="none" spc="0" normalizeH="0" noProof="0" dirty="0" smtClean="0">
+            <a:endParaRPr kumimoji="0" lang="en-US" sz="1800" b="0" i="0" u="none" strike="noStrike" kern="1200" cap="none" spc="0" normalizeH="0" noProof="0" dirty="0">
               <a:ln>
                 <a:noFill/>
               </a:ln>
@@ -49137,7 +49419,7 @@
               <a:defRPr/>
             </a:pPr>
             <a:r>
-              <a:rPr lang="en-US" sz="2400" b="1" baseline="0" dirty="0" smtClean="0">
+              <a:rPr lang="en-US" sz="2400" b="1" baseline="0" dirty="0">
                 <a:solidFill>
                   <a:schemeClr val="accent6">
                     <a:lumMod val="75000"/>
@@ -49450,7 +49732,7 @@
               <a:defRPr/>
             </a:pPr>
             <a:r>
-              <a:rPr lang="en-US" sz="2800" b="1" dirty="0" smtClean="0">
+              <a:rPr lang="en-US" sz="2800" b="1" dirty="0">
                 <a:solidFill>
                   <a:schemeClr val="accent6">
                     <a:lumMod val="75000"/>
@@ -49462,7 +49744,7 @@
               <a:t>– </a:t>
             </a:r>
             <a:r>
-              <a:rPr kumimoji="0" lang="en-US" sz="1800" b="1" i="0" u="none" strike="noStrike" kern="1200" cap="none" spc="0" normalizeH="0" baseline="0" noProof="0" dirty="0" smtClean="0">
+              <a:rPr kumimoji="0" lang="en-US" sz="1800" b="1" i="0" u="none" strike="noStrike" kern="1200" cap="none" spc="0" normalizeH="0" baseline="0" noProof="0" dirty="0">
                 <a:ln>
                   <a:noFill/>
                 </a:ln>
@@ -49480,22 +49762,6 @@
               </a:rPr>
               <a:t>$2,000</a:t>
             </a:r>
-            <a:endParaRPr kumimoji="0" lang="en-US" sz="1800" b="1" i="0" u="none" strike="noStrike" kern="1200" cap="none" spc="0" normalizeH="0" baseline="0" noProof="0" dirty="0">
-              <a:ln>
-                <a:noFill/>
-              </a:ln>
-              <a:solidFill>
-                <a:schemeClr val="accent6">
-                  <a:lumMod val="75000"/>
-                </a:schemeClr>
-              </a:solidFill>
-              <a:effectLst/>
-              <a:uLnTx/>
-              <a:uFillTx/>
-              <a:latin typeface="Arial" panose="020B0604020202020204" pitchFamily="34" charset="0"/>
-              <a:ea typeface="+mn-ea"/>
-              <a:cs typeface="Arial" panose="020B0604020202020204" pitchFamily="34" charset="0"/>
-            </a:endParaRPr>
           </a:p>
         </p:txBody>
       </p:sp>
@@ -49539,7 +49805,7 @@
               <a:defRPr/>
             </a:pPr>
             <a:r>
-              <a:rPr kumimoji="0" lang="en-US" sz="1800" b="1" i="0" u="none" strike="noStrike" kern="1200" cap="none" spc="0" normalizeH="0" baseline="0" noProof="0" dirty="0" smtClean="0">
+              <a:rPr kumimoji="0" lang="en-US" sz="1800" b="1" i="0" u="none" strike="noStrike" kern="1200" cap="none" spc="0" normalizeH="0" baseline="0" noProof="0" dirty="0">
                 <a:ln>
                   <a:noFill/>
                 </a:ln>
@@ -49557,22 +49823,6 @@
               </a:rPr>
               <a:t>$4,000</a:t>
             </a:r>
-            <a:endParaRPr kumimoji="0" lang="en-US" sz="1800" b="1" i="0" u="none" strike="noStrike" kern="1200" cap="none" spc="0" normalizeH="0" baseline="0" noProof="0" dirty="0">
-              <a:ln>
-                <a:noFill/>
-              </a:ln>
-              <a:solidFill>
-                <a:schemeClr val="accent6">
-                  <a:lumMod val="75000"/>
-                </a:schemeClr>
-              </a:solidFill>
-              <a:effectLst/>
-              <a:uLnTx/>
-              <a:uFillTx/>
-              <a:latin typeface="Arial" panose="020B0604020202020204" pitchFamily="34" charset="0"/>
-              <a:ea typeface="+mn-ea"/>
-              <a:cs typeface="Arial" panose="020B0604020202020204" pitchFamily="34" charset="0"/>
-            </a:endParaRPr>
           </a:p>
         </p:txBody>
       </p:sp>
@@ -49637,7 +49887,7 @@
           <a:lstStyle/>
           <a:p>
             <a:r>
-              <a:rPr lang="en-US" sz="2800" dirty="0" smtClean="0">
+              <a:rPr lang="en-US" sz="2800" dirty="0">
                 <a:solidFill>
                   <a:schemeClr val="tx1">
                     <a:lumMod val="50000"/>
@@ -49647,14 +49897,6 @@
               </a:rPr>
               <a:t>$0</a:t>
             </a:r>
-            <a:endParaRPr lang="en-US" sz="2800" dirty="0">
-              <a:solidFill>
-                <a:schemeClr val="tx1">
-                  <a:lumMod val="50000"/>
-                  <a:lumOff val="50000"/>
-                </a:schemeClr>
-              </a:solidFill>
-            </a:endParaRPr>
           </a:p>
         </p:txBody>
       </p:sp>
@@ -49682,7 +49924,7 @@
           <a:p>
             <a:pPr algn="ctr"/>
             <a:r>
-              <a:rPr lang="en-US" sz="2000" dirty="0" smtClean="0">
+              <a:rPr lang="en-US" sz="2000" dirty="0">
                 <a:solidFill>
                   <a:schemeClr val="tx1">
                     <a:lumMod val="50000"/>
@@ -49692,14 +49934,6 @@
               </a:rPr>
               <a:t>1 in 4 chance of losing money</a:t>
             </a:r>
-            <a:endParaRPr lang="en-US" sz="2000" dirty="0">
-              <a:solidFill>
-                <a:schemeClr val="tx1">
-                  <a:lumMod val="50000"/>
-                  <a:lumOff val="50000"/>
-                </a:schemeClr>
-              </a:solidFill>
-            </a:endParaRPr>
           </a:p>
         </p:txBody>
       </p:sp>
@@ -49727,7 +49961,7 @@
           <a:p>
             <a:pPr algn="ctr"/>
             <a:r>
-              <a:rPr lang="en-US" sz="2000" dirty="0" smtClean="0">
+              <a:rPr lang="en-US" sz="2000" dirty="0">
                 <a:solidFill>
                   <a:schemeClr val="tx1">
                     <a:lumMod val="50000"/>
@@ -49737,14 +49971,6 @@
               </a:rPr>
               <a:t>3 in 4 chances of winning money</a:t>
             </a:r>
-            <a:endParaRPr lang="en-US" sz="2000" dirty="0">
-              <a:solidFill>
-                <a:schemeClr val="tx1">
-                  <a:lumMod val="50000"/>
-                  <a:lumOff val="50000"/>
-                </a:schemeClr>
-              </a:solidFill>
-            </a:endParaRPr>
           </a:p>
         </p:txBody>
       </p:sp>
@@ -49758,13 +49984,6 @@
   <p:clrMapOvr>
     <a:masterClrMapping/>
   </p:clrMapOvr>
-  <p:timing>
-    <p:tnLst>
-      <p:par>
-        <p:cTn id="1" dur="indefinite" restart="never" nodeType="tmRoot"/>
-      </p:par>
-    </p:tnLst>
-  </p:timing>
 </p:sld>
 </file>
 
@@ -49990,7 +50209,7 @@
           <a:p>
             <a:pPr algn="ctr"/>
             <a:r>
-              <a:rPr lang="en-US" sz="2000" dirty="0" smtClean="0">
+              <a:rPr lang="en-US" sz="2000" dirty="0">
                 <a:solidFill>
                   <a:srgbClr val="E46C0A"/>
                 </a:solidFill>
@@ -49999,13 +50218,6 @@
               </a:rPr>
               <a:t>100% chance of positive return</a:t>
             </a:r>
-            <a:endParaRPr lang="en-US" sz="2000" dirty="0">
-              <a:solidFill>
-                <a:srgbClr val="E46C0A"/>
-              </a:solidFill>
-              <a:latin typeface="Arial" panose="020B0604020202020204" pitchFamily="34" charset="0"/>
-              <a:cs typeface="Arial" panose="020B0604020202020204" pitchFamily="34" charset="0"/>
-            </a:endParaRPr>
           </a:p>
           <a:p>
             <a:pPr marL="0" marR="0" lvl="0" indent="0" algn="ctr" defTabSz="914400" rtl="0" eaLnBrk="1" fontAlgn="auto" latinLnBrk="0" hangingPunct="1">
@@ -50025,7 +50237,7 @@
               <a:tabLst/>
               <a:defRPr/>
             </a:pPr>
-            <a:endParaRPr kumimoji="0" lang="en-US" sz="1800" b="0" i="0" u="none" strike="noStrike" kern="1200" cap="none" spc="0" normalizeH="0" baseline="0" noProof="0" dirty="0" smtClean="0">
+            <a:endParaRPr kumimoji="0" lang="en-US" sz="1800" b="0" i="0" u="none" strike="noStrike" kern="1200" cap="none" spc="0" normalizeH="0" baseline="0" noProof="0" dirty="0">
               <a:ln>
                 <a:noFill/>
               </a:ln>
@@ -50062,7 +50274,7 @@
               <a:defRPr/>
             </a:pPr>
             <a:r>
-              <a:rPr kumimoji="0" lang="en-US" sz="1800" b="0" i="0" u="none" strike="noStrike" kern="1200" cap="none" spc="0" normalizeH="0" baseline="0" noProof="0" dirty="0" smtClean="0">
+              <a:rPr kumimoji="0" lang="en-US" sz="1800" b="0" i="0" u="none" strike="noStrike" kern="1200" cap="none" spc="0" normalizeH="0" baseline="0" noProof="0" dirty="0">
                 <a:ln>
                   <a:noFill/>
                 </a:ln>
@@ -50082,7 +50294,7 @@
               <a:t>Expected</a:t>
             </a:r>
             <a:r>
-              <a:rPr kumimoji="0" lang="en-US" sz="1800" b="0" i="0" u="none" strike="noStrike" kern="1200" cap="none" spc="0" normalizeH="0" noProof="0" dirty="0" smtClean="0">
+              <a:rPr kumimoji="0" lang="en-US" sz="1800" b="0" i="0" u="none" strike="noStrike" kern="1200" cap="none" spc="0" normalizeH="0" noProof="0" dirty="0">
                 <a:ln>
                   <a:noFill/>
                 </a:ln>
@@ -50121,7 +50333,7 @@
               <a:defRPr/>
             </a:pPr>
             <a:r>
-              <a:rPr lang="en-US" baseline="0" dirty="0" smtClean="0">
+              <a:rPr lang="en-US" baseline="0" dirty="0">
                 <a:solidFill>
                   <a:prstClr val="black">
                     <a:lumMod val="50000"/>
@@ -50134,7 +50346,7 @@
               <a:t>(0.75)(1500)</a:t>
             </a:r>
             <a:r>
-              <a:rPr lang="en-US" dirty="0" smtClean="0">
+              <a:rPr lang="en-US" dirty="0">
                 <a:solidFill>
                   <a:prstClr val="black">
                     <a:lumMod val="50000"/>
@@ -50147,7 +50359,7 @@
               <a:t> + </a:t>
             </a:r>
             <a:r>
-              <a:rPr kumimoji="0" lang="en-US" sz="1800" b="0" i="0" u="none" strike="noStrike" kern="1200" cap="none" spc="0" normalizeH="0" baseline="0" noProof="0" dirty="0" smtClean="0">
+              <a:rPr kumimoji="0" lang="en-US" sz="1800" b="0" i="0" u="none" strike="noStrike" kern="1200" cap="none" spc="0" normalizeH="0" baseline="0" noProof="0" dirty="0">
                 <a:ln>
                   <a:noFill/>
                 </a:ln>
@@ -50167,7 +50379,7 @@
               <a:t>(0.25)(1100)</a:t>
             </a:r>
             <a:r>
-              <a:rPr kumimoji="0" lang="en-US" sz="1800" b="0" i="0" u="none" strike="noStrike" kern="1200" cap="none" spc="0" normalizeH="0" noProof="0" dirty="0" smtClean="0">
+              <a:rPr kumimoji="0" lang="en-US" sz="1800" b="0" i="0" u="none" strike="noStrike" kern="1200" cap="none" spc="0" normalizeH="0" noProof="0" dirty="0">
                 <a:ln>
                   <a:noFill/>
                 </a:ln>
@@ -50206,7 +50418,7 @@
               <a:defRPr/>
             </a:pPr>
             <a:r>
-              <a:rPr kumimoji="0" lang="en-US" sz="2000" b="1" i="0" u="none" strike="noStrike" kern="1200" cap="none" spc="0" normalizeH="0" baseline="0" noProof="0" dirty="0" smtClean="0">
+              <a:rPr kumimoji="0" lang="en-US" sz="2000" b="1" i="0" u="none" strike="noStrike" kern="1200" cap="none" spc="0" normalizeH="0" baseline="0" noProof="0" dirty="0">
                 <a:ln>
                   <a:noFill/>
                 </a:ln>
@@ -50222,20 +50434,6 @@
               </a:rPr>
               <a:t>$1,400</a:t>
             </a:r>
-            <a:endParaRPr kumimoji="0" lang="en-US" sz="2000" b="1" i="0" u="none" strike="noStrike" kern="1200" cap="none" spc="0" normalizeH="0" baseline="0" noProof="0" dirty="0">
-              <a:ln>
-                <a:noFill/>
-              </a:ln>
-              <a:solidFill>
-                <a:srgbClr val="E46C0A"/>
-              </a:solidFill>
-              <a:effectLst/>
-              <a:uLnTx/>
-              <a:uFillTx/>
-              <a:latin typeface="Arial" panose="020B0604020202020204" pitchFamily="34" charset="0"/>
-              <a:ea typeface="+mn-ea"/>
-              <a:cs typeface="Arial" panose="020B0604020202020204" pitchFamily="34" charset="0"/>
-            </a:endParaRPr>
           </a:p>
         </p:txBody>
       </p:sp>
@@ -50279,7 +50477,7 @@
               <a:defRPr/>
             </a:pPr>
             <a:r>
-              <a:rPr lang="en-US" sz="2000" dirty="0" smtClean="0">
+              <a:rPr lang="en-US" sz="2000" dirty="0">
                 <a:solidFill>
                   <a:srgbClr val="E46C0A"/>
                 </a:solidFill>
@@ -50288,7 +50486,7 @@
               </a:rPr>
               <a:t>75% chance of a positive return</a:t>
             </a:r>
-            <a:endParaRPr kumimoji="0" lang="en-US" sz="2000" b="1" i="0" u="none" strike="noStrike" kern="1200" cap="none" spc="0" normalizeH="0" baseline="0" noProof="0" dirty="0" smtClean="0">
+            <a:endParaRPr kumimoji="0" lang="en-US" sz="2000" b="1" i="0" u="none" strike="noStrike" kern="1200" cap="none" spc="0" normalizeH="0" baseline="0" noProof="0" dirty="0">
               <a:ln>
                 <a:noFill/>
               </a:ln>
@@ -50350,7 +50548,7 @@
               <a:defRPr/>
             </a:pPr>
             <a:r>
-              <a:rPr kumimoji="0" lang="en-US" sz="1800" b="0" i="0" u="none" strike="noStrike" kern="1200" cap="none" spc="0" normalizeH="0" baseline="0" noProof="0" dirty="0" smtClean="0">
+              <a:rPr kumimoji="0" lang="en-US" sz="1800" b="0" i="0" u="none" strike="noStrike" kern="1200" cap="none" spc="0" normalizeH="0" baseline="0" noProof="0" dirty="0">
                 <a:ln>
                   <a:noFill/>
                 </a:ln>
@@ -50370,7 +50568,7 @@
               <a:t>Expected</a:t>
             </a:r>
             <a:r>
-              <a:rPr kumimoji="0" lang="en-US" sz="1800" b="0" i="0" u="none" strike="noStrike" kern="1200" cap="none" spc="0" normalizeH="0" noProof="0" dirty="0" smtClean="0">
+              <a:rPr kumimoji="0" lang="en-US" sz="1800" b="0" i="0" u="none" strike="noStrike" kern="1200" cap="none" spc="0" normalizeH="0" noProof="0" dirty="0">
                 <a:ln>
                   <a:noFill/>
                 </a:ln>
@@ -50409,7 +50607,7 @@
               <a:defRPr/>
             </a:pPr>
             <a:r>
-              <a:rPr kumimoji="0" lang="en-US" sz="1800" b="0" i="0" u="none" strike="noStrike" kern="1200" cap="none" spc="0" normalizeH="0" noProof="0" dirty="0" smtClean="0">
+              <a:rPr kumimoji="0" lang="en-US" sz="1800" b="0" i="0" u="none" strike="noStrike" kern="1200" cap="none" spc="0" normalizeH="0" noProof="0" dirty="0">
                 <a:ln>
                   <a:noFill/>
                 </a:ln>
@@ -50448,7 +50646,7 @@
               <a:defRPr/>
             </a:pPr>
             <a:r>
-              <a:rPr lang="en-US" sz="2000" b="1" baseline="0" dirty="0" smtClean="0">
+              <a:rPr lang="en-US" sz="2000" b="1" baseline="0" dirty="0">
                 <a:solidFill>
                   <a:srgbClr val="E46C0A"/>
                 </a:solidFill>
@@ -50605,13 +50803,6 @@
   <p:clrMapOvr>
     <a:masterClrMapping/>
   </p:clrMapOvr>
-  <p:timing>
-    <p:tnLst>
-      <p:par>
-        <p:cTn id="1" dur="indefinite" restart="never" nodeType="tmRoot"/>
-      </p:par>
-    </p:tnLst>
-  </p:timing>
 </p:sld>
 </file>
 
@@ -51549,13 +51740,6 @@
   <p:clrMapOvr>
     <a:masterClrMapping/>
   </p:clrMapOvr>
-  <p:timing>
-    <p:tnLst>
-      <p:par>
-        <p:cTn id="1" dur="indefinite" restart="never" nodeType="tmRoot"/>
-      </p:par>
-    </p:tnLst>
-  </p:timing>
 </p:sld>
 </file>
 
